--- a/朱强软件工程第三次答辩.pptx
+++ b/朱强软件工程第三次答辩.pptx
@@ -1,46 +1,46 @@
 
 <file path=ppt/presentation.xml><?xml version="1.0" encoding="utf-8"?>
-<p:presentation xmlns:a="http://schemas.openxmlformats.org/drawingml/2006/main" xmlns:r="http://schemas.openxmlformats.org/officeDocument/2006/relationships" xmlns:p="http://schemas.openxmlformats.org/presentationml/2006/main" saveSubsetFonts="1">
+<p:presentation xmlns:a="http://schemas.openxmlformats.org/drawingml/2006/main" xmlns:r="http://schemas.openxmlformats.org/officeDocument/2006/relationships" xmlns:p="http://schemas.openxmlformats.org/presentationml/2006/main">
   <p:sldMasterIdLst>
     <p:sldMasterId id="2147483648" r:id="rId1"/>
   </p:sldMasterIdLst>
   <p:notesMasterIdLst>
-    <p:notesMasterId r:id="rId30"/>
+    <p:notesMasterId r:id="rId5"/>
   </p:notesMasterIdLst>
   <p:handoutMasterIdLst>
-    <p:handoutMasterId r:id="rId31"/>
+    <p:handoutMasterId r:id="rId32"/>
   </p:handoutMasterIdLst>
   <p:sldIdLst>
-    <p:sldId id="457" r:id="rId2"/>
-    <p:sldId id="427" r:id="rId3"/>
-    <p:sldId id="428" r:id="rId4"/>
-    <p:sldId id="442" r:id="rId5"/>
-    <p:sldId id="431" r:id="rId6"/>
-    <p:sldId id="458" r:id="rId7"/>
-    <p:sldId id="435" r:id="rId8"/>
-    <p:sldId id="468" r:id="rId9"/>
-    <p:sldId id="469" r:id="rId10"/>
-    <p:sldId id="470" r:id="rId11"/>
-    <p:sldId id="440" r:id="rId12"/>
-    <p:sldId id="459" r:id="rId13"/>
-    <p:sldId id="464" r:id="rId14"/>
-    <p:sldId id="466" r:id="rId15"/>
-    <p:sldId id="467" r:id="rId16"/>
-    <p:sldId id="463" r:id="rId17"/>
-    <p:sldId id="465" r:id="rId18"/>
-    <p:sldId id="449" r:id="rId19"/>
-    <p:sldId id="475" r:id="rId20"/>
-    <p:sldId id="476" r:id="rId21"/>
-    <p:sldId id="481" r:id="rId22"/>
-    <p:sldId id="480" r:id="rId23"/>
-    <p:sldId id="477" r:id="rId24"/>
-    <p:sldId id="479" r:id="rId25"/>
-    <p:sldId id="482" r:id="rId26"/>
-    <p:sldId id="483" r:id="rId27"/>
-    <p:sldId id="484" r:id="rId28"/>
-    <p:sldId id="456" r:id="rId29"/>
+    <p:sldId id="457" r:id="rId3"/>
+    <p:sldId id="427" r:id="rId4"/>
+    <p:sldId id="428" r:id="rId6"/>
+    <p:sldId id="442" r:id="rId7"/>
+    <p:sldId id="431" r:id="rId8"/>
+    <p:sldId id="458" r:id="rId9"/>
+    <p:sldId id="435" r:id="rId10"/>
+    <p:sldId id="468" r:id="rId11"/>
+    <p:sldId id="469" r:id="rId12"/>
+    <p:sldId id="470" r:id="rId13"/>
+    <p:sldId id="440" r:id="rId14"/>
+    <p:sldId id="459" r:id="rId15"/>
+    <p:sldId id="464" r:id="rId16"/>
+    <p:sldId id="466" r:id="rId17"/>
+    <p:sldId id="467" r:id="rId18"/>
+    <p:sldId id="463" r:id="rId19"/>
+    <p:sldId id="465" r:id="rId20"/>
+    <p:sldId id="449" r:id="rId21"/>
+    <p:sldId id="475" r:id="rId22"/>
+    <p:sldId id="476" r:id="rId23"/>
+    <p:sldId id="481" r:id="rId24"/>
+    <p:sldId id="480" r:id="rId25"/>
+    <p:sldId id="477" r:id="rId26"/>
+    <p:sldId id="479" r:id="rId27"/>
+    <p:sldId id="482" r:id="rId28"/>
+    <p:sldId id="483" r:id="rId29"/>
+    <p:sldId id="484" r:id="rId30"/>
+    <p:sldId id="456" r:id="rId31"/>
   </p:sldIdLst>
-  <p:sldSz cx="15360650" cy="8640763"/>
+  <p:sldSz cx="15360650" cy="8640445"/>
   <p:notesSz cx="6858000" cy="9144000"/>
   <p:defaultTextStyle>
     <a:defPPr>
@@ -57,12 +57,12 @@
         <a:solidFill>
           <a:schemeClr val="tx1"/>
         </a:solidFill>
-        <a:latin typeface="Arial" pitchFamily="34" charset="0"/>
-        <a:ea typeface="宋体" pitchFamily="2" charset="-122"/>
+        <a:latin typeface="Arial" panose="020B0604020202020204" pitchFamily="34" charset="0"/>
+        <a:ea typeface="宋体" panose="02010600030101010101" pitchFamily="2" charset="-122"/>
         <a:cs typeface="+mn-cs"/>
       </a:defRPr>
     </a:lvl1pPr>
-    <a:lvl2pPr marL="576072" algn="l" rtl="0" fontAlgn="base">
+    <a:lvl2pPr marL="575945" algn="l" rtl="0" fontAlgn="base">
       <a:spcBef>
         <a:spcPct val="0"/>
       </a:spcBef>
@@ -73,12 +73,12 @@
         <a:solidFill>
           <a:schemeClr val="tx1"/>
         </a:solidFill>
-        <a:latin typeface="Arial" pitchFamily="34" charset="0"/>
-        <a:ea typeface="宋体" pitchFamily="2" charset="-122"/>
+        <a:latin typeface="Arial" panose="020B0604020202020204" pitchFamily="34" charset="0"/>
+        <a:ea typeface="宋体" panose="02010600030101010101" pitchFamily="2" charset="-122"/>
         <a:cs typeface="+mn-cs"/>
       </a:defRPr>
     </a:lvl2pPr>
-    <a:lvl3pPr marL="1152144" algn="l" rtl="0" fontAlgn="base">
+    <a:lvl3pPr marL="1151890" algn="l" rtl="0" fontAlgn="base">
       <a:spcBef>
         <a:spcPct val="0"/>
       </a:spcBef>
@@ -89,12 +89,12 @@
         <a:solidFill>
           <a:schemeClr val="tx1"/>
         </a:solidFill>
-        <a:latin typeface="Arial" pitchFamily="34" charset="0"/>
-        <a:ea typeface="宋体" pitchFamily="2" charset="-122"/>
+        <a:latin typeface="Arial" panose="020B0604020202020204" pitchFamily="34" charset="0"/>
+        <a:ea typeface="宋体" panose="02010600030101010101" pitchFamily="2" charset="-122"/>
         <a:cs typeface="+mn-cs"/>
       </a:defRPr>
     </a:lvl3pPr>
-    <a:lvl4pPr marL="1728216" algn="l" rtl="0" fontAlgn="base">
+    <a:lvl4pPr marL="1728470" algn="l" rtl="0" fontAlgn="base">
       <a:spcBef>
         <a:spcPct val="0"/>
       </a:spcBef>
@@ -105,12 +105,12 @@
         <a:solidFill>
           <a:schemeClr val="tx1"/>
         </a:solidFill>
-        <a:latin typeface="Arial" pitchFamily="34" charset="0"/>
-        <a:ea typeface="宋体" pitchFamily="2" charset="-122"/>
+        <a:latin typeface="Arial" panose="020B0604020202020204" pitchFamily="34" charset="0"/>
+        <a:ea typeface="宋体" panose="02010600030101010101" pitchFamily="2" charset="-122"/>
         <a:cs typeface="+mn-cs"/>
       </a:defRPr>
     </a:lvl4pPr>
-    <a:lvl5pPr marL="2304288" algn="l" rtl="0" fontAlgn="base">
+    <a:lvl5pPr marL="2304415" algn="l" rtl="0" fontAlgn="base">
       <a:spcBef>
         <a:spcPct val="0"/>
       </a:spcBef>
@@ -121,82 +121,52 @@
         <a:solidFill>
           <a:schemeClr val="tx1"/>
         </a:solidFill>
-        <a:latin typeface="Arial" pitchFamily="34" charset="0"/>
-        <a:ea typeface="宋体" pitchFamily="2" charset="-122"/>
+        <a:latin typeface="Arial" panose="020B0604020202020204" pitchFamily="34" charset="0"/>
+        <a:ea typeface="宋体" panose="02010600030101010101" pitchFamily="2" charset="-122"/>
         <a:cs typeface="+mn-cs"/>
       </a:defRPr>
     </a:lvl5pPr>
-    <a:lvl6pPr marL="2880360" algn="l" defTabSz="1152144" rtl="0" eaLnBrk="1" latinLnBrk="0" hangingPunct="1">
+    <a:lvl6pPr marL="2880360" algn="l" defTabSz="1151890" rtl="0" eaLnBrk="1" latinLnBrk="0" hangingPunct="1">
       <a:defRPr kern="1200">
         <a:solidFill>
           <a:schemeClr val="tx1"/>
         </a:solidFill>
-        <a:latin typeface="Arial" pitchFamily="34" charset="0"/>
-        <a:ea typeface="宋体" pitchFamily="2" charset="-122"/>
+        <a:latin typeface="Arial" panose="020B0604020202020204" pitchFamily="34" charset="0"/>
+        <a:ea typeface="宋体" panose="02010600030101010101" pitchFamily="2" charset="-122"/>
         <a:cs typeface="+mn-cs"/>
       </a:defRPr>
     </a:lvl6pPr>
-    <a:lvl7pPr marL="3456432" algn="l" defTabSz="1152144" rtl="0" eaLnBrk="1" latinLnBrk="0" hangingPunct="1">
+    <a:lvl7pPr marL="3456305" algn="l" defTabSz="1151890" rtl="0" eaLnBrk="1" latinLnBrk="0" hangingPunct="1">
       <a:defRPr kern="1200">
         <a:solidFill>
           <a:schemeClr val="tx1"/>
         </a:solidFill>
-        <a:latin typeface="Arial" pitchFamily="34" charset="0"/>
-        <a:ea typeface="宋体" pitchFamily="2" charset="-122"/>
+        <a:latin typeface="Arial" panose="020B0604020202020204" pitchFamily="34" charset="0"/>
+        <a:ea typeface="宋体" panose="02010600030101010101" pitchFamily="2" charset="-122"/>
         <a:cs typeface="+mn-cs"/>
       </a:defRPr>
     </a:lvl7pPr>
-    <a:lvl8pPr marL="4032504" algn="l" defTabSz="1152144" rtl="0" eaLnBrk="1" latinLnBrk="0" hangingPunct="1">
+    <a:lvl8pPr marL="4032250" algn="l" defTabSz="1151890" rtl="0" eaLnBrk="1" latinLnBrk="0" hangingPunct="1">
       <a:defRPr kern="1200">
         <a:solidFill>
           <a:schemeClr val="tx1"/>
         </a:solidFill>
-        <a:latin typeface="Arial" pitchFamily="34" charset="0"/>
-        <a:ea typeface="宋体" pitchFamily="2" charset="-122"/>
+        <a:latin typeface="Arial" panose="020B0604020202020204" pitchFamily="34" charset="0"/>
+        <a:ea typeface="宋体" panose="02010600030101010101" pitchFamily="2" charset="-122"/>
         <a:cs typeface="+mn-cs"/>
       </a:defRPr>
     </a:lvl8pPr>
-    <a:lvl9pPr marL="4608576" algn="l" defTabSz="1152144" rtl="0" eaLnBrk="1" latinLnBrk="0" hangingPunct="1">
+    <a:lvl9pPr marL="4608830" algn="l" defTabSz="1151890" rtl="0" eaLnBrk="1" latinLnBrk="0" hangingPunct="1">
       <a:defRPr kern="1200">
         <a:solidFill>
           <a:schemeClr val="tx1"/>
         </a:solidFill>
-        <a:latin typeface="Arial" pitchFamily="34" charset="0"/>
-        <a:ea typeface="宋体" pitchFamily="2" charset="-122"/>
+        <a:latin typeface="Arial" panose="020B0604020202020204" pitchFamily="34" charset="0"/>
+        <a:ea typeface="宋体" panose="02010600030101010101" pitchFamily="2" charset="-122"/>
         <a:cs typeface="+mn-cs"/>
       </a:defRPr>
     </a:lvl9pPr>
   </p:defaultTextStyle>
-  <p:extLst>
-    <p:ext uri="{EFAFB233-063F-42B5-8137-9DF3F51BA10A}">
-      <p15:sldGuideLst xmlns:p15="http://schemas.microsoft.com/office/powerpoint/2012/main">
-        <p15:guide id="1" orient="horz" pos="2722" userDrawn="1">
-          <p15:clr>
-            <a:srgbClr val="A4A3A4"/>
-          </p15:clr>
-        </p15:guide>
-        <p15:guide id="2" pos="4838" userDrawn="1">
-          <p15:clr>
-            <a:srgbClr val="A4A3A4"/>
-          </p15:clr>
-        </p15:guide>
-      </p15:sldGuideLst>
-    </p:ext>
-    <p:ext uri="{2D200454-40CA-4A62-9FC3-DE9A4176ACB9}">
-      <p15:notesGuideLst xmlns:p15="http://schemas.microsoft.com/office/powerpoint/2012/main">
-        <p15:guide id="1" orient="horz" pos="2880">
-          <p15:clr>
-            <a:srgbClr val="A4A3A4"/>
-          </p15:clr>
-        </p15:guide>
-        <p15:guide id="2" pos="2160">
-          <p15:clr>
-            <a:srgbClr val="A4A3A4"/>
-          </p15:clr>
-        </p15:guide>
-      </p15:notesGuideLst>
-    </p:ext>
-  </p:extLst>
 </p:presentation>
 </file>
 
@@ -246,7 +216,7 @@
           <a:lstStyle>
             <a:lvl1pPr algn="l">
               <a:defRPr sz="1200">
-                <a:latin typeface="Arial" charset="0"/>
+                <a:latin typeface="Arial" panose="020B0604020202020204" pitchFamily="34" charset="0"/>
               </a:defRPr>
             </a:lvl1pPr>
           </a:lstStyle>
@@ -282,7 +252,7 @@
           <a:lstStyle>
             <a:lvl1pPr algn="r">
               <a:defRPr sz="1200">
-                <a:latin typeface="Arial" charset="0"/>
+                <a:latin typeface="Arial" panose="020B0604020202020204" pitchFamily="34" charset="0"/>
               </a:defRPr>
             </a:lvl1pPr>
           </a:lstStyle>
@@ -292,10 +262,6 @@
             </a:pPr>
             <a:fld id="{AE1A7895-9E8F-4C50-B5E8-7345F3E6B0B6}" type="datetimeFigureOut">
               <a:rPr lang="zh-CN" altLang="en-US"/>
-              <a:pPr>
-                <a:defRPr/>
-              </a:pPr>
-              <a:t>2018/5/6</a:t>
             </a:fld>
             <a:endParaRPr lang="zh-CN" altLang="en-US"/>
           </a:p>
@@ -325,7 +291,7 @@
           <a:lstStyle>
             <a:lvl1pPr algn="l">
               <a:defRPr sz="1200">
-                <a:latin typeface="Arial" charset="0"/>
+                <a:latin typeface="Arial" panose="020B0604020202020204" pitchFamily="34" charset="0"/>
               </a:defRPr>
             </a:lvl1pPr>
           </a:lstStyle>
@@ -361,7 +327,7 @@
           <a:lstStyle>
             <a:lvl1pPr algn="r">
               <a:defRPr sz="1200">
-                <a:latin typeface="Arial" charset="0"/>
+                <a:latin typeface="Arial" panose="020B0604020202020204" pitchFamily="34" charset="0"/>
               </a:defRPr>
             </a:lvl1pPr>
           </a:lstStyle>
@@ -371,21 +337,12 @@
             </a:pPr>
             <a:fld id="{41C19984-4B2A-48B4-B869-87DEC631B6E0}" type="slidenum">
               <a:rPr lang="zh-CN" altLang="en-US"/>
-              <a:pPr>
-                <a:defRPr/>
-              </a:pPr>
-              <a:t>‹#›</a:t>
             </a:fld>
             <a:endParaRPr lang="zh-CN" altLang="en-US"/>
           </a:p>
         </p:txBody>
       </p:sp>
     </p:spTree>
-    <p:extLst>
-      <p:ext uri="{BB962C8B-B14F-4D97-AF65-F5344CB8AC3E}">
-        <p14:creationId xmlns:p14="http://schemas.microsoft.com/office/powerpoint/2010/main" val="1447293566"/>
-      </p:ext>
-    </p:extLst>
   </p:cSld>
   <p:clrMap bg1="lt1" tx1="dk1" bg2="lt2" tx2="dk2" accent1="accent1" accent2="accent2" accent3="accent3" accent4="accent4" accent5="accent5" accent6="accent6" hlink="hlink" folHlink="folHlink"/>
 </p:handoutMaster>
@@ -473,8 +430,6 @@
           <a:p>
             <a:fld id="{ECED0698-BD05-4639-9D81-B9F65B9CB3B9}" type="datetimeFigureOut">
               <a:rPr lang="zh-CN" altLang="en-US" smtClean="0"/>
-              <a:pPr/>
-              <a:t>2018/5/6</a:t>
             </a:fld>
             <a:endParaRPr lang="zh-CN" altLang="en-US"/>
           </a:p>
@@ -543,6 +498,7 @@
               <a:rPr lang="zh-CN" altLang="en-US" smtClean="0"/>
               <a:t>单击此处编辑母版文本样式</a:t>
             </a:r>
+            <a:endParaRPr lang="zh-CN" altLang="en-US" smtClean="0"/>
           </a:p>
           <a:p>
             <a:pPr lvl="1"/>
@@ -550,6 +506,7 @@
               <a:rPr lang="zh-CN" altLang="en-US" smtClean="0"/>
               <a:t>第二级</a:t>
             </a:r>
+            <a:endParaRPr lang="zh-CN" altLang="en-US" smtClean="0"/>
           </a:p>
           <a:p>
             <a:pPr lvl="2"/>
@@ -557,6 +514,7 @@
               <a:rPr lang="zh-CN" altLang="en-US" smtClean="0"/>
               <a:t>第三级</a:t>
             </a:r>
+            <a:endParaRPr lang="zh-CN" altLang="en-US" smtClean="0"/>
           </a:p>
           <a:p>
             <a:pPr lvl="3"/>
@@ -564,6 +522,7 @@
               <a:rPr lang="zh-CN" altLang="en-US" smtClean="0"/>
               <a:t>第四级</a:t>
             </a:r>
+            <a:endParaRPr lang="zh-CN" altLang="en-US" smtClean="0"/>
           </a:p>
           <a:p>
             <a:pPr lvl="4"/>
@@ -635,23 +594,16 @@
           <a:p>
             <a:fld id="{D50DEE79-D6A9-404B-B2E7-14B1D3548937}" type="slidenum">
               <a:rPr lang="zh-CN" altLang="en-US" smtClean="0"/>
-              <a:pPr/>
-              <a:t>‹#›</a:t>
             </a:fld>
             <a:endParaRPr lang="zh-CN" altLang="en-US"/>
           </a:p>
         </p:txBody>
       </p:sp>
     </p:spTree>
-    <p:extLst>
-      <p:ext uri="{BB962C8B-B14F-4D97-AF65-F5344CB8AC3E}">
-        <p14:creationId xmlns:p14="http://schemas.microsoft.com/office/powerpoint/2010/main" val="168644474"/>
-      </p:ext>
-    </p:extLst>
   </p:cSld>
   <p:clrMap bg1="lt1" tx1="dk1" bg2="lt2" tx2="dk2" accent1="accent1" accent2="accent2" accent3="accent3" accent4="accent4" accent5="accent5" accent6="accent6" hlink="hlink" folHlink="folHlink"/>
   <p:notesStyle>
-    <a:lvl1pPr marL="0" algn="l" defTabSz="1152144" rtl="0" eaLnBrk="1" latinLnBrk="0" hangingPunct="1">
+    <a:lvl1pPr marL="0" algn="l" defTabSz="1151890" rtl="0" eaLnBrk="1" latinLnBrk="0" hangingPunct="1">
       <a:defRPr sz="1500" kern="1200">
         <a:solidFill>
           <a:schemeClr val="tx1"/>
@@ -661,7 +613,7 @@
         <a:cs typeface="+mn-cs"/>
       </a:defRPr>
     </a:lvl1pPr>
-    <a:lvl2pPr marL="576072" algn="l" defTabSz="1152144" rtl="0" eaLnBrk="1" latinLnBrk="0" hangingPunct="1">
+    <a:lvl2pPr marL="575945" algn="l" defTabSz="1151890" rtl="0" eaLnBrk="1" latinLnBrk="0" hangingPunct="1">
       <a:defRPr sz="1500" kern="1200">
         <a:solidFill>
           <a:schemeClr val="tx1"/>
@@ -671,7 +623,7 @@
         <a:cs typeface="+mn-cs"/>
       </a:defRPr>
     </a:lvl2pPr>
-    <a:lvl3pPr marL="1152144" algn="l" defTabSz="1152144" rtl="0" eaLnBrk="1" latinLnBrk="0" hangingPunct="1">
+    <a:lvl3pPr marL="1151890" algn="l" defTabSz="1151890" rtl="0" eaLnBrk="1" latinLnBrk="0" hangingPunct="1">
       <a:defRPr sz="1500" kern="1200">
         <a:solidFill>
           <a:schemeClr val="tx1"/>
@@ -681,7 +633,7 @@
         <a:cs typeface="+mn-cs"/>
       </a:defRPr>
     </a:lvl3pPr>
-    <a:lvl4pPr marL="1728216" algn="l" defTabSz="1152144" rtl="0" eaLnBrk="1" latinLnBrk="0" hangingPunct="1">
+    <a:lvl4pPr marL="1728470" algn="l" defTabSz="1151890" rtl="0" eaLnBrk="1" latinLnBrk="0" hangingPunct="1">
       <a:defRPr sz="1500" kern="1200">
         <a:solidFill>
           <a:schemeClr val="tx1"/>
@@ -691,7 +643,7 @@
         <a:cs typeface="+mn-cs"/>
       </a:defRPr>
     </a:lvl4pPr>
-    <a:lvl5pPr marL="2304288" algn="l" defTabSz="1152144" rtl="0" eaLnBrk="1" latinLnBrk="0" hangingPunct="1">
+    <a:lvl5pPr marL="2304415" algn="l" defTabSz="1151890" rtl="0" eaLnBrk="1" latinLnBrk="0" hangingPunct="1">
       <a:defRPr sz="1500" kern="1200">
         <a:solidFill>
           <a:schemeClr val="tx1"/>
@@ -701,7 +653,7 @@
         <a:cs typeface="+mn-cs"/>
       </a:defRPr>
     </a:lvl5pPr>
-    <a:lvl6pPr marL="2880360" algn="l" defTabSz="1152144" rtl="0" eaLnBrk="1" latinLnBrk="0" hangingPunct="1">
+    <a:lvl6pPr marL="2880360" algn="l" defTabSz="1151890" rtl="0" eaLnBrk="1" latinLnBrk="0" hangingPunct="1">
       <a:defRPr sz="1500" kern="1200">
         <a:solidFill>
           <a:schemeClr val="tx1"/>
@@ -711,7 +663,7 @@
         <a:cs typeface="+mn-cs"/>
       </a:defRPr>
     </a:lvl6pPr>
-    <a:lvl7pPr marL="3456432" algn="l" defTabSz="1152144" rtl="0" eaLnBrk="1" latinLnBrk="0" hangingPunct="1">
+    <a:lvl7pPr marL="3456305" algn="l" defTabSz="1151890" rtl="0" eaLnBrk="1" latinLnBrk="0" hangingPunct="1">
       <a:defRPr sz="1500" kern="1200">
         <a:solidFill>
           <a:schemeClr val="tx1"/>
@@ -721,7 +673,7 @@
         <a:cs typeface="+mn-cs"/>
       </a:defRPr>
     </a:lvl7pPr>
-    <a:lvl8pPr marL="4032504" algn="l" defTabSz="1152144" rtl="0" eaLnBrk="1" latinLnBrk="0" hangingPunct="1">
+    <a:lvl8pPr marL="4032250" algn="l" defTabSz="1151890" rtl="0" eaLnBrk="1" latinLnBrk="0" hangingPunct="1">
       <a:defRPr sz="1500" kern="1200">
         <a:solidFill>
           <a:schemeClr val="tx1"/>
@@ -731,7 +683,7 @@
         <a:cs typeface="+mn-cs"/>
       </a:defRPr>
     </a:lvl8pPr>
-    <a:lvl9pPr marL="4608576" algn="l" defTabSz="1152144" rtl="0" eaLnBrk="1" latinLnBrk="0" hangingPunct="1">
+    <a:lvl9pPr marL="4608830" algn="l" defTabSz="1151890" rtl="0" eaLnBrk="1" latinLnBrk="0" hangingPunct="1">
       <a:defRPr sz="1500" kern="1200">
         <a:solidFill>
           <a:schemeClr val="tx1"/>
@@ -815,19 +767,12 @@
           <a:p>
             <a:fld id="{D50DEE79-D6A9-404B-B2E7-14B1D3548937}" type="slidenum">
               <a:rPr lang="zh-CN" altLang="en-US" smtClean="0"/>
-              <a:pPr/>
-              <a:t>2</a:t>
             </a:fld>
             <a:endParaRPr lang="zh-CN" altLang="en-US"/>
           </a:p>
         </p:txBody>
       </p:sp>
     </p:spTree>
-    <p:extLst>
-      <p:ext uri="{BB962C8B-B14F-4D97-AF65-F5344CB8AC3E}">
-        <p14:creationId xmlns:p14="http://schemas.microsoft.com/office/powerpoint/2010/main" val="1339641812"/>
-      </p:ext>
-    </p:extLst>
   </p:cSld>
   <p:clrMapOvr>
     <a:masterClrMapping/>
@@ -900,19 +845,12 @@
           <a:p>
             <a:fld id="{D50DEE79-D6A9-404B-B2E7-14B1D3548937}" type="slidenum">
               <a:rPr lang="zh-CN" altLang="en-US" smtClean="0"/>
-              <a:pPr/>
-              <a:t>4</a:t>
             </a:fld>
             <a:endParaRPr lang="zh-CN" altLang="en-US"/>
           </a:p>
         </p:txBody>
       </p:sp>
     </p:spTree>
-    <p:extLst>
-      <p:ext uri="{BB962C8B-B14F-4D97-AF65-F5344CB8AC3E}">
-        <p14:creationId xmlns:p14="http://schemas.microsoft.com/office/powerpoint/2010/main" val="1164040150"/>
-      </p:ext>
-    </p:extLst>
   </p:cSld>
   <p:clrMapOvr>
     <a:masterClrMapping/>
@@ -921,7 +859,7 @@
 </file>
 
 <file path=ppt/slideLayouts/slideLayout1.xml><?xml version="1.0" encoding="utf-8"?>
-<p:sldLayout xmlns:a="http://schemas.openxmlformats.org/drawingml/2006/main" xmlns:r="http://schemas.openxmlformats.org/officeDocument/2006/relationships" xmlns:p="http://schemas.openxmlformats.org/presentationml/2006/main" showMasterSp="0" preserve="1" userDrawn="1">
+<p:sldLayout xmlns:a="http://schemas.openxmlformats.org/drawingml/2006/main" xmlns:r="http://schemas.openxmlformats.org/officeDocument/2006/relationships" xmlns:p="http://schemas.openxmlformats.org/presentationml/2006/main" preserve="1" showMasterSp="0" userDrawn="1">
   <p:cSld name="自定义版式">
     <p:spTree>
       <p:nvGrpSpPr>
@@ -1068,12 +1006,12 @@
               </a:buClr>
               <a:buSzPct val="70000"/>
               <a:tabLst>
-                <a:tab pos="229323" algn="l"/>
+                <a:tab pos="229235" algn="l"/>
               </a:tabLst>
             </a:pPr>
             <a:endParaRPr lang="zh-CN" altLang="en-US" sz="2400">
-              <a:latin typeface="微软雅黑" pitchFamily="34" charset="-122"/>
-              <a:ea typeface="微软雅黑" pitchFamily="34" charset="-122"/>
+              <a:latin typeface="微软雅黑" panose="020B0503020204020204" pitchFamily="34" charset="-122"/>
+              <a:ea typeface="微软雅黑" panose="020B0503020204020204" pitchFamily="34" charset="-122"/>
             </a:endParaRPr>
           </a:p>
         </p:txBody>
@@ -1283,7 +1221,7 @@
           </a:bodyPr>
           <a:lstStyle/>
           <a:p>
-            <a:pPr marL="0" marR="0" indent="0" algn="ctr" defTabSz="1535923" rtl="0" eaLnBrk="1" fontAlgn="base" latinLnBrk="0" hangingPunct="1">
+            <a:pPr marL="0" marR="0" indent="0" algn="ctr" defTabSz="1535430" rtl="0" eaLnBrk="1" fontAlgn="base" latinLnBrk="0" hangingPunct="1">
               <a:lnSpc>
                 <a:spcPct val="100000"/>
               </a:lnSpc>
@@ -1297,78 +1235,77 @@
               <a:buSzTx/>
               <a:buFontTx/>
               <a:buNone/>
-              <a:tabLst/>
               <a:defRPr/>
             </a:pPr>
             <a:r>
-              <a:rPr lang="en-US" altLang="zh-CN" sz="3066" spc="504" dirty="0" smtClean="0">
+              <a:rPr lang="en-US" altLang="zh-CN" sz="3065" spc="504" dirty="0" smtClean="0">
                 <a:solidFill>
                   <a:schemeClr val="bg1"/>
                 </a:solidFill>
-                <a:latin typeface="微软雅黑" pitchFamily="34" charset="-122"/>
-                <a:ea typeface="微软雅黑" pitchFamily="34" charset="-122"/>
+                <a:latin typeface="微软雅黑" panose="020B0503020204020204" pitchFamily="34" charset="-122"/>
+                <a:ea typeface="微软雅黑" panose="020B0503020204020204" pitchFamily="34" charset="-122"/>
               </a:rPr>
               <a:t>『</a:t>
             </a:r>
             <a:r>
-              <a:rPr lang="zh-CN" altLang="en-US" sz="3066" spc="504" dirty="0" smtClean="0">
+              <a:rPr lang="zh-CN" altLang="en-US" sz="3065" spc="504" dirty="0" smtClean="0">
                 <a:solidFill>
                   <a:schemeClr val="bg1"/>
                 </a:solidFill>
-                <a:latin typeface="微软雅黑" pitchFamily="34" charset="-122"/>
-                <a:ea typeface="微软雅黑" pitchFamily="34" charset="-122"/>
+                <a:latin typeface="微软雅黑" panose="020B0503020204020204" pitchFamily="34" charset="-122"/>
+                <a:ea typeface="微软雅黑" panose="020B0503020204020204" pitchFamily="34" charset="-122"/>
               </a:rPr>
               <a:t>第一</a:t>
             </a:r>
             <a:r>
-              <a:rPr lang="en-US" altLang="zh-CN" sz="3066" spc="504" dirty="0" smtClean="0">
+              <a:rPr lang="en-US" altLang="zh-CN" sz="3065" spc="504" dirty="0" smtClean="0">
                 <a:solidFill>
                   <a:schemeClr val="bg1"/>
                 </a:solidFill>
-                <a:latin typeface="Arial Unicode MS" pitchFamily="34" charset="-122"/>
-                <a:ea typeface="Arial Unicode MS" pitchFamily="34" charset="-122"/>
-                <a:cs typeface="Arial Unicode MS" pitchFamily="34" charset="-122"/>
+                <a:latin typeface="Arial Unicode MS" panose="020B0604020202020204" pitchFamily="34" charset="-122"/>
+                <a:ea typeface="Arial Unicode MS" panose="020B0604020202020204" pitchFamily="34" charset="-122"/>
+                <a:cs typeface="Arial Unicode MS" panose="020B0604020202020204" pitchFamily="34" charset="-122"/>
               </a:rPr>
               <a:t>PPT</a:t>
             </a:r>
             <a:r>
-              <a:rPr lang="en-US" altLang="zh-CN" sz="3066" spc="504" baseline="0" dirty="0" smtClean="0">
+              <a:rPr lang="en-US" altLang="zh-CN" sz="3065" spc="504" baseline="0" dirty="0" smtClean="0">
                 <a:solidFill>
                   <a:schemeClr val="bg1"/>
                 </a:solidFill>
-                <a:latin typeface="微软雅黑" pitchFamily="34" charset="-122"/>
-                <a:ea typeface="微软雅黑" pitchFamily="34" charset="-122"/>
+                <a:latin typeface="微软雅黑" panose="020B0503020204020204" pitchFamily="34" charset="-122"/>
+                <a:ea typeface="微软雅黑" panose="020B0503020204020204" pitchFamily="34" charset="-122"/>
               </a:rPr>
               <a:t>』—</a:t>
             </a:r>
             <a:r>
-              <a:rPr lang="zh-CN" altLang="en-US" sz="3066" spc="504" baseline="0" dirty="0" smtClean="0">
+              <a:rPr lang="zh-CN" altLang="en-US" sz="3065" spc="504" baseline="0" dirty="0" smtClean="0">
                 <a:solidFill>
                   <a:schemeClr val="bg1"/>
                 </a:solidFill>
-                <a:latin typeface="微软雅黑" pitchFamily="34" charset="-122"/>
-                <a:ea typeface="微软雅黑" pitchFamily="34" charset="-122"/>
+                <a:latin typeface="微软雅黑" panose="020B0503020204020204" pitchFamily="34" charset="-122"/>
+                <a:ea typeface="微软雅黑" panose="020B0503020204020204" pitchFamily="34" charset="-122"/>
               </a:rPr>
               <a:t> </a:t>
             </a:r>
             <a:r>
-              <a:rPr lang="en-US" altLang="zh-CN" sz="3066" b="0" spc="0" dirty="0" smtClean="0">
+              <a:rPr lang="en-US" altLang="zh-CN" sz="3065" b="0" spc="0" dirty="0" smtClean="0">
                 <a:solidFill>
                   <a:schemeClr val="bg1"/>
                 </a:solidFill>
-                <a:latin typeface="Arial Unicode MS" pitchFamily="34" charset="-122"/>
-                <a:ea typeface="Arial Unicode MS" pitchFamily="34" charset="-122"/>
-                <a:cs typeface="Arial Unicode MS" pitchFamily="34" charset="-122"/>
+                <a:latin typeface="Arial Unicode MS" panose="020B0604020202020204" pitchFamily="34" charset="-122"/>
+                <a:ea typeface="Arial Unicode MS" panose="020B0604020202020204" pitchFamily="34" charset="-122"/>
+                <a:cs typeface="Arial Unicode MS" panose="020B0604020202020204" pitchFamily="34" charset="-122"/>
               </a:rPr>
               <a:t>WWW.1PPT.COM</a:t>
             </a:r>
-            <a:endParaRPr lang="zh-CN" altLang="en-US" sz="3066" b="0" spc="0" dirty="0">
+            <a:endParaRPr lang="zh-CN" altLang="en-US" sz="3065" b="0" spc="0" dirty="0">
               <a:solidFill>
                 <a:schemeClr val="bg1"/>
               </a:solidFill>
-              <a:latin typeface="Arial Unicode MS" pitchFamily="34" charset="-122"/>
-              <a:ea typeface="Arial Unicode MS" pitchFamily="34" charset="-122"/>
-              <a:cs typeface="Arial Unicode MS" pitchFamily="34" charset="-122"/>
+              <a:latin typeface="Arial Unicode MS" panose="020B0604020202020204" pitchFamily="34" charset="-122"/>
+              <a:ea typeface="Arial Unicode MS" panose="020B0604020202020204" pitchFamily="34" charset="-122"/>
+              <a:cs typeface="Arial Unicode MS" panose="020B0604020202020204" pitchFamily="34" charset="-122"/>
             </a:endParaRPr>
           </a:p>
         </p:txBody>
@@ -1403,8 +1340,8 @@
                 <a:solidFill>
                   <a:schemeClr val="bg1"/>
                 </a:solidFill>
-                <a:latin typeface="微软雅黑" pitchFamily="34" charset="-122"/>
-                <a:ea typeface="微软雅黑" pitchFamily="34" charset="-122"/>
+                <a:latin typeface="微软雅黑" panose="020B0503020204020204" pitchFamily="34" charset="-122"/>
+                <a:ea typeface="微软雅黑" panose="020B0503020204020204" pitchFamily="34" charset="-122"/>
               </a:rPr>
               <a:t>第一</a:t>
             </a:r>
@@ -1413,8 +1350,8 @@
                 <a:solidFill>
                   <a:schemeClr val="bg1"/>
                 </a:solidFill>
-                <a:latin typeface="微软雅黑" pitchFamily="34" charset="-122"/>
-                <a:ea typeface="微软雅黑" pitchFamily="34" charset="-122"/>
+                <a:latin typeface="微软雅黑" panose="020B0503020204020204" pitchFamily="34" charset="-122"/>
+                <a:ea typeface="微软雅黑" panose="020B0503020204020204" pitchFamily="34" charset="-122"/>
               </a:rPr>
               <a:t>PPT HTTP://WWW.1PPT.COM</a:t>
             </a:r>
@@ -1422,8 +1359,8 @@
               <a:solidFill>
                 <a:schemeClr val="bg1"/>
               </a:solidFill>
-              <a:latin typeface="微软雅黑" pitchFamily="34" charset="-122"/>
-              <a:ea typeface="微软雅黑" pitchFamily="34" charset="-122"/>
+              <a:latin typeface="微软雅黑" panose="020B0503020204020204" pitchFamily="34" charset="-122"/>
+              <a:ea typeface="微软雅黑" panose="020B0503020204020204" pitchFamily="34" charset="-122"/>
             </a:endParaRPr>
           </a:p>
         </p:txBody>
@@ -2138,15 +2075,13 @@
           <a:ln w="9525">
             <a:noFill/>
             <a:round/>
-            <a:headEnd/>
-            <a:tailEnd/>
           </a:ln>
         </p:spPr>
         <p:txBody>
           <a:bodyPr lIns="153598" tIns="76799" rIns="153598" bIns="76799"/>
           <a:lstStyle/>
           <a:p>
-            <a:endParaRPr lang="zh-CN" altLang="en-US" sz="1466"/>
+            <a:endParaRPr lang="zh-CN" altLang="en-US" sz="1465"/>
           </a:p>
         </p:txBody>
       </p:sp>
@@ -2212,33 +2147,33 @@
               </a:buClr>
               <a:buSzPct val="70000"/>
               <a:tabLst>
-                <a:tab pos="229323" algn="l"/>
+                <a:tab pos="229235" algn="l"/>
               </a:tabLst>
             </a:pPr>
             <a:r>
               <a:rPr lang="zh-CN" altLang="en-US" sz="2400" dirty="0" smtClean="0">
-                <a:latin typeface="华文细黑" pitchFamily="2" charset="-122"/>
-                <a:ea typeface="华文细黑" pitchFamily="2" charset="-122"/>
+                <a:latin typeface="华文细黑" panose="02010600040101010101" pitchFamily="2" charset="-122"/>
+                <a:ea typeface="华文细黑" panose="02010600040101010101" pitchFamily="2" charset="-122"/>
               </a:rPr>
               <a:t>第一</a:t>
             </a:r>
             <a:r>
               <a:rPr lang="en-US" altLang="zh-CN" sz="2400" dirty="0" smtClean="0">
-                <a:latin typeface="华文细黑" pitchFamily="2" charset="-122"/>
-                <a:ea typeface="华文细黑" pitchFamily="2" charset="-122"/>
+                <a:latin typeface="华文细黑" panose="02010600040101010101" pitchFamily="2" charset="-122"/>
+                <a:ea typeface="华文细黑" panose="02010600040101010101" pitchFamily="2" charset="-122"/>
               </a:rPr>
               <a:t>PPT</a:t>
             </a:r>
             <a:r>
               <a:rPr lang="zh-CN" altLang="en-US" sz="2400" dirty="0" smtClean="0">
-                <a:latin typeface="华文细黑" pitchFamily="2" charset="-122"/>
-                <a:ea typeface="华文细黑" pitchFamily="2" charset="-122"/>
+                <a:latin typeface="华文细黑" panose="02010600040101010101" pitchFamily="2" charset="-122"/>
+                <a:ea typeface="华文细黑" panose="02010600040101010101" pitchFamily="2" charset="-122"/>
               </a:rPr>
               <a:t>模板网</a:t>
             </a:r>
             <a:endParaRPr lang="en-US" altLang="zh-CN" sz="2400" dirty="0" smtClean="0">
-              <a:latin typeface="华文细黑" pitchFamily="2" charset="-122"/>
-              <a:ea typeface="华文细黑" pitchFamily="2" charset="-122"/>
+              <a:latin typeface="华文细黑" panose="02010600040101010101" pitchFamily="2" charset="-122"/>
+              <a:ea typeface="华文细黑" panose="02010600040101010101" pitchFamily="2" charset="-122"/>
             </a:endParaRPr>
           </a:p>
           <a:p>
@@ -2254,27 +2189,27 @@
               </a:buClr>
               <a:buSzPct val="70000"/>
               <a:tabLst>
-                <a:tab pos="229323" algn="l"/>
+                <a:tab pos="229235" algn="l"/>
               </a:tabLst>
             </a:pPr>
             <a:r>
               <a:rPr lang="en-US" altLang="zh-CN" sz="2400" dirty="0" smtClean="0">
-                <a:latin typeface="华文细黑" pitchFamily="2" charset="-122"/>
-                <a:ea typeface="华文细黑" pitchFamily="2" charset="-122"/>
+                <a:latin typeface="华文细黑" panose="02010600040101010101" pitchFamily="2" charset="-122"/>
+                <a:ea typeface="华文细黑" panose="02010600040101010101" pitchFamily="2" charset="-122"/>
                 <a:hlinkClick r:id="rId7"/>
               </a:rPr>
               <a:t>www.1ppt.com/tubiao/</a:t>
             </a:r>
             <a:r>
               <a:rPr lang="en-US" altLang="zh-CN" sz="2400" dirty="0" smtClean="0">
-                <a:latin typeface="华文细黑" pitchFamily="2" charset="-122"/>
-                <a:ea typeface="华文细黑" pitchFamily="2" charset="-122"/>
+                <a:latin typeface="华文细黑" panose="02010600040101010101" pitchFamily="2" charset="-122"/>
+                <a:ea typeface="华文细黑" panose="02010600040101010101" pitchFamily="2" charset="-122"/>
               </a:rPr>
               <a:t>  </a:t>
             </a:r>
             <a:endParaRPr lang="zh-CN" altLang="en-US" sz="2400" dirty="0">
-              <a:latin typeface="华文细黑" pitchFamily="2" charset="-122"/>
-              <a:ea typeface="华文细黑" pitchFamily="2" charset="-122"/>
+              <a:latin typeface="华文细黑" panose="02010600040101010101" pitchFamily="2" charset="-122"/>
+              <a:ea typeface="华文细黑" panose="02010600040101010101" pitchFamily="2" charset="-122"/>
             </a:endParaRPr>
           </a:p>
         </p:txBody>
@@ -2295,7 +2230,7 @@
 </file>
 
 <file path=ppt/slideLayouts/slideLayout2.xml><?xml version="1.0" encoding="utf-8"?>
-<p:sldLayout xmlns:a="http://schemas.openxmlformats.org/drawingml/2006/main" xmlns:r="http://schemas.openxmlformats.org/officeDocument/2006/relationships" xmlns:p="http://schemas.openxmlformats.org/presentationml/2006/main" showMasterSp="0" preserve="1" userDrawn="1">
+<p:sldLayout xmlns:a="http://schemas.openxmlformats.org/drawingml/2006/main" xmlns:r="http://schemas.openxmlformats.org/officeDocument/2006/relationships" xmlns:p="http://schemas.openxmlformats.org/presentationml/2006/main" preserve="1" showMasterSp="0" userDrawn="1">
   <p:cSld name="2_自定义版式">
     <p:spTree>
       <p:nvGrpSpPr>
@@ -2560,7 +2495,7 @@
           </a:bodyPr>
           <a:lstStyle/>
           <a:p>
-            <a:pPr marL="0" marR="0" indent="0" algn="ctr" defTabSz="1535923" rtl="0" eaLnBrk="1" fontAlgn="base" latinLnBrk="0" hangingPunct="1">
+            <a:pPr marL="0" marR="0" indent="0" algn="ctr" defTabSz="1535430" rtl="0" eaLnBrk="1" fontAlgn="base" latinLnBrk="0" hangingPunct="1">
               <a:lnSpc>
                 <a:spcPct val="100000"/>
               </a:lnSpc>
@@ -2574,78 +2509,77 @@
               <a:buSzTx/>
               <a:buFontTx/>
               <a:buNone/>
-              <a:tabLst/>
               <a:defRPr/>
             </a:pPr>
             <a:r>
-              <a:rPr lang="en-US" altLang="zh-CN" sz="3066" spc="504" dirty="0" smtClean="0">
+              <a:rPr lang="en-US" altLang="zh-CN" sz="3065" spc="504" dirty="0" smtClean="0">
                 <a:solidFill>
                   <a:schemeClr val="bg1"/>
                 </a:solidFill>
-                <a:latin typeface="微软雅黑" pitchFamily="34" charset="-122"/>
-                <a:ea typeface="微软雅黑" pitchFamily="34" charset="-122"/>
+                <a:latin typeface="微软雅黑" panose="020B0503020204020204" pitchFamily="34" charset="-122"/>
+                <a:ea typeface="微软雅黑" panose="020B0503020204020204" pitchFamily="34" charset="-122"/>
               </a:rPr>
               <a:t>『</a:t>
             </a:r>
             <a:r>
-              <a:rPr lang="zh-CN" altLang="en-US" sz="3066" spc="504" dirty="0" smtClean="0">
+              <a:rPr lang="zh-CN" altLang="en-US" sz="3065" spc="504" dirty="0" smtClean="0">
                 <a:solidFill>
                   <a:schemeClr val="bg1"/>
                 </a:solidFill>
-                <a:latin typeface="微软雅黑" pitchFamily="34" charset="-122"/>
-                <a:ea typeface="微软雅黑" pitchFamily="34" charset="-122"/>
+                <a:latin typeface="微软雅黑" panose="020B0503020204020204" pitchFamily="34" charset="-122"/>
+                <a:ea typeface="微软雅黑" panose="020B0503020204020204" pitchFamily="34" charset="-122"/>
               </a:rPr>
               <a:t>第一</a:t>
             </a:r>
             <a:r>
-              <a:rPr lang="en-US" altLang="zh-CN" sz="3066" spc="504" dirty="0" smtClean="0">
+              <a:rPr lang="en-US" altLang="zh-CN" sz="3065" spc="504" dirty="0" smtClean="0">
                 <a:solidFill>
                   <a:schemeClr val="bg1"/>
                 </a:solidFill>
-                <a:latin typeface="Arial Unicode MS" pitchFamily="34" charset="-122"/>
-                <a:ea typeface="Arial Unicode MS" pitchFamily="34" charset="-122"/>
-                <a:cs typeface="Arial Unicode MS" pitchFamily="34" charset="-122"/>
+                <a:latin typeface="Arial Unicode MS" panose="020B0604020202020204" pitchFamily="34" charset="-122"/>
+                <a:ea typeface="Arial Unicode MS" panose="020B0604020202020204" pitchFamily="34" charset="-122"/>
+                <a:cs typeface="Arial Unicode MS" panose="020B0604020202020204" pitchFamily="34" charset="-122"/>
               </a:rPr>
               <a:t>PPT</a:t>
             </a:r>
             <a:r>
-              <a:rPr lang="en-US" altLang="zh-CN" sz="3066" spc="504" baseline="0" dirty="0" smtClean="0">
+              <a:rPr lang="en-US" altLang="zh-CN" sz="3065" spc="504" baseline="0" dirty="0" smtClean="0">
                 <a:solidFill>
                   <a:schemeClr val="bg1"/>
                 </a:solidFill>
-                <a:latin typeface="微软雅黑" pitchFamily="34" charset="-122"/>
-                <a:ea typeface="微软雅黑" pitchFamily="34" charset="-122"/>
+                <a:latin typeface="微软雅黑" panose="020B0503020204020204" pitchFamily="34" charset="-122"/>
+                <a:ea typeface="微软雅黑" panose="020B0503020204020204" pitchFamily="34" charset="-122"/>
               </a:rPr>
               <a:t>』—</a:t>
             </a:r>
             <a:r>
-              <a:rPr lang="zh-CN" altLang="en-US" sz="3066" spc="504" baseline="0" dirty="0" smtClean="0">
+              <a:rPr lang="zh-CN" altLang="en-US" sz="3065" spc="504" baseline="0" dirty="0" smtClean="0">
                 <a:solidFill>
                   <a:schemeClr val="bg1"/>
                 </a:solidFill>
-                <a:latin typeface="微软雅黑" pitchFamily="34" charset="-122"/>
-                <a:ea typeface="微软雅黑" pitchFamily="34" charset="-122"/>
+                <a:latin typeface="微软雅黑" panose="020B0503020204020204" pitchFamily="34" charset="-122"/>
+                <a:ea typeface="微软雅黑" panose="020B0503020204020204" pitchFamily="34" charset="-122"/>
               </a:rPr>
               <a:t> </a:t>
             </a:r>
             <a:r>
-              <a:rPr lang="en-US" altLang="zh-CN" sz="3066" b="0" spc="0" dirty="0" smtClean="0">
+              <a:rPr lang="en-US" altLang="zh-CN" sz="3065" b="0" spc="0" dirty="0" smtClean="0">
                 <a:solidFill>
                   <a:schemeClr val="bg1"/>
                 </a:solidFill>
-                <a:latin typeface="Arial Unicode MS" pitchFamily="34" charset="-122"/>
-                <a:ea typeface="Arial Unicode MS" pitchFamily="34" charset="-122"/>
-                <a:cs typeface="Arial Unicode MS" pitchFamily="34" charset="-122"/>
+                <a:latin typeface="Arial Unicode MS" panose="020B0604020202020204" pitchFamily="34" charset="-122"/>
+                <a:ea typeface="Arial Unicode MS" panose="020B0604020202020204" pitchFamily="34" charset="-122"/>
+                <a:cs typeface="Arial Unicode MS" panose="020B0604020202020204" pitchFamily="34" charset="-122"/>
               </a:rPr>
               <a:t>WWW.1PPT.COM</a:t>
             </a:r>
-            <a:endParaRPr lang="zh-CN" altLang="en-US" sz="3066" b="0" spc="0" dirty="0">
+            <a:endParaRPr lang="zh-CN" altLang="en-US" sz="3065" b="0" spc="0" dirty="0">
               <a:solidFill>
                 <a:schemeClr val="bg1"/>
               </a:solidFill>
-              <a:latin typeface="Arial Unicode MS" pitchFamily="34" charset="-122"/>
-              <a:ea typeface="Arial Unicode MS" pitchFamily="34" charset="-122"/>
-              <a:cs typeface="Arial Unicode MS" pitchFamily="34" charset="-122"/>
+              <a:latin typeface="Arial Unicode MS" panose="020B0604020202020204" pitchFamily="34" charset="-122"/>
+              <a:ea typeface="Arial Unicode MS" panose="020B0604020202020204" pitchFamily="34" charset="-122"/>
+              <a:cs typeface="Arial Unicode MS" panose="020B0604020202020204" pitchFamily="34" charset="-122"/>
             </a:endParaRPr>
           </a:p>
         </p:txBody>
@@ -2680,8 +2614,8 @@
                 <a:solidFill>
                   <a:schemeClr val="bg1"/>
                 </a:solidFill>
-                <a:latin typeface="微软雅黑" pitchFamily="34" charset="-122"/>
-                <a:ea typeface="微软雅黑" pitchFamily="34" charset="-122"/>
+                <a:latin typeface="微软雅黑" panose="020B0503020204020204" pitchFamily="34" charset="-122"/>
+                <a:ea typeface="微软雅黑" panose="020B0503020204020204" pitchFamily="34" charset="-122"/>
               </a:rPr>
               <a:t>第一</a:t>
             </a:r>
@@ -2690,8 +2624,8 @@
                 <a:solidFill>
                   <a:schemeClr val="bg1"/>
                 </a:solidFill>
-                <a:latin typeface="微软雅黑" pitchFamily="34" charset="-122"/>
-                <a:ea typeface="微软雅黑" pitchFamily="34" charset="-122"/>
+                <a:latin typeface="微软雅黑" panose="020B0503020204020204" pitchFamily="34" charset="-122"/>
+                <a:ea typeface="微软雅黑" panose="020B0503020204020204" pitchFamily="34" charset="-122"/>
               </a:rPr>
               <a:t>PPT HTTP://WWW.1PPT.COM</a:t>
             </a:r>
@@ -2699,8 +2633,8 @@
               <a:solidFill>
                 <a:schemeClr val="bg1"/>
               </a:solidFill>
-              <a:latin typeface="微软雅黑" pitchFamily="34" charset="-122"/>
-              <a:ea typeface="微软雅黑" pitchFamily="34" charset="-122"/>
+              <a:latin typeface="微软雅黑" panose="020B0503020204020204" pitchFamily="34" charset="-122"/>
+              <a:ea typeface="微软雅黑" panose="020B0503020204020204" pitchFamily="34" charset="-122"/>
             </a:endParaRPr>
           </a:p>
         </p:txBody>
@@ -3415,15 +3349,13 @@
           <a:ln w="9525">
             <a:noFill/>
             <a:round/>
-            <a:headEnd/>
-            <a:tailEnd/>
           </a:ln>
         </p:spPr>
         <p:txBody>
           <a:bodyPr lIns="153598" tIns="76799" rIns="153598" bIns="76799"/>
           <a:lstStyle/>
           <a:p>
-            <a:endParaRPr lang="zh-CN" altLang="en-US" sz="1466"/>
+            <a:endParaRPr lang="zh-CN" altLang="en-US" sz="1465"/>
           </a:p>
         </p:txBody>
       </p:sp>
@@ -3489,33 +3421,33 @@
               </a:buClr>
               <a:buSzPct val="70000"/>
               <a:tabLst>
-                <a:tab pos="229323" algn="l"/>
+                <a:tab pos="229235" algn="l"/>
               </a:tabLst>
             </a:pPr>
             <a:r>
               <a:rPr lang="zh-CN" altLang="en-US" sz="2400" dirty="0" smtClean="0">
-                <a:latin typeface="华文细黑" pitchFamily="2" charset="-122"/>
-                <a:ea typeface="华文细黑" pitchFamily="2" charset="-122"/>
+                <a:latin typeface="华文细黑" panose="02010600040101010101" pitchFamily="2" charset="-122"/>
+                <a:ea typeface="华文细黑" panose="02010600040101010101" pitchFamily="2" charset="-122"/>
               </a:rPr>
               <a:t>第一</a:t>
             </a:r>
             <a:r>
               <a:rPr lang="en-US" altLang="zh-CN" sz="2400" dirty="0" smtClean="0">
-                <a:latin typeface="华文细黑" pitchFamily="2" charset="-122"/>
-                <a:ea typeface="华文细黑" pitchFamily="2" charset="-122"/>
+                <a:latin typeface="华文细黑" panose="02010600040101010101" pitchFamily="2" charset="-122"/>
+                <a:ea typeface="华文细黑" panose="02010600040101010101" pitchFamily="2" charset="-122"/>
               </a:rPr>
               <a:t>PPT</a:t>
             </a:r>
             <a:r>
               <a:rPr lang="zh-CN" altLang="en-US" sz="2400" dirty="0" smtClean="0">
-                <a:latin typeface="华文细黑" pitchFamily="2" charset="-122"/>
-                <a:ea typeface="华文细黑" pitchFamily="2" charset="-122"/>
+                <a:latin typeface="华文细黑" panose="02010600040101010101" pitchFamily="2" charset="-122"/>
+                <a:ea typeface="华文细黑" panose="02010600040101010101" pitchFamily="2" charset="-122"/>
               </a:rPr>
               <a:t>模板网</a:t>
             </a:r>
             <a:endParaRPr lang="en-US" altLang="zh-CN" sz="2400" dirty="0" smtClean="0">
-              <a:latin typeface="华文细黑" pitchFamily="2" charset="-122"/>
-              <a:ea typeface="华文细黑" pitchFamily="2" charset="-122"/>
+              <a:latin typeface="华文细黑" panose="02010600040101010101" pitchFamily="2" charset="-122"/>
+              <a:ea typeface="华文细黑" panose="02010600040101010101" pitchFamily="2" charset="-122"/>
             </a:endParaRPr>
           </a:p>
           <a:p>
@@ -3531,37 +3463,32 @@
               </a:buClr>
               <a:buSzPct val="70000"/>
               <a:tabLst>
-                <a:tab pos="229323" algn="l"/>
+                <a:tab pos="229235" algn="l"/>
               </a:tabLst>
             </a:pPr>
             <a:r>
               <a:rPr lang="en-US" altLang="zh-CN" sz="2400" dirty="0" smtClean="0">
-                <a:latin typeface="华文细黑" pitchFamily="2" charset="-122"/>
-                <a:ea typeface="华文细黑" pitchFamily="2" charset="-122"/>
+                <a:latin typeface="华文细黑" panose="02010600040101010101" pitchFamily="2" charset="-122"/>
+                <a:ea typeface="华文细黑" panose="02010600040101010101" pitchFamily="2" charset="-122"/>
                 <a:hlinkClick r:id="rId7"/>
               </a:rPr>
               <a:t>www.1ppt.com/tubiao/</a:t>
             </a:r>
             <a:r>
               <a:rPr lang="en-US" altLang="zh-CN" sz="2400" dirty="0" smtClean="0">
-                <a:latin typeface="华文细黑" pitchFamily="2" charset="-122"/>
-                <a:ea typeface="华文细黑" pitchFamily="2" charset="-122"/>
+                <a:latin typeface="华文细黑" panose="02010600040101010101" pitchFamily="2" charset="-122"/>
+                <a:ea typeface="华文细黑" panose="02010600040101010101" pitchFamily="2" charset="-122"/>
               </a:rPr>
               <a:t>  </a:t>
             </a:r>
             <a:endParaRPr lang="zh-CN" altLang="en-US" sz="2400" dirty="0">
-              <a:latin typeface="华文细黑" pitchFamily="2" charset="-122"/>
-              <a:ea typeface="华文细黑" pitchFamily="2" charset="-122"/>
+              <a:latin typeface="华文细黑" panose="02010600040101010101" pitchFamily="2" charset="-122"/>
+              <a:ea typeface="华文细黑" panose="02010600040101010101" pitchFamily="2" charset="-122"/>
             </a:endParaRPr>
           </a:p>
         </p:txBody>
       </p:sp>
     </p:spTree>
-    <p:extLst>
-      <p:ext uri="{BB962C8B-B14F-4D97-AF65-F5344CB8AC3E}">
-        <p14:creationId xmlns:p14="http://schemas.microsoft.com/office/powerpoint/2010/main" val="787400305"/>
-      </p:ext>
-    </p:extLst>
   </p:cSld>
   <p:clrMapOvr>
     <a:masterClrMapping/>
@@ -3577,7 +3504,7 @@
 </file>
 
 <file path=ppt/slideLayouts/slideLayout3.xml><?xml version="1.0" encoding="utf-8"?>
-<p:sldLayout xmlns:a="http://schemas.openxmlformats.org/drawingml/2006/main" xmlns:r="http://schemas.openxmlformats.org/officeDocument/2006/relationships" xmlns:p="http://schemas.openxmlformats.org/presentationml/2006/main" showMasterSp="0" preserve="1" userDrawn="1">
+<p:sldLayout xmlns:a="http://schemas.openxmlformats.org/drawingml/2006/main" xmlns:r="http://schemas.openxmlformats.org/officeDocument/2006/relationships" xmlns:p="http://schemas.openxmlformats.org/presentationml/2006/main" preserve="1" showMasterSp="0" userDrawn="1">
   <p:cSld name="1_自定义版式">
     <p:spTree>
       <p:nvGrpSpPr>
@@ -3671,12 +3598,12 @@
               </a:buClr>
               <a:buSzPct val="70000"/>
               <a:tabLst>
-                <a:tab pos="229323" algn="l"/>
+                <a:tab pos="229235" algn="l"/>
               </a:tabLst>
             </a:pPr>
             <a:endParaRPr lang="zh-CN" altLang="en-US" sz="2400">
-              <a:latin typeface="微软雅黑" pitchFamily="34" charset="-122"/>
-              <a:ea typeface="微软雅黑" pitchFamily="34" charset="-122"/>
+              <a:latin typeface="微软雅黑" panose="020B0503020204020204" pitchFamily="34" charset="-122"/>
+              <a:ea typeface="微软雅黑" panose="020B0503020204020204" pitchFamily="34" charset="-122"/>
             </a:endParaRPr>
           </a:p>
         </p:txBody>
@@ -3806,7 +3733,7 @@
           </a:bodyPr>
           <a:lstStyle/>
           <a:p>
-            <a:pPr marL="0" marR="0" indent="0" algn="ctr" defTabSz="1535923" rtl="0" eaLnBrk="1" fontAlgn="base" latinLnBrk="0" hangingPunct="1">
+            <a:pPr marL="0" marR="0" indent="0" algn="ctr" defTabSz="1535430" rtl="0" eaLnBrk="1" fontAlgn="base" latinLnBrk="0" hangingPunct="1">
               <a:lnSpc>
                 <a:spcPct val="100000"/>
               </a:lnSpc>
@@ -3820,78 +3747,77 @@
               <a:buSzTx/>
               <a:buFontTx/>
               <a:buNone/>
-              <a:tabLst/>
               <a:defRPr/>
             </a:pPr>
             <a:r>
-              <a:rPr lang="en-US" altLang="zh-CN" sz="3066" spc="504" dirty="0" smtClean="0">
+              <a:rPr lang="en-US" altLang="zh-CN" sz="3065" spc="504" dirty="0" smtClean="0">
                 <a:solidFill>
                   <a:schemeClr val="bg1"/>
                 </a:solidFill>
-                <a:latin typeface="微软雅黑" pitchFamily="34" charset="-122"/>
-                <a:ea typeface="微软雅黑" pitchFamily="34" charset="-122"/>
+                <a:latin typeface="微软雅黑" panose="020B0503020204020204" pitchFamily="34" charset="-122"/>
+                <a:ea typeface="微软雅黑" panose="020B0503020204020204" pitchFamily="34" charset="-122"/>
               </a:rPr>
               <a:t>『</a:t>
             </a:r>
             <a:r>
-              <a:rPr lang="zh-CN" altLang="en-US" sz="3066" spc="504" dirty="0" smtClean="0">
+              <a:rPr lang="zh-CN" altLang="en-US" sz="3065" spc="504" dirty="0" smtClean="0">
                 <a:solidFill>
                   <a:schemeClr val="bg1"/>
                 </a:solidFill>
-                <a:latin typeface="微软雅黑" pitchFamily="34" charset="-122"/>
-                <a:ea typeface="微软雅黑" pitchFamily="34" charset="-122"/>
+                <a:latin typeface="微软雅黑" panose="020B0503020204020204" pitchFamily="34" charset="-122"/>
+                <a:ea typeface="微软雅黑" panose="020B0503020204020204" pitchFamily="34" charset="-122"/>
               </a:rPr>
               <a:t>第一</a:t>
             </a:r>
             <a:r>
-              <a:rPr lang="en-US" altLang="zh-CN" sz="3066" spc="504" dirty="0" smtClean="0">
+              <a:rPr lang="en-US" altLang="zh-CN" sz="3065" spc="504" dirty="0" smtClean="0">
                 <a:solidFill>
                   <a:schemeClr val="bg1"/>
                 </a:solidFill>
-                <a:latin typeface="Arial Unicode MS" pitchFamily="34" charset="-122"/>
-                <a:ea typeface="Arial Unicode MS" pitchFamily="34" charset="-122"/>
-                <a:cs typeface="Arial Unicode MS" pitchFamily="34" charset="-122"/>
+                <a:latin typeface="Arial Unicode MS" panose="020B0604020202020204" pitchFamily="34" charset="-122"/>
+                <a:ea typeface="Arial Unicode MS" panose="020B0604020202020204" pitchFamily="34" charset="-122"/>
+                <a:cs typeface="Arial Unicode MS" panose="020B0604020202020204" pitchFamily="34" charset="-122"/>
               </a:rPr>
               <a:t>PPT</a:t>
             </a:r>
             <a:r>
-              <a:rPr lang="en-US" altLang="zh-CN" sz="3066" spc="504" baseline="0" dirty="0" smtClean="0">
+              <a:rPr lang="en-US" altLang="zh-CN" sz="3065" spc="504" baseline="0" dirty="0" smtClean="0">
                 <a:solidFill>
                   <a:schemeClr val="bg1"/>
                 </a:solidFill>
-                <a:latin typeface="微软雅黑" pitchFamily="34" charset="-122"/>
-                <a:ea typeface="微软雅黑" pitchFamily="34" charset="-122"/>
+                <a:latin typeface="微软雅黑" panose="020B0503020204020204" pitchFamily="34" charset="-122"/>
+                <a:ea typeface="微软雅黑" panose="020B0503020204020204" pitchFamily="34" charset="-122"/>
               </a:rPr>
               <a:t>』—</a:t>
             </a:r>
             <a:r>
-              <a:rPr lang="zh-CN" altLang="en-US" sz="3066" spc="504" baseline="0" dirty="0" smtClean="0">
+              <a:rPr lang="zh-CN" altLang="en-US" sz="3065" spc="504" baseline="0" dirty="0" smtClean="0">
                 <a:solidFill>
                   <a:schemeClr val="bg1"/>
                 </a:solidFill>
-                <a:latin typeface="微软雅黑" pitchFamily="34" charset="-122"/>
-                <a:ea typeface="微软雅黑" pitchFamily="34" charset="-122"/>
+                <a:latin typeface="微软雅黑" panose="020B0503020204020204" pitchFamily="34" charset="-122"/>
+                <a:ea typeface="微软雅黑" panose="020B0503020204020204" pitchFamily="34" charset="-122"/>
               </a:rPr>
               <a:t> </a:t>
             </a:r>
             <a:r>
-              <a:rPr lang="en-US" altLang="zh-CN" sz="3066" b="0" spc="0" dirty="0" smtClean="0">
+              <a:rPr lang="en-US" altLang="zh-CN" sz="3065" b="0" spc="0" dirty="0" smtClean="0">
                 <a:solidFill>
                   <a:schemeClr val="bg1"/>
                 </a:solidFill>
-                <a:latin typeface="Arial Unicode MS" pitchFamily="34" charset="-122"/>
-                <a:ea typeface="Arial Unicode MS" pitchFamily="34" charset="-122"/>
-                <a:cs typeface="Arial Unicode MS" pitchFamily="34" charset="-122"/>
+                <a:latin typeface="Arial Unicode MS" panose="020B0604020202020204" pitchFamily="34" charset="-122"/>
+                <a:ea typeface="Arial Unicode MS" panose="020B0604020202020204" pitchFamily="34" charset="-122"/>
+                <a:cs typeface="Arial Unicode MS" panose="020B0604020202020204" pitchFamily="34" charset="-122"/>
               </a:rPr>
               <a:t>WWW.1PPT.COM</a:t>
             </a:r>
-            <a:endParaRPr lang="zh-CN" altLang="en-US" sz="3066" b="0" spc="0" dirty="0">
+            <a:endParaRPr lang="zh-CN" altLang="en-US" sz="3065" b="0" spc="0" dirty="0">
               <a:solidFill>
                 <a:schemeClr val="bg1"/>
               </a:solidFill>
-              <a:latin typeface="Arial Unicode MS" pitchFamily="34" charset="-122"/>
-              <a:ea typeface="Arial Unicode MS" pitchFamily="34" charset="-122"/>
-              <a:cs typeface="Arial Unicode MS" pitchFamily="34" charset="-122"/>
+              <a:latin typeface="Arial Unicode MS" panose="020B0604020202020204" pitchFamily="34" charset="-122"/>
+              <a:ea typeface="Arial Unicode MS" panose="020B0604020202020204" pitchFamily="34" charset="-122"/>
+              <a:cs typeface="Arial Unicode MS" panose="020B0604020202020204" pitchFamily="34" charset="-122"/>
             </a:endParaRPr>
           </a:p>
         </p:txBody>
@@ -4006,8 +3932,8 @@
                 <a:solidFill>
                   <a:schemeClr val="bg1"/>
                 </a:solidFill>
-                <a:latin typeface="微软雅黑" pitchFamily="34" charset="-122"/>
-                <a:ea typeface="微软雅黑" pitchFamily="34" charset="-122"/>
+                <a:latin typeface="微软雅黑" panose="020B0503020204020204" pitchFamily="34" charset="-122"/>
+                <a:ea typeface="微软雅黑" panose="020B0503020204020204" pitchFamily="34" charset="-122"/>
               </a:rPr>
               <a:t>第一</a:t>
             </a:r>
@@ -4016,8 +3942,8 @@
                 <a:solidFill>
                   <a:schemeClr val="bg1"/>
                 </a:solidFill>
-                <a:latin typeface="微软雅黑" pitchFamily="34" charset="-122"/>
-                <a:ea typeface="微软雅黑" pitchFamily="34" charset="-122"/>
+                <a:latin typeface="微软雅黑" panose="020B0503020204020204" pitchFamily="34" charset="-122"/>
+                <a:ea typeface="微软雅黑" panose="020B0503020204020204" pitchFamily="34" charset="-122"/>
               </a:rPr>
               <a:t>PPT HTTP://WWW.1PPT.COM</a:t>
             </a:r>
@@ -4025,8 +3951,8 @@
               <a:solidFill>
                 <a:schemeClr val="bg1"/>
               </a:solidFill>
-              <a:latin typeface="微软雅黑" pitchFamily="34" charset="-122"/>
-              <a:ea typeface="微软雅黑" pitchFamily="34" charset="-122"/>
+              <a:latin typeface="微软雅黑" panose="020B0503020204020204" pitchFamily="34" charset="-122"/>
+              <a:ea typeface="微软雅黑" panose="020B0503020204020204" pitchFamily="34" charset="-122"/>
             </a:endParaRPr>
           </a:p>
         </p:txBody>
@@ -4741,24 +4667,17 @@
           <a:ln w="9525">
             <a:noFill/>
             <a:round/>
-            <a:headEnd/>
-            <a:tailEnd/>
           </a:ln>
         </p:spPr>
         <p:txBody>
           <a:bodyPr lIns="153598" tIns="76799" rIns="153598" bIns="76799"/>
           <a:lstStyle/>
           <a:p>
-            <a:endParaRPr lang="zh-CN" altLang="en-US" sz="1466"/>
+            <a:endParaRPr lang="zh-CN" altLang="en-US" sz="1465"/>
           </a:p>
         </p:txBody>
       </p:sp>
     </p:spTree>
-    <p:extLst>
-      <p:ext uri="{BB962C8B-B14F-4D97-AF65-F5344CB8AC3E}">
-        <p14:creationId xmlns:p14="http://schemas.microsoft.com/office/powerpoint/2010/main" val="1717001212"/>
-      </p:ext>
-    </p:extLst>
   </p:cSld>
   <p:clrMapOvr>
     <a:masterClrMapping/>
@@ -4816,16 +4735,10 @@
           <a:ln w="9525">
             <a:noFill/>
             <a:miter lim="800000"/>
-            <a:headEnd/>
-            <a:tailEnd/>
           </a:ln>
         </p:spPr>
         <p:txBody>
-          <a:bodyPr vert="horz" wrap="square" lIns="115214" tIns="57607" rIns="115214" bIns="57607" numCol="1" anchor="ctr" anchorCtr="0" compatLnSpc="1">
-            <a:prstTxWarp prst="textNoShape">
-              <a:avLst/>
-            </a:prstTxWarp>
-          </a:bodyPr>
+          <a:bodyPr vert="horz" wrap="square" lIns="115214" tIns="57607" rIns="115214" bIns="57607" numCol="1" anchor="ctr" anchorCtr="0" compatLnSpc="1"/>
           <a:lstStyle/>
           <a:p>
             <a:pPr lvl="0"/>
@@ -4833,6 +4746,7 @@
               <a:rPr lang="zh-CN" altLang="en-US" smtClean="0"/>
               <a:t>单击此处编辑母版标题样式</a:t>
             </a:r>
+            <a:endParaRPr lang="zh-CN" altLang="en-US" smtClean="0"/>
           </a:p>
         </p:txBody>
       </p:sp>
@@ -4858,16 +4772,10 @@
           <a:ln w="9525">
             <a:noFill/>
             <a:miter lim="800000"/>
-            <a:headEnd/>
-            <a:tailEnd/>
           </a:ln>
         </p:spPr>
         <p:txBody>
-          <a:bodyPr vert="horz" wrap="square" lIns="115214" tIns="57607" rIns="115214" bIns="57607" numCol="1" anchor="t" anchorCtr="0" compatLnSpc="1">
-            <a:prstTxWarp prst="textNoShape">
-              <a:avLst/>
-            </a:prstTxWarp>
-          </a:bodyPr>
+          <a:bodyPr vert="horz" wrap="square" lIns="115214" tIns="57607" rIns="115214" bIns="57607" numCol="1" anchor="t" anchorCtr="0" compatLnSpc="1"/>
           <a:lstStyle/>
           <a:p>
             <a:pPr lvl="0"/>
@@ -4875,6 +4783,7 @@
               <a:rPr lang="zh-CN" altLang="en-US" smtClean="0"/>
               <a:t>单击此处编辑母版文本样式</a:t>
             </a:r>
+            <a:endParaRPr lang="zh-CN" altLang="en-US" smtClean="0"/>
           </a:p>
           <a:p>
             <a:pPr lvl="1"/>
@@ -4882,6 +4791,7 @@
               <a:rPr lang="zh-CN" altLang="en-US" smtClean="0"/>
               <a:t>第二级</a:t>
             </a:r>
+            <a:endParaRPr lang="zh-CN" altLang="en-US" smtClean="0"/>
           </a:p>
           <a:p>
             <a:pPr lvl="2"/>
@@ -4889,6 +4799,7 @@
               <a:rPr lang="zh-CN" altLang="en-US" smtClean="0"/>
               <a:t>第三级</a:t>
             </a:r>
+            <a:endParaRPr lang="zh-CN" altLang="en-US" smtClean="0"/>
           </a:p>
           <a:p>
             <a:pPr lvl="3"/>
@@ -4896,6 +4807,7 @@
               <a:rPr lang="zh-CN" altLang="en-US" smtClean="0"/>
               <a:t>第四级</a:t>
             </a:r>
+            <a:endParaRPr lang="zh-CN" altLang="en-US" smtClean="0"/>
           </a:p>
           <a:p>
             <a:pPr lvl="4"/>
@@ -4903,6 +4815,7 @@
               <a:rPr lang="zh-CN" altLang="en-US" smtClean="0"/>
               <a:t>第五级</a:t>
             </a:r>
+            <a:endParaRPr lang="zh-CN" altLang="en-US" smtClean="0"/>
           </a:p>
         </p:txBody>
       </p:sp>
@@ -4952,10 +4865,6 @@
             </a:pPr>
             <a:fld id="{7E97B707-22D4-4B06-9A8A-89EF284804D8}" type="datetimeFigureOut">
               <a:rPr lang="zh-CN" altLang="en-US"/>
-              <a:pPr>
-                <a:defRPr/>
-              </a:pPr>
-              <a:t>2018/5/6</a:t>
             </a:fld>
             <a:endParaRPr lang="zh-CN" altLang="en-US"/>
           </a:p>
@@ -5055,10 +4964,6 @@
             </a:pPr>
             <a:fld id="{53F49717-76DA-4DAA-9161-16E5D566D94E}" type="slidenum">
               <a:rPr lang="zh-CN" altLang="en-US"/>
-              <a:pPr>
-                <a:defRPr/>
-              </a:pPr>
-              <a:t>‹#›</a:t>
             </a:fld>
             <a:endParaRPr lang="zh-CN" altLang="en-US"/>
           </a:p>
@@ -5068,9 +4973,9 @@
   </p:cSld>
   <p:clrMap bg1="lt1" tx1="dk1" bg2="lt2" tx2="dk2" accent1="accent1" accent2="accent2" accent3="accent3" accent4="accent4" accent5="accent5" accent6="accent6" hlink="hlink" folHlink="folHlink"/>
   <p:sldLayoutIdLst>
-    <p:sldLayoutId id="2147483698" r:id="rId1"/>
-    <p:sldLayoutId id="2147483712" r:id="rId2"/>
-    <p:sldLayoutId id="2147483713" r:id="rId3"/>
+    <p:sldLayoutId id="2147483649" r:id="rId1"/>
+    <p:sldLayoutId id="2147483650" r:id="rId2"/>
+    <p:sldLayoutId id="2147483651" r:id="rId3"/>
   </p:sldLayoutIdLst>
   <p:timing>
     <p:tnLst>
@@ -5088,7 +4993,7 @@
         <a:spcAft>
           <a:spcPct val="0"/>
         </a:spcAft>
-        <a:defRPr sz="7332" kern="1200">
+        <a:defRPr sz="7330" kern="1200">
           <a:solidFill>
             <a:schemeClr val="tx1"/>
           </a:solidFill>
@@ -5104,12 +5009,12 @@
         <a:spcAft>
           <a:spcPct val="0"/>
         </a:spcAft>
-        <a:defRPr sz="7332">
+        <a:defRPr sz="7330">
           <a:solidFill>
             <a:schemeClr val="tx1"/>
           </a:solidFill>
-          <a:latin typeface="Calibri" pitchFamily="34" charset="0"/>
-          <a:ea typeface="宋体" charset="-122"/>
+          <a:latin typeface="Calibri" panose="020F0502020204030204" pitchFamily="34" charset="0"/>
+          <a:ea typeface="宋体" panose="02010600030101010101" pitchFamily="2" charset="-122"/>
         </a:defRPr>
       </a:lvl2pPr>
       <a:lvl3pPr algn="ctr" rtl="0" eaLnBrk="0" fontAlgn="base" hangingPunct="0">
@@ -5119,12 +5024,12 @@
         <a:spcAft>
           <a:spcPct val="0"/>
         </a:spcAft>
-        <a:defRPr sz="7332">
+        <a:defRPr sz="7330">
           <a:solidFill>
             <a:schemeClr val="tx1"/>
           </a:solidFill>
-          <a:latin typeface="Calibri" pitchFamily="34" charset="0"/>
-          <a:ea typeface="宋体" charset="-122"/>
+          <a:latin typeface="Calibri" panose="020F0502020204030204" pitchFamily="34" charset="0"/>
+          <a:ea typeface="宋体" panose="02010600030101010101" pitchFamily="2" charset="-122"/>
         </a:defRPr>
       </a:lvl3pPr>
       <a:lvl4pPr algn="ctr" rtl="0" eaLnBrk="0" fontAlgn="base" hangingPunct="0">
@@ -5134,12 +5039,12 @@
         <a:spcAft>
           <a:spcPct val="0"/>
         </a:spcAft>
-        <a:defRPr sz="7332">
+        <a:defRPr sz="7330">
           <a:solidFill>
             <a:schemeClr val="tx1"/>
           </a:solidFill>
-          <a:latin typeface="Calibri" pitchFamily="34" charset="0"/>
-          <a:ea typeface="宋体" charset="-122"/>
+          <a:latin typeface="Calibri" panose="020F0502020204030204" pitchFamily="34" charset="0"/>
+          <a:ea typeface="宋体" panose="02010600030101010101" pitchFamily="2" charset="-122"/>
         </a:defRPr>
       </a:lvl4pPr>
       <a:lvl5pPr algn="ctr" rtl="0" eaLnBrk="0" fontAlgn="base" hangingPunct="0">
@@ -5149,86 +5054,86 @@
         <a:spcAft>
           <a:spcPct val="0"/>
         </a:spcAft>
-        <a:defRPr sz="7332">
+        <a:defRPr sz="7330">
           <a:solidFill>
             <a:schemeClr val="tx1"/>
           </a:solidFill>
-          <a:latin typeface="Calibri" pitchFamily="34" charset="0"/>
-          <a:ea typeface="宋体" charset="-122"/>
+          <a:latin typeface="Calibri" panose="020F0502020204030204" pitchFamily="34" charset="0"/>
+          <a:ea typeface="宋体" panose="02010600030101010101" pitchFamily="2" charset="-122"/>
         </a:defRPr>
       </a:lvl5pPr>
-      <a:lvl6pPr marL="767962" algn="ctr" rtl="0" fontAlgn="base">
+      <a:lvl6pPr marL="767715" algn="ctr" rtl="0" fontAlgn="base">
         <a:spcBef>
           <a:spcPct val="0"/>
         </a:spcBef>
         <a:spcAft>
           <a:spcPct val="0"/>
         </a:spcAft>
-        <a:defRPr sz="7332">
+        <a:defRPr sz="7330">
           <a:solidFill>
             <a:schemeClr val="tx1"/>
           </a:solidFill>
-          <a:latin typeface="Calibri" pitchFamily="34" charset="0"/>
-          <a:ea typeface="宋体" charset="-122"/>
+          <a:latin typeface="Calibri" panose="020F0502020204030204" pitchFamily="34" charset="0"/>
+          <a:ea typeface="宋体" panose="02010600030101010101" pitchFamily="2" charset="-122"/>
         </a:defRPr>
       </a:lvl6pPr>
-      <a:lvl7pPr marL="1535923" algn="ctr" rtl="0" fontAlgn="base">
+      <a:lvl7pPr marL="1536065" algn="ctr" rtl="0" fontAlgn="base">
         <a:spcBef>
           <a:spcPct val="0"/>
         </a:spcBef>
         <a:spcAft>
           <a:spcPct val="0"/>
         </a:spcAft>
-        <a:defRPr sz="7332">
+        <a:defRPr sz="7330">
           <a:solidFill>
             <a:schemeClr val="tx1"/>
           </a:solidFill>
-          <a:latin typeface="Calibri" pitchFamily="34" charset="0"/>
-          <a:ea typeface="宋体" charset="-122"/>
+          <a:latin typeface="Calibri" panose="020F0502020204030204" pitchFamily="34" charset="0"/>
+          <a:ea typeface="宋体" panose="02010600030101010101" pitchFamily="2" charset="-122"/>
         </a:defRPr>
       </a:lvl7pPr>
-      <a:lvl8pPr marL="2303885" algn="ctr" rtl="0" fontAlgn="base">
+      <a:lvl8pPr marL="2303780" algn="ctr" rtl="0" fontAlgn="base">
         <a:spcBef>
           <a:spcPct val="0"/>
         </a:spcBef>
         <a:spcAft>
           <a:spcPct val="0"/>
         </a:spcAft>
-        <a:defRPr sz="7332">
+        <a:defRPr sz="7330">
           <a:solidFill>
             <a:schemeClr val="tx1"/>
           </a:solidFill>
-          <a:latin typeface="Calibri" pitchFamily="34" charset="0"/>
-          <a:ea typeface="宋体" charset="-122"/>
+          <a:latin typeface="Calibri" panose="020F0502020204030204" pitchFamily="34" charset="0"/>
+          <a:ea typeface="宋体" panose="02010600030101010101" pitchFamily="2" charset="-122"/>
         </a:defRPr>
       </a:lvl8pPr>
-      <a:lvl9pPr marL="3071846" algn="ctr" rtl="0" fontAlgn="base">
+      <a:lvl9pPr marL="3072130" algn="ctr" rtl="0" fontAlgn="base">
         <a:spcBef>
           <a:spcPct val="0"/>
         </a:spcBef>
         <a:spcAft>
           <a:spcPct val="0"/>
         </a:spcAft>
-        <a:defRPr sz="7332">
+        <a:defRPr sz="7330">
           <a:solidFill>
             <a:schemeClr val="tx1"/>
           </a:solidFill>
-          <a:latin typeface="Calibri" pitchFamily="34" charset="0"/>
-          <a:ea typeface="宋体" charset="-122"/>
+          <a:latin typeface="Calibri" panose="020F0502020204030204" pitchFamily="34" charset="0"/>
+          <a:ea typeface="宋体" panose="02010600030101010101" pitchFamily="2" charset="-122"/>
         </a:defRPr>
       </a:lvl9pPr>
     </p:titleStyle>
     <p:bodyStyle>
-      <a:lvl1pPr marL="575971" indent="-575971" algn="l" rtl="0" eaLnBrk="0" fontAlgn="base" hangingPunct="0">
+      <a:lvl1pPr marL="575945" indent="-575945" algn="l" rtl="0" eaLnBrk="0" fontAlgn="base" hangingPunct="0">
         <a:spcBef>
           <a:spcPct val="20000"/>
         </a:spcBef>
         <a:spcAft>
           <a:spcPct val="0"/>
         </a:spcAft>
-        <a:buFont typeface="Arial" pitchFamily="34" charset="0"/>
+        <a:buFont typeface="Arial" panose="020B0604020202020204" pitchFamily="34" charset="0"/>
         <a:buChar char="•"/>
-        <a:defRPr sz="5332" kern="1200">
+        <a:defRPr sz="5330" kern="1200">
           <a:solidFill>
             <a:schemeClr val="tx1"/>
           </a:solidFill>
@@ -5237,16 +5142,16 @@
           <a:cs typeface="+mn-cs"/>
         </a:defRPr>
       </a:lvl1pPr>
-      <a:lvl2pPr marL="1247938" indent="-479976" algn="l" rtl="0" eaLnBrk="0" fontAlgn="base" hangingPunct="0">
+      <a:lvl2pPr marL="1247775" indent="-480060" algn="l" rtl="0" eaLnBrk="0" fontAlgn="base" hangingPunct="0">
         <a:spcBef>
           <a:spcPct val="20000"/>
         </a:spcBef>
         <a:spcAft>
           <a:spcPct val="0"/>
         </a:spcAft>
-        <a:buFont typeface="Arial" pitchFamily="34" charset="0"/>
+        <a:buFont typeface="Arial" panose="020B0604020202020204" pitchFamily="34" charset="0"/>
         <a:buChar char="–"/>
-        <a:defRPr sz="4666" kern="1200">
+        <a:defRPr sz="4665" kern="1200">
           <a:solidFill>
             <a:schemeClr val="tx1"/>
           </a:solidFill>
@@ -5255,16 +5160,16 @@
           <a:cs typeface="+mn-cs"/>
         </a:defRPr>
       </a:lvl2pPr>
-      <a:lvl3pPr marL="1919904" indent="-383981" algn="l" rtl="0" eaLnBrk="0" fontAlgn="base" hangingPunct="0">
+      <a:lvl3pPr marL="1919605" indent="-384175" algn="l" rtl="0" eaLnBrk="0" fontAlgn="base" hangingPunct="0">
         <a:spcBef>
           <a:spcPct val="20000"/>
         </a:spcBef>
         <a:spcAft>
           <a:spcPct val="0"/>
         </a:spcAft>
-        <a:buFont typeface="Arial" pitchFamily="34" charset="0"/>
+        <a:buFont typeface="Arial" panose="020B0604020202020204" pitchFamily="34" charset="0"/>
         <a:buChar char="•"/>
-        <a:defRPr sz="3999" kern="1200">
+        <a:defRPr sz="4000" kern="1200">
           <a:solidFill>
             <a:schemeClr val="tx1"/>
           </a:solidFill>
@@ -5273,16 +5178,16 @@
           <a:cs typeface="+mn-cs"/>
         </a:defRPr>
       </a:lvl3pPr>
-      <a:lvl4pPr marL="2687866" indent="-383981" algn="l" rtl="0" eaLnBrk="0" fontAlgn="base" hangingPunct="0">
+      <a:lvl4pPr marL="2687955" indent="-384175" algn="l" rtl="0" eaLnBrk="0" fontAlgn="base" hangingPunct="0">
         <a:spcBef>
           <a:spcPct val="20000"/>
         </a:spcBef>
         <a:spcAft>
           <a:spcPct val="0"/>
         </a:spcAft>
-        <a:buFont typeface="Arial" pitchFamily="34" charset="0"/>
+        <a:buFont typeface="Arial" panose="020B0604020202020204" pitchFamily="34" charset="0"/>
         <a:buChar char="–"/>
-        <a:defRPr sz="3333" kern="1200">
+        <a:defRPr sz="3335" kern="1200">
           <a:solidFill>
             <a:schemeClr val="tx1"/>
           </a:solidFill>
@@ -5291,16 +5196,16 @@
           <a:cs typeface="+mn-cs"/>
         </a:defRPr>
       </a:lvl4pPr>
-      <a:lvl5pPr marL="3455827" indent="-383981" algn="l" rtl="0" eaLnBrk="0" fontAlgn="base" hangingPunct="0">
+      <a:lvl5pPr marL="3455670" indent="-384175" algn="l" rtl="0" eaLnBrk="0" fontAlgn="base" hangingPunct="0">
         <a:spcBef>
           <a:spcPct val="20000"/>
         </a:spcBef>
         <a:spcAft>
           <a:spcPct val="0"/>
         </a:spcAft>
-        <a:buFont typeface="Arial" pitchFamily="34" charset="0"/>
+        <a:buFont typeface="Arial" panose="020B0604020202020204" pitchFamily="34" charset="0"/>
         <a:buChar char="»"/>
-        <a:defRPr sz="3333" kern="1200">
+        <a:defRPr sz="3335" kern="1200">
           <a:solidFill>
             <a:schemeClr val="tx1"/>
           </a:solidFill>
@@ -5309,13 +5214,13 @@
           <a:cs typeface="+mn-cs"/>
         </a:defRPr>
       </a:lvl5pPr>
-      <a:lvl6pPr marL="4223789" indent="-383981" algn="l" defTabSz="1535923" rtl="0" eaLnBrk="1" latinLnBrk="0" hangingPunct="1">
+      <a:lvl6pPr marL="4224020" indent="-384175" algn="l" defTabSz="1535430" rtl="0" eaLnBrk="1" latinLnBrk="0" hangingPunct="1">
         <a:spcBef>
           <a:spcPct val="20000"/>
         </a:spcBef>
-        <a:buFont typeface="Arial" pitchFamily="34" charset="0"/>
+        <a:buFont typeface="Arial" panose="020B0604020202020204" pitchFamily="34" charset="0"/>
         <a:buChar char="•"/>
-        <a:defRPr sz="3333" kern="1200">
+        <a:defRPr sz="3335" kern="1200">
           <a:solidFill>
             <a:schemeClr val="tx1"/>
           </a:solidFill>
@@ -5324,13 +5229,13 @@
           <a:cs typeface="+mn-cs"/>
         </a:defRPr>
       </a:lvl6pPr>
-      <a:lvl7pPr marL="4991750" indent="-383981" algn="l" defTabSz="1535923" rtl="0" eaLnBrk="1" latinLnBrk="0" hangingPunct="1">
+      <a:lvl7pPr marL="4991735" indent="-384175" algn="l" defTabSz="1535430" rtl="0" eaLnBrk="1" latinLnBrk="0" hangingPunct="1">
         <a:spcBef>
           <a:spcPct val="20000"/>
         </a:spcBef>
-        <a:buFont typeface="Arial" pitchFamily="34" charset="0"/>
+        <a:buFont typeface="Arial" panose="020B0604020202020204" pitchFamily="34" charset="0"/>
         <a:buChar char="•"/>
-        <a:defRPr sz="3333" kern="1200">
+        <a:defRPr sz="3335" kern="1200">
           <a:solidFill>
             <a:schemeClr val="tx1"/>
           </a:solidFill>
@@ -5339,13 +5244,13 @@
           <a:cs typeface="+mn-cs"/>
         </a:defRPr>
       </a:lvl7pPr>
-      <a:lvl8pPr marL="5759712" indent="-383981" algn="l" defTabSz="1535923" rtl="0" eaLnBrk="1" latinLnBrk="0" hangingPunct="1">
+      <a:lvl8pPr marL="5759450" indent="-384175" algn="l" defTabSz="1535430" rtl="0" eaLnBrk="1" latinLnBrk="0" hangingPunct="1">
         <a:spcBef>
           <a:spcPct val="20000"/>
         </a:spcBef>
-        <a:buFont typeface="Arial" pitchFamily="34" charset="0"/>
+        <a:buFont typeface="Arial" panose="020B0604020202020204" pitchFamily="34" charset="0"/>
         <a:buChar char="•"/>
-        <a:defRPr sz="3333" kern="1200">
+        <a:defRPr sz="3335" kern="1200">
           <a:solidFill>
             <a:schemeClr val="tx1"/>
           </a:solidFill>
@@ -5354,13 +5259,13 @@
           <a:cs typeface="+mn-cs"/>
         </a:defRPr>
       </a:lvl8pPr>
-      <a:lvl9pPr marL="6527673" indent="-383981" algn="l" defTabSz="1535923" rtl="0" eaLnBrk="1" latinLnBrk="0" hangingPunct="1">
+      <a:lvl9pPr marL="6527800" indent="-384175" algn="l" defTabSz="1535430" rtl="0" eaLnBrk="1" latinLnBrk="0" hangingPunct="1">
         <a:spcBef>
           <a:spcPct val="20000"/>
         </a:spcBef>
-        <a:buFont typeface="Arial" pitchFamily="34" charset="0"/>
+        <a:buFont typeface="Arial" panose="020B0604020202020204" pitchFamily="34" charset="0"/>
         <a:buChar char="•"/>
-        <a:defRPr sz="3333" kern="1200">
+        <a:defRPr sz="3335" kern="1200">
           <a:solidFill>
             <a:schemeClr val="tx1"/>
           </a:solidFill>
@@ -5374,8 +5279,8 @@
       <a:defPPr>
         <a:defRPr lang="zh-CN"/>
       </a:defPPr>
-      <a:lvl1pPr marL="0" algn="l" defTabSz="1535923" rtl="0" eaLnBrk="1" latinLnBrk="0" hangingPunct="1">
-        <a:defRPr sz="3066" kern="1200">
+      <a:lvl1pPr marL="0" algn="l" defTabSz="1535430" rtl="0" eaLnBrk="1" latinLnBrk="0" hangingPunct="1">
+        <a:defRPr sz="3065" kern="1200">
           <a:solidFill>
             <a:schemeClr val="tx1"/>
           </a:solidFill>
@@ -5384,8 +5289,8 @@
           <a:cs typeface="+mn-cs"/>
         </a:defRPr>
       </a:lvl1pPr>
-      <a:lvl2pPr marL="767962" algn="l" defTabSz="1535923" rtl="0" eaLnBrk="1" latinLnBrk="0" hangingPunct="1">
-        <a:defRPr sz="3066" kern="1200">
+      <a:lvl2pPr marL="767715" algn="l" defTabSz="1535430" rtl="0" eaLnBrk="1" latinLnBrk="0" hangingPunct="1">
+        <a:defRPr sz="3065" kern="1200">
           <a:solidFill>
             <a:schemeClr val="tx1"/>
           </a:solidFill>
@@ -5394,8 +5299,8 @@
           <a:cs typeface="+mn-cs"/>
         </a:defRPr>
       </a:lvl2pPr>
-      <a:lvl3pPr marL="1535923" algn="l" defTabSz="1535923" rtl="0" eaLnBrk="1" latinLnBrk="0" hangingPunct="1">
-        <a:defRPr sz="3066" kern="1200">
+      <a:lvl3pPr marL="1536065" algn="l" defTabSz="1535430" rtl="0" eaLnBrk="1" latinLnBrk="0" hangingPunct="1">
+        <a:defRPr sz="3065" kern="1200">
           <a:solidFill>
             <a:schemeClr val="tx1"/>
           </a:solidFill>
@@ -5404,8 +5309,8 @@
           <a:cs typeface="+mn-cs"/>
         </a:defRPr>
       </a:lvl3pPr>
-      <a:lvl4pPr marL="2303885" algn="l" defTabSz="1535923" rtl="0" eaLnBrk="1" latinLnBrk="0" hangingPunct="1">
-        <a:defRPr sz="3066" kern="1200">
+      <a:lvl4pPr marL="2303780" algn="l" defTabSz="1535430" rtl="0" eaLnBrk="1" latinLnBrk="0" hangingPunct="1">
+        <a:defRPr sz="3065" kern="1200">
           <a:solidFill>
             <a:schemeClr val="tx1"/>
           </a:solidFill>
@@ -5414,8 +5319,8 @@
           <a:cs typeface="+mn-cs"/>
         </a:defRPr>
       </a:lvl4pPr>
-      <a:lvl5pPr marL="3071846" algn="l" defTabSz="1535923" rtl="0" eaLnBrk="1" latinLnBrk="0" hangingPunct="1">
-        <a:defRPr sz="3066" kern="1200">
+      <a:lvl5pPr marL="3072130" algn="l" defTabSz="1535430" rtl="0" eaLnBrk="1" latinLnBrk="0" hangingPunct="1">
+        <a:defRPr sz="3065" kern="1200">
           <a:solidFill>
             <a:schemeClr val="tx1"/>
           </a:solidFill>
@@ -5424,8 +5329,8 @@
           <a:cs typeface="+mn-cs"/>
         </a:defRPr>
       </a:lvl5pPr>
-      <a:lvl6pPr marL="3839808" algn="l" defTabSz="1535923" rtl="0" eaLnBrk="1" latinLnBrk="0" hangingPunct="1">
-        <a:defRPr sz="3066" kern="1200">
+      <a:lvl6pPr marL="3839845" algn="l" defTabSz="1535430" rtl="0" eaLnBrk="1" latinLnBrk="0" hangingPunct="1">
+        <a:defRPr sz="3065" kern="1200">
           <a:solidFill>
             <a:schemeClr val="tx1"/>
           </a:solidFill>
@@ -5434,8 +5339,8 @@
           <a:cs typeface="+mn-cs"/>
         </a:defRPr>
       </a:lvl6pPr>
-      <a:lvl7pPr marL="4607769" algn="l" defTabSz="1535923" rtl="0" eaLnBrk="1" latinLnBrk="0" hangingPunct="1">
-        <a:defRPr sz="3066" kern="1200">
+      <a:lvl7pPr marL="4607560" algn="l" defTabSz="1535430" rtl="0" eaLnBrk="1" latinLnBrk="0" hangingPunct="1">
+        <a:defRPr sz="3065" kern="1200">
           <a:solidFill>
             <a:schemeClr val="tx1"/>
           </a:solidFill>
@@ -5444,8 +5349,8 @@
           <a:cs typeface="+mn-cs"/>
         </a:defRPr>
       </a:lvl7pPr>
-      <a:lvl8pPr marL="5375731" algn="l" defTabSz="1535923" rtl="0" eaLnBrk="1" latinLnBrk="0" hangingPunct="1">
-        <a:defRPr sz="3066" kern="1200">
+      <a:lvl8pPr marL="5375910" algn="l" defTabSz="1535430" rtl="0" eaLnBrk="1" latinLnBrk="0" hangingPunct="1">
+        <a:defRPr sz="3065" kern="1200">
           <a:solidFill>
             <a:schemeClr val="tx1"/>
           </a:solidFill>
@@ -5454,8 +5359,8 @@
           <a:cs typeface="+mn-cs"/>
         </a:defRPr>
       </a:lvl8pPr>
-      <a:lvl9pPr marL="6143693" algn="l" defTabSz="1535923" rtl="0" eaLnBrk="1" latinLnBrk="0" hangingPunct="1">
-        <a:defRPr sz="3066" kern="1200">
+      <a:lvl9pPr marL="6143625" algn="l" defTabSz="1535430" rtl="0" eaLnBrk="1" latinLnBrk="0" hangingPunct="1">
+        <a:defRPr sz="3065" kern="1200">
           <a:solidFill>
             <a:schemeClr val="tx1"/>
           </a:solidFill>
@@ -5550,7 +5455,7 @@
           <a:bodyPr rtlCol="0" anchor="ctr"/>
           <a:lstStyle/>
           <a:p>
-            <a:pPr marL="0" marR="0" lvl="0" indent="0" algn="ctr" defTabSz="1218987" rtl="0" eaLnBrk="1" fontAlgn="auto" latinLnBrk="0" hangingPunct="1">
+            <a:pPr marL="0" marR="0" lvl="0" indent="0" algn="ctr" defTabSz="1218565" rtl="0" eaLnBrk="1" fontAlgn="auto" latinLnBrk="0" hangingPunct="1">
               <a:lnSpc>
                 <a:spcPct val="100000"/>
               </a:lnSpc>
@@ -5564,7 +5469,6 @@
               <a:buSzTx/>
               <a:buFontTx/>
               <a:buNone/>
-              <a:tabLst/>
               <a:defRPr/>
             </a:pPr>
             <a:endParaRPr kumimoji="0" lang="zh-CN" altLang="en-US" sz="2400" b="0" i="0" u="none" strike="noStrike" kern="0" cap="none" spc="0" normalizeH="0" baseline="0" noProof="0">
@@ -5578,7 +5482,7 @@
               <a:uLnTx/>
               <a:uFillTx/>
               <a:latin typeface="Calibri" panose="020F0502020204030204"/>
-              <a:ea typeface="宋体"/>
+              <a:ea typeface="宋体" panose="02010600030101010101" pitchFamily="2" charset="-122"/>
               <a:cs typeface="+mn-cs"/>
             </a:endParaRPr>
           </a:p>
@@ -5648,7 +5552,7 @@
           <a:bodyPr rtlCol="0" anchor="ctr"/>
           <a:lstStyle/>
           <a:p>
-            <a:pPr marL="0" marR="0" lvl="0" indent="0" algn="ctr" defTabSz="1218987" rtl="0" eaLnBrk="1" fontAlgn="auto" latinLnBrk="0" hangingPunct="1">
+            <a:pPr marL="0" marR="0" lvl="0" indent="0" algn="ctr" defTabSz="1218565" rtl="0" eaLnBrk="1" fontAlgn="auto" latinLnBrk="0" hangingPunct="1">
               <a:lnSpc>
                 <a:spcPct val="100000"/>
               </a:lnSpc>
@@ -5662,7 +5566,6 @@
               <a:buSzTx/>
               <a:buFontTx/>
               <a:buNone/>
-              <a:tabLst/>
               <a:defRPr/>
             </a:pPr>
             <a:endParaRPr kumimoji="0" lang="zh-CN" altLang="en-US" sz="2400" b="0" i="0" u="none" strike="noStrike" kern="0" cap="none" spc="0" normalizeH="0" baseline="0" noProof="0">
@@ -5676,7 +5579,7 @@
               <a:uLnTx/>
               <a:uFillTx/>
               <a:latin typeface="Calibri" panose="020F0502020204030204"/>
-              <a:ea typeface="宋体"/>
+              <a:ea typeface="宋体" panose="02010600030101010101" pitchFamily="2" charset="-122"/>
               <a:cs typeface="+mn-cs"/>
             </a:endParaRPr>
           </a:p>
@@ -5848,7 +5751,6 @@
               <a:buSzTx/>
               <a:buFontTx/>
               <a:buNone/>
-              <a:tabLst/>
               <a:defRPr/>
             </a:pPr>
             <a:r>
@@ -5886,7 +5788,6 @@
               <a:buSzTx/>
               <a:buFontTx/>
               <a:buNone/>
-              <a:tabLst/>
               <a:defRPr/>
             </a:pPr>
             <a:r>
@@ -5932,7 +5833,7 @@
         <p:spPr>
           <a:xfrm>
             <a:off x="10776669" y="5328493"/>
-            <a:ext cx="1152128" cy="646331"/>
+            <a:ext cx="1152128" cy="645160"/>
           </a:xfrm>
           <a:prstGeom prst="rect">
             <a:avLst/>
@@ -5958,11 +5859,10 @@
               <a:buSzTx/>
               <a:buFontTx/>
               <a:buNone/>
-              <a:tabLst/>
               <a:defRPr/>
             </a:pPr>
             <a:r>
-              <a:rPr kumimoji="0" lang="zh-CN" altLang="en-US" sz="3600" b="0" i="0" u="none" strike="noStrike" kern="1200" cap="none" spc="0" normalizeH="0" baseline="0" noProof="0" dirty="0" smtClean="0">
+              <a:rPr kumimoji="0" lang="zh-CN" altLang="en-US" sz="3600" b="0" i="0" u="none" strike="noStrike" kern="1200" cap="none" spc="0" normalizeH="0" baseline="0" noProof="0" dirty="0">
                 <a:ln>
                   <a:noFill/>
                 </a:ln>
@@ -5973,12 +5873,11 @@
                 <a:uLnTx/>
                 <a:uFillTx/>
                 <a:latin typeface="Open Sans" panose="020B0606030504020204" pitchFamily="34" charset="0"/>
-                <a:ea typeface="Open Sans" panose="020B0606030504020204" pitchFamily="34" charset="0"/>
                 <a:cs typeface="Open Sans" panose="020B0606030504020204" pitchFamily="34" charset="0"/>
               </a:rPr>
-              <a:t>温冬</a:t>
+              <a:t>朱强</a:t>
             </a:r>
-            <a:endParaRPr kumimoji="0" lang="en-US" altLang="zh-CN" sz="3600" b="0" i="0" u="none" strike="noStrike" kern="1200" cap="none" spc="0" normalizeH="0" baseline="0" noProof="0" dirty="0">
+            <a:endParaRPr kumimoji="0" lang="zh-CN" altLang="en-US" sz="3600" b="0" i="0" u="none" strike="noStrike" kern="1200" cap="none" spc="0" normalizeH="0" baseline="0" noProof="0" dirty="0">
               <a:ln>
                 <a:noFill/>
               </a:ln>
@@ -5989,18 +5888,12 @@
               <a:uLnTx/>
               <a:uFillTx/>
               <a:latin typeface="Open Sans" panose="020B0606030504020204" pitchFamily="34" charset="0"/>
-              <a:ea typeface="Open Sans" panose="020B0606030504020204" pitchFamily="34" charset="0"/>
               <a:cs typeface="Open Sans" panose="020B0606030504020204" pitchFamily="34" charset="0"/>
             </a:endParaRPr>
           </a:p>
         </p:txBody>
       </p:sp>
     </p:spTree>
-    <p:extLst>
-      <p:ext uri="{BB962C8B-B14F-4D97-AF65-F5344CB8AC3E}">
-        <p14:creationId xmlns:p14="http://schemas.microsoft.com/office/powerpoint/2010/main" val="2907809087"/>
-      </p:ext>
-    </p:extLst>
   </p:cSld>
   <p:clrMapOvr>
     <a:masterClrMapping/>
@@ -6277,7 +6170,7 @@
           <p:nvPr/>
         </p:nvPicPr>
         <p:blipFill rotWithShape="1">
-          <a:blip r:embed="rId2">
+          <a:blip r:embed="rId1">
             <a:extLst>
               <a:ext uri="{28A0092B-C50C-407E-A947-70E740481C1C}">
                 <a14:useLocalDpi xmlns:a14="http://schemas.microsoft.com/office/drawing/2010/main" val="0"/>
@@ -6285,7 +6178,9 @@
             </a:extLst>
           </a:blip>
           <a:srcRect r="19869" b="40956"/>
-          <a:stretch/>
+          <a:stretch>
+            <a:fillRect/>
+          </a:stretch>
         </p:blipFill>
         <p:spPr>
           <a:xfrm>
@@ -6352,11 +6247,6 @@
         </p:txBody>
       </p:sp>
     </p:spTree>
-    <p:extLst>
-      <p:ext uri="{BB962C8B-B14F-4D97-AF65-F5344CB8AC3E}">
-        <p14:creationId xmlns:p14="http://schemas.microsoft.com/office/powerpoint/2010/main" val="69162990"/>
-      </p:ext>
-    </p:extLst>
   </p:cSld>
   <p:clrMapOvr>
     <a:masterClrMapping/>
@@ -6397,15 +6287,11 @@
           <p:nvPr/>
         </p:nvPicPr>
         <p:blipFill rotWithShape="1">
-          <a:blip r:embed="rId2" cstate="screen">
-            <a:extLst>
-              <a:ext uri="{28A0092B-C50C-407E-A947-70E740481C1C}">
-                <a14:useLocalDpi xmlns:a14="http://schemas.microsoft.com/office/drawing/2010/main"/>
-              </a:ext>
-            </a:extLst>
-          </a:blip>
+          <a:blip r:embed="rId1" cstate="screen"/>
           <a:srcRect/>
-          <a:stretch/>
+          <a:stretch>
+            <a:fillRect/>
+          </a:stretch>
         </p:blipFill>
         <p:spPr>
           <a:xfrm>
@@ -6447,7 +6333,7 @@
               </a:spcAft>
             </a:pPr>
             <a:r>
-              <a:rPr lang="en-US" altLang="zh-CN" sz="8798" spc="-200" dirty="0">
+              <a:rPr lang="en-US" altLang="zh-CN" sz="8800" spc="-200" dirty="0">
                 <a:solidFill>
                   <a:srgbClr val="C99115"/>
                 </a:solidFill>
@@ -6457,7 +6343,7 @@
               </a:rPr>
               <a:t>03</a:t>
             </a:r>
-            <a:endParaRPr lang="zh-CN" altLang="en-US" sz="8798" dirty="0">
+            <a:endParaRPr lang="zh-CN" altLang="en-US" sz="8800" dirty="0">
               <a:solidFill>
                 <a:srgbClr val="C99115"/>
               </a:solidFill>
@@ -6504,7 +6390,7 @@
               </a:spcAft>
             </a:pPr>
             <a:r>
-              <a:rPr lang="zh-CN" altLang="en-US" sz="5866" spc="-200" dirty="0" smtClean="0">
+              <a:rPr lang="zh-CN" altLang="en-US" sz="5865" spc="-200" dirty="0" smtClean="0">
                 <a:gradFill>
                   <a:gsLst>
                     <a:gs pos="0">
@@ -6522,7 +6408,7 @@
               </a:rPr>
               <a:t>接口设计</a:t>
             </a:r>
-            <a:endParaRPr lang="zh-CN" altLang="en-US" sz="5866" spc="-200" dirty="0">
+            <a:endParaRPr lang="zh-CN" altLang="en-US" sz="5865" spc="-200" dirty="0">
               <a:gradFill>
                 <a:gsLst>
                   <a:gs pos="0">
@@ -6542,11 +6428,6 @@
         </p:txBody>
       </p:sp>
     </p:spTree>
-    <p:extLst>
-      <p:ext uri="{BB962C8B-B14F-4D97-AF65-F5344CB8AC3E}">
-        <p14:creationId xmlns:p14="http://schemas.microsoft.com/office/powerpoint/2010/main" val="3491342853"/>
-      </p:ext>
-    </p:extLst>
   </p:cSld>
   <p:clrMapOvr>
     <a:masterClrMapping/>
@@ -6931,7 +6812,7 @@
           <p:nvPr/>
         </p:nvPicPr>
         <p:blipFill>
-          <a:blip r:embed="rId2">
+          <a:blip r:embed="rId1">
             <a:extLst>
               <a:ext uri="{28A0092B-C50C-407E-A947-70E740481C1C}">
                 <a14:useLocalDpi xmlns:a14="http://schemas.microsoft.com/office/drawing/2010/main" val="0"/>
@@ -6953,11 +6834,6 @@
         </p:spPr>
       </p:pic>
     </p:spTree>
-    <p:extLst>
-      <p:ext uri="{BB962C8B-B14F-4D97-AF65-F5344CB8AC3E}">
-        <p14:creationId xmlns:p14="http://schemas.microsoft.com/office/powerpoint/2010/main" val="3491470654"/>
-      </p:ext>
-    </p:extLst>
   </p:cSld>
   <p:clrMapOvr>
     <a:masterClrMapping/>
@@ -6998,7 +6874,7 @@
           <p:nvPr/>
         </p:nvPicPr>
         <p:blipFill>
-          <a:blip r:embed="rId2">
+          <a:blip r:embed="rId1">
             <a:extLst>
               <a:ext uri="{28A0092B-C50C-407E-A947-70E740481C1C}">
                 <a14:useLocalDpi xmlns:a14="http://schemas.microsoft.com/office/drawing/2010/main" val="0"/>
@@ -7020,11 +6896,6 @@
         </p:spPr>
       </p:pic>
     </p:spTree>
-    <p:extLst>
-      <p:ext uri="{BB962C8B-B14F-4D97-AF65-F5344CB8AC3E}">
-        <p14:creationId xmlns:p14="http://schemas.microsoft.com/office/powerpoint/2010/main" val="710012573"/>
-      </p:ext>
-    </p:extLst>
   </p:cSld>
   <p:clrMapOvr>
     <a:masterClrMapping/>
@@ -7065,7 +6936,7 @@
           <p:nvPr/>
         </p:nvPicPr>
         <p:blipFill>
-          <a:blip r:embed="rId2">
+          <a:blip r:embed="rId1">
             <a:extLst>
               <a:ext uri="{28A0092B-C50C-407E-A947-70E740481C1C}">
                 <a14:useLocalDpi xmlns:a14="http://schemas.microsoft.com/office/drawing/2010/main" val="0"/>
@@ -7087,11 +6958,6 @@
         </p:spPr>
       </p:pic>
     </p:spTree>
-    <p:extLst>
-      <p:ext uri="{BB962C8B-B14F-4D97-AF65-F5344CB8AC3E}">
-        <p14:creationId xmlns:p14="http://schemas.microsoft.com/office/powerpoint/2010/main" val="1004683032"/>
-      </p:ext>
-    </p:extLst>
   </p:cSld>
   <p:clrMapOvr>
     <a:masterClrMapping/>
@@ -7132,7 +6998,7 @@
           <p:nvPr/>
         </p:nvPicPr>
         <p:blipFill>
-          <a:blip r:embed="rId2">
+          <a:blip r:embed="rId1">
             <a:extLst>
               <a:ext uri="{28A0092B-C50C-407E-A947-70E740481C1C}">
                 <a14:useLocalDpi xmlns:a14="http://schemas.microsoft.com/office/drawing/2010/main" val="0"/>
@@ -7154,11 +7020,6 @@
         </p:spPr>
       </p:pic>
     </p:spTree>
-    <p:extLst>
-      <p:ext uri="{BB962C8B-B14F-4D97-AF65-F5344CB8AC3E}">
-        <p14:creationId xmlns:p14="http://schemas.microsoft.com/office/powerpoint/2010/main" val="1437602436"/>
-      </p:ext>
-    </p:extLst>
   </p:cSld>
   <p:clrMapOvr>
     <a:masterClrMapping/>
@@ -7199,7 +7060,7 @@
           <p:nvPr/>
         </p:nvPicPr>
         <p:blipFill>
-          <a:blip r:embed="rId2">
+          <a:blip r:embed="rId1">
             <a:extLst>
               <a:ext uri="{28A0092B-C50C-407E-A947-70E740481C1C}">
                 <a14:useLocalDpi xmlns:a14="http://schemas.microsoft.com/office/drawing/2010/main" val="0"/>
@@ -7221,11 +7082,6 @@
         </p:spPr>
       </p:pic>
     </p:spTree>
-    <p:extLst>
-      <p:ext uri="{BB962C8B-B14F-4D97-AF65-F5344CB8AC3E}">
-        <p14:creationId xmlns:p14="http://schemas.microsoft.com/office/powerpoint/2010/main" val="4230389828"/>
-      </p:ext>
-    </p:extLst>
   </p:cSld>
   <p:clrMapOvr>
     <a:masterClrMapping/>
@@ -7266,7 +7122,7 @@
           <p:nvPr/>
         </p:nvPicPr>
         <p:blipFill>
-          <a:blip r:embed="rId2">
+          <a:blip r:embed="rId1">
             <a:extLst>
               <a:ext uri="{28A0092B-C50C-407E-A947-70E740481C1C}">
                 <a14:useLocalDpi xmlns:a14="http://schemas.microsoft.com/office/drawing/2010/main" val="0"/>
@@ -7288,11 +7144,6 @@
         </p:spPr>
       </p:pic>
     </p:spTree>
-    <p:extLst>
-      <p:ext uri="{BB962C8B-B14F-4D97-AF65-F5344CB8AC3E}">
-        <p14:creationId xmlns:p14="http://schemas.microsoft.com/office/powerpoint/2010/main" val="2779536293"/>
-      </p:ext>
-    </p:extLst>
   </p:cSld>
   <p:clrMapOvr>
     <a:masterClrMapping/>
@@ -7355,89 +7206,98 @@
               <a:defRPr/>
             </a:pPr>
             <a:r>
-              <a:rPr lang="en-US" altLang="zh-CN" sz="133" kern="0" dirty="0">
+              <a:rPr lang="en-US" altLang="zh-CN" sz="135" kern="0" dirty="0">
                 <a:solidFill>
                   <a:srgbClr val="E7E6E6">
                     <a:lumMod val="25000"/>
                   </a:srgbClr>
                 </a:solidFill>
                 <a:latin typeface="Calibri" panose="020F0502020204030204"/>
-                <a:ea typeface="宋体"/>
+                <a:ea typeface="宋体" panose="02010600030101010101" pitchFamily="2" charset="-122"/>
               </a:rPr>
               <a:t>PPT</a:t>
             </a:r>
             <a:r>
-              <a:rPr lang="zh-CN" altLang="en-US" sz="133" kern="0" dirty="0">
+              <a:rPr lang="zh-CN" altLang="en-US" sz="135" kern="0" dirty="0">
                 <a:solidFill>
                   <a:srgbClr val="E7E6E6">
                     <a:lumMod val="25000"/>
                   </a:srgbClr>
                 </a:solidFill>
                 <a:latin typeface="Calibri" panose="020F0502020204030204"/>
-                <a:ea typeface="宋体"/>
+                <a:ea typeface="宋体" panose="02010600030101010101" pitchFamily="2" charset="-122"/>
               </a:rPr>
               <a:t>模板下载：</a:t>
             </a:r>
             <a:r>
-              <a:rPr lang="en-US" altLang="zh-CN" sz="133" kern="0" dirty="0">
+              <a:rPr lang="en-US" altLang="zh-CN" sz="135" kern="0" dirty="0">
                 <a:solidFill>
                   <a:srgbClr val="E7E6E6">
                     <a:lumMod val="25000"/>
                   </a:srgbClr>
                 </a:solidFill>
                 <a:latin typeface="Calibri" panose="020F0502020204030204"/>
-                <a:ea typeface="宋体"/>
+                <a:ea typeface="宋体" panose="02010600030101010101" pitchFamily="2" charset="-122"/>
               </a:rPr>
               <a:t>www.1ppt.com/moban/     </a:t>
             </a:r>
             <a:r>
-              <a:rPr lang="zh-CN" altLang="en-US" sz="133" kern="0" dirty="0">
+              <a:rPr lang="zh-CN" altLang="en-US" sz="135" kern="0" dirty="0">
                 <a:solidFill>
                   <a:srgbClr val="E7E6E6">
                     <a:lumMod val="25000"/>
                   </a:srgbClr>
                 </a:solidFill>
                 <a:latin typeface="Calibri" panose="020F0502020204030204"/>
-                <a:ea typeface="宋体"/>
+                <a:ea typeface="宋体" panose="02010600030101010101" pitchFamily="2" charset="-122"/>
               </a:rPr>
               <a:t>行业</a:t>
             </a:r>
             <a:r>
-              <a:rPr lang="en-US" altLang="zh-CN" sz="133" kern="0" dirty="0">
+              <a:rPr lang="en-US" altLang="zh-CN" sz="135" kern="0" dirty="0">
                 <a:solidFill>
                   <a:srgbClr val="E7E6E6">
                     <a:lumMod val="25000"/>
                   </a:srgbClr>
                 </a:solidFill>
                 <a:latin typeface="Calibri" panose="020F0502020204030204"/>
-                <a:ea typeface="宋体"/>
+                <a:ea typeface="宋体" panose="02010600030101010101" pitchFamily="2" charset="-122"/>
               </a:rPr>
               <a:t>PPT</a:t>
             </a:r>
             <a:r>
-              <a:rPr lang="zh-CN" altLang="en-US" sz="133" kern="0" dirty="0">
+              <a:rPr lang="zh-CN" altLang="en-US" sz="135" kern="0" dirty="0">
                 <a:solidFill>
                   <a:srgbClr val="E7E6E6">
                     <a:lumMod val="25000"/>
                   </a:srgbClr>
                 </a:solidFill>
                 <a:latin typeface="Calibri" panose="020F0502020204030204"/>
-                <a:ea typeface="宋体"/>
+                <a:ea typeface="宋体" panose="02010600030101010101" pitchFamily="2" charset="-122"/>
               </a:rPr>
               <a:t>模板：</a:t>
             </a:r>
             <a:r>
-              <a:rPr lang="en-US" altLang="zh-CN" sz="133" kern="0" dirty="0">
+              <a:rPr lang="en-US" altLang="zh-CN" sz="135" kern="0" dirty="0">
                 <a:solidFill>
                   <a:srgbClr val="E7E6E6">
                     <a:lumMod val="25000"/>
                   </a:srgbClr>
                 </a:solidFill>
                 <a:latin typeface="Calibri" panose="020F0502020204030204"/>
-                <a:ea typeface="宋体"/>
+                <a:ea typeface="宋体" panose="02010600030101010101" pitchFamily="2" charset="-122"/>
               </a:rPr>
               <a:t>www.1ppt.com/hangye/ </a:t>
             </a:r>
+            <a:endParaRPr lang="en-US" altLang="zh-CN" sz="135" kern="0" dirty="0">
+              <a:solidFill>
+                <a:srgbClr val="E7E6E6">
+                  <a:lumMod val="25000"/>
+                </a:srgbClr>
+              </a:solidFill>
+              <a:latin typeface="Calibri" panose="020F0502020204030204"/>
+              <a:ea typeface="宋体" panose="02010600030101010101" pitchFamily="2" charset="-122"/>
+            </a:endParaRPr>
           </a:p>
           <a:p>
             <a:pPr fontAlgn="auto">
@@ -7450,77 +7310,86 @@
               <a:defRPr/>
             </a:pPr>
             <a:r>
-              <a:rPr lang="zh-CN" altLang="en-US" sz="133" kern="0" dirty="0">
+              <a:rPr lang="zh-CN" altLang="en-US" sz="135" kern="0" dirty="0">
                 <a:solidFill>
                   <a:srgbClr val="E7E6E6">
                     <a:lumMod val="25000"/>
                   </a:srgbClr>
                 </a:solidFill>
                 <a:latin typeface="Calibri" panose="020F0502020204030204"/>
-                <a:ea typeface="宋体"/>
+                <a:ea typeface="宋体" panose="02010600030101010101" pitchFamily="2" charset="-122"/>
               </a:rPr>
               <a:t>节日</a:t>
             </a:r>
             <a:r>
-              <a:rPr lang="en-US" altLang="zh-CN" sz="133" kern="0" dirty="0">
+              <a:rPr lang="en-US" altLang="zh-CN" sz="135" kern="0" dirty="0">
                 <a:solidFill>
                   <a:srgbClr val="E7E6E6">
                     <a:lumMod val="25000"/>
                   </a:srgbClr>
                 </a:solidFill>
                 <a:latin typeface="Calibri" panose="020F0502020204030204"/>
-                <a:ea typeface="宋体"/>
+                <a:ea typeface="宋体" panose="02010600030101010101" pitchFamily="2" charset="-122"/>
               </a:rPr>
               <a:t>PPT</a:t>
             </a:r>
             <a:r>
-              <a:rPr lang="zh-CN" altLang="en-US" sz="133" kern="0" dirty="0">
+              <a:rPr lang="zh-CN" altLang="en-US" sz="135" kern="0" dirty="0">
                 <a:solidFill>
                   <a:srgbClr val="E7E6E6">
                     <a:lumMod val="25000"/>
                   </a:srgbClr>
                 </a:solidFill>
                 <a:latin typeface="Calibri" panose="020F0502020204030204"/>
-                <a:ea typeface="宋体"/>
+                <a:ea typeface="宋体" panose="02010600030101010101" pitchFamily="2" charset="-122"/>
               </a:rPr>
               <a:t>模板：</a:t>
             </a:r>
             <a:r>
-              <a:rPr lang="en-US" altLang="zh-CN" sz="133" kern="0" dirty="0">
+              <a:rPr lang="en-US" altLang="zh-CN" sz="135" kern="0" dirty="0">
                 <a:solidFill>
                   <a:srgbClr val="E7E6E6">
                     <a:lumMod val="25000"/>
                   </a:srgbClr>
                 </a:solidFill>
                 <a:latin typeface="Calibri" panose="020F0502020204030204"/>
-                <a:ea typeface="宋体"/>
+                <a:ea typeface="宋体" panose="02010600030101010101" pitchFamily="2" charset="-122"/>
               </a:rPr>
               <a:t>www.1ppt.com/jieri/           PPT</a:t>
             </a:r>
             <a:r>
-              <a:rPr lang="zh-CN" altLang="en-US" sz="133" kern="0" dirty="0">
+              <a:rPr lang="zh-CN" altLang="en-US" sz="135" kern="0" dirty="0">
                 <a:solidFill>
                   <a:srgbClr val="E7E6E6">
                     <a:lumMod val="25000"/>
                   </a:srgbClr>
                 </a:solidFill>
                 <a:latin typeface="Calibri" panose="020F0502020204030204"/>
-                <a:ea typeface="宋体"/>
+                <a:ea typeface="宋体" panose="02010600030101010101" pitchFamily="2" charset="-122"/>
               </a:rPr>
               <a:t>素材下载：</a:t>
             </a:r>
             <a:r>
-              <a:rPr lang="en-US" altLang="zh-CN" sz="133" kern="0" dirty="0">
+              <a:rPr lang="en-US" altLang="zh-CN" sz="135" kern="0" dirty="0">
                 <a:solidFill>
                   <a:srgbClr val="E7E6E6">
                     <a:lumMod val="25000"/>
                   </a:srgbClr>
                 </a:solidFill>
                 <a:latin typeface="Calibri" panose="020F0502020204030204"/>
-                <a:ea typeface="宋体"/>
+                <a:ea typeface="宋体" panose="02010600030101010101" pitchFamily="2" charset="-122"/>
               </a:rPr>
               <a:t>www.1ppt.com/sucai/</a:t>
             </a:r>
+            <a:endParaRPr lang="en-US" altLang="zh-CN" sz="135" kern="0" dirty="0">
+              <a:solidFill>
+                <a:srgbClr val="E7E6E6">
+                  <a:lumMod val="25000"/>
+                </a:srgbClr>
+              </a:solidFill>
+              <a:latin typeface="Calibri" panose="020F0502020204030204"/>
+              <a:ea typeface="宋体" panose="02010600030101010101" pitchFamily="2" charset="-122"/>
+            </a:endParaRPr>
           </a:p>
           <a:p>
             <a:pPr fontAlgn="auto">
@@ -7533,65 +7402,74 @@
               <a:defRPr/>
             </a:pPr>
             <a:r>
-              <a:rPr lang="en-US" altLang="zh-CN" sz="133" kern="0" dirty="0">
+              <a:rPr lang="en-US" altLang="zh-CN" sz="135" kern="0" dirty="0">
                 <a:solidFill>
                   <a:srgbClr val="E7E6E6">
                     <a:lumMod val="25000"/>
                   </a:srgbClr>
                 </a:solidFill>
                 <a:latin typeface="Calibri" panose="020F0502020204030204"/>
-                <a:ea typeface="宋体"/>
+                <a:ea typeface="宋体" panose="02010600030101010101" pitchFamily="2" charset="-122"/>
               </a:rPr>
               <a:t>PPT</a:t>
             </a:r>
             <a:r>
-              <a:rPr lang="zh-CN" altLang="en-US" sz="133" kern="0" dirty="0">
+              <a:rPr lang="zh-CN" altLang="en-US" sz="135" kern="0" dirty="0">
                 <a:solidFill>
                   <a:srgbClr val="E7E6E6">
                     <a:lumMod val="25000"/>
                   </a:srgbClr>
                 </a:solidFill>
                 <a:latin typeface="Calibri" panose="020F0502020204030204"/>
-                <a:ea typeface="宋体"/>
+                <a:ea typeface="宋体" panose="02010600030101010101" pitchFamily="2" charset="-122"/>
               </a:rPr>
               <a:t>背景图片：</a:t>
             </a:r>
             <a:r>
-              <a:rPr lang="en-US" altLang="zh-CN" sz="133" kern="0" dirty="0">
+              <a:rPr lang="en-US" altLang="zh-CN" sz="135" kern="0" dirty="0">
                 <a:solidFill>
                   <a:srgbClr val="E7E6E6">
                     <a:lumMod val="25000"/>
                   </a:srgbClr>
                 </a:solidFill>
                 <a:latin typeface="Calibri" panose="020F0502020204030204"/>
-                <a:ea typeface="宋体"/>
+                <a:ea typeface="宋体" panose="02010600030101010101" pitchFamily="2" charset="-122"/>
               </a:rPr>
               <a:t>www.1ppt.com/beijing/      PPT</a:t>
             </a:r>
             <a:r>
-              <a:rPr lang="zh-CN" altLang="en-US" sz="133" kern="0" dirty="0">
+              <a:rPr lang="zh-CN" altLang="en-US" sz="135" kern="0" dirty="0">
                 <a:solidFill>
                   <a:srgbClr val="E7E6E6">
                     <a:lumMod val="25000"/>
                   </a:srgbClr>
                 </a:solidFill>
                 <a:latin typeface="Calibri" panose="020F0502020204030204"/>
-                <a:ea typeface="宋体"/>
+                <a:ea typeface="宋体" panose="02010600030101010101" pitchFamily="2" charset="-122"/>
               </a:rPr>
               <a:t>图表下载：</a:t>
             </a:r>
             <a:r>
-              <a:rPr lang="en-US" altLang="zh-CN" sz="133" kern="0" dirty="0">
+              <a:rPr lang="en-US" altLang="zh-CN" sz="135" kern="0" dirty="0">
                 <a:solidFill>
                   <a:srgbClr val="E7E6E6">
                     <a:lumMod val="25000"/>
                   </a:srgbClr>
                 </a:solidFill>
                 <a:latin typeface="Calibri" panose="020F0502020204030204"/>
-                <a:ea typeface="宋体"/>
+                <a:ea typeface="宋体" panose="02010600030101010101" pitchFamily="2" charset="-122"/>
               </a:rPr>
               <a:t>www.1ppt.com/tubiao/      </a:t>
             </a:r>
+            <a:endParaRPr lang="en-US" altLang="zh-CN" sz="135" kern="0" dirty="0">
+              <a:solidFill>
+                <a:srgbClr val="E7E6E6">
+                  <a:lumMod val="25000"/>
+                </a:srgbClr>
+              </a:solidFill>
+              <a:latin typeface="Calibri" panose="020F0502020204030204"/>
+              <a:ea typeface="宋体" panose="02010600030101010101" pitchFamily="2" charset="-122"/>
+            </a:endParaRPr>
           </a:p>
           <a:p>
             <a:pPr fontAlgn="auto">
@@ -7604,77 +7482,86 @@
               <a:defRPr/>
             </a:pPr>
             <a:r>
-              <a:rPr lang="zh-CN" altLang="en-US" sz="133" kern="0" dirty="0">
+              <a:rPr lang="zh-CN" altLang="en-US" sz="135" kern="0" dirty="0">
                 <a:solidFill>
                   <a:srgbClr val="E7E6E6">
                     <a:lumMod val="25000"/>
                   </a:srgbClr>
                 </a:solidFill>
                 <a:latin typeface="Calibri" panose="020F0502020204030204"/>
-                <a:ea typeface="宋体"/>
+                <a:ea typeface="宋体" panose="02010600030101010101" pitchFamily="2" charset="-122"/>
               </a:rPr>
               <a:t>优秀</a:t>
             </a:r>
             <a:r>
-              <a:rPr lang="en-US" altLang="zh-CN" sz="133" kern="0" dirty="0">
+              <a:rPr lang="en-US" altLang="zh-CN" sz="135" kern="0" dirty="0">
                 <a:solidFill>
                   <a:srgbClr val="E7E6E6">
                     <a:lumMod val="25000"/>
                   </a:srgbClr>
                 </a:solidFill>
                 <a:latin typeface="Calibri" panose="020F0502020204030204"/>
-                <a:ea typeface="宋体"/>
+                <a:ea typeface="宋体" panose="02010600030101010101" pitchFamily="2" charset="-122"/>
               </a:rPr>
               <a:t>PPT</a:t>
             </a:r>
             <a:r>
-              <a:rPr lang="zh-CN" altLang="en-US" sz="133" kern="0" dirty="0">
+              <a:rPr lang="zh-CN" altLang="en-US" sz="135" kern="0" dirty="0">
                 <a:solidFill>
                   <a:srgbClr val="E7E6E6">
                     <a:lumMod val="25000"/>
                   </a:srgbClr>
                 </a:solidFill>
                 <a:latin typeface="Calibri" panose="020F0502020204030204"/>
-                <a:ea typeface="宋体"/>
+                <a:ea typeface="宋体" panose="02010600030101010101" pitchFamily="2" charset="-122"/>
               </a:rPr>
               <a:t>下载：</a:t>
             </a:r>
             <a:r>
-              <a:rPr lang="en-US" altLang="zh-CN" sz="133" kern="0" dirty="0">
+              <a:rPr lang="en-US" altLang="zh-CN" sz="135" kern="0" dirty="0">
                 <a:solidFill>
                   <a:srgbClr val="E7E6E6">
                     <a:lumMod val="25000"/>
                   </a:srgbClr>
                 </a:solidFill>
                 <a:latin typeface="Calibri" panose="020F0502020204030204"/>
-                <a:ea typeface="宋体"/>
+                <a:ea typeface="宋体" panose="02010600030101010101" pitchFamily="2" charset="-122"/>
               </a:rPr>
               <a:t>www.1ppt.com/xiazai/        PPT</a:t>
             </a:r>
             <a:r>
-              <a:rPr lang="zh-CN" altLang="en-US" sz="133" kern="0" dirty="0">
+              <a:rPr lang="zh-CN" altLang="en-US" sz="135" kern="0" dirty="0">
                 <a:solidFill>
                   <a:srgbClr val="E7E6E6">
                     <a:lumMod val="25000"/>
                   </a:srgbClr>
                 </a:solidFill>
                 <a:latin typeface="Calibri" panose="020F0502020204030204"/>
-                <a:ea typeface="宋体"/>
+                <a:ea typeface="宋体" panose="02010600030101010101" pitchFamily="2" charset="-122"/>
               </a:rPr>
               <a:t>教程： </a:t>
             </a:r>
             <a:r>
-              <a:rPr lang="en-US" altLang="zh-CN" sz="133" kern="0" dirty="0">
+              <a:rPr lang="en-US" altLang="zh-CN" sz="135" kern="0" dirty="0">
                 <a:solidFill>
                   <a:srgbClr val="E7E6E6">
                     <a:lumMod val="25000"/>
                   </a:srgbClr>
                 </a:solidFill>
                 <a:latin typeface="Calibri" panose="020F0502020204030204"/>
-                <a:ea typeface="宋体"/>
+                <a:ea typeface="宋体" panose="02010600030101010101" pitchFamily="2" charset="-122"/>
               </a:rPr>
               <a:t>www.1ppt.com/powerpoint/      </a:t>
             </a:r>
+            <a:endParaRPr lang="en-US" altLang="zh-CN" sz="135" kern="0" dirty="0">
+              <a:solidFill>
+                <a:srgbClr val="E7E6E6">
+                  <a:lumMod val="25000"/>
+                </a:srgbClr>
+              </a:solidFill>
+              <a:latin typeface="Calibri" panose="020F0502020204030204"/>
+              <a:ea typeface="宋体" panose="02010600030101010101" pitchFamily="2" charset="-122"/>
+            </a:endParaRPr>
           </a:p>
           <a:p>
             <a:pPr fontAlgn="auto">
@@ -7687,65 +7574,74 @@
               <a:defRPr/>
             </a:pPr>
             <a:r>
-              <a:rPr lang="en-US" altLang="zh-CN" sz="133" kern="0" dirty="0">
+              <a:rPr lang="en-US" altLang="zh-CN" sz="135" kern="0" dirty="0">
                 <a:solidFill>
                   <a:srgbClr val="E7E6E6">
                     <a:lumMod val="25000"/>
                   </a:srgbClr>
                 </a:solidFill>
                 <a:latin typeface="Calibri" panose="020F0502020204030204"/>
-                <a:ea typeface="宋体"/>
+                <a:ea typeface="宋体" panose="02010600030101010101" pitchFamily="2" charset="-122"/>
               </a:rPr>
               <a:t>Word</a:t>
             </a:r>
             <a:r>
-              <a:rPr lang="zh-CN" altLang="en-US" sz="133" kern="0" dirty="0">
+              <a:rPr lang="zh-CN" altLang="en-US" sz="135" kern="0" dirty="0">
                 <a:solidFill>
                   <a:srgbClr val="E7E6E6">
                     <a:lumMod val="25000"/>
                   </a:srgbClr>
                 </a:solidFill>
                 <a:latin typeface="Calibri" panose="020F0502020204030204"/>
-                <a:ea typeface="宋体"/>
+                <a:ea typeface="宋体" panose="02010600030101010101" pitchFamily="2" charset="-122"/>
               </a:rPr>
               <a:t>教程： </a:t>
             </a:r>
             <a:r>
-              <a:rPr lang="en-US" altLang="zh-CN" sz="133" kern="0" dirty="0">
+              <a:rPr lang="en-US" altLang="zh-CN" sz="135" kern="0" dirty="0">
                 <a:solidFill>
                   <a:srgbClr val="E7E6E6">
                     <a:lumMod val="25000"/>
                   </a:srgbClr>
                 </a:solidFill>
                 <a:latin typeface="Calibri" panose="020F0502020204030204"/>
-                <a:ea typeface="宋体"/>
+                <a:ea typeface="宋体" panose="02010600030101010101" pitchFamily="2" charset="-122"/>
               </a:rPr>
               <a:t>www.1ppt.com/word/              Excel</a:t>
             </a:r>
             <a:r>
-              <a:rPr lang="zh-CN" altLang="en-US" sz="133" kern="0" dirty="0">
+              <a:rPr lang="zh-CN" altLang="en-US" sz="135" kern="0" dirty="0">
                 <a:solidFill>
                   <a:srgbClr val="E7E6E6">
                     <a:lumMod val="25000"/>
                   </a:srgbClr>
                 </a:solidFill>
                 <a:latin typeface="Calibri" panose="020F0502020204030204"/>
-                <a:ea typeface="宋体"/>
+                <a:ea typeface="宋体" panose="02010600030101010101" pitchFamily="2" charset="-122"/>
               </a:rPr>
               <a:t>教程：</a:t>
             </a:r>
             <a:r>
-              <a:rPr lang="en-US" altLang="zh-CN" sz="133" kern="0" dirty="0">
+              <a:rPr lang="en-US" altLang="zh-CN" sz="135" kern="0" dirty="0">
                 <a:solidFill>
                   <a:srgbClr val="E7E6E6">
                     <a:lumMod val="25000"/>
                   </a:srgbClr>
                 </a:solidFill>
                 <a:latin typeface="Calibri" panose="020F0502020204030204"/>
-                <a:ea typeface="宋体"/>
+                <a:ea typeface="宋体" panose="02010600030101010101" pitchFamily="2" charset="-122"/>
               </a:rPr>
               <a:t>www.1ppt.com/excel/  </a:t>
             </a:r>
+            <a:endParaRPr lang="en-US" altLang="zh-CN" sz="135" kern="0" dirty="0">
+              <a:solidFill>
+                <a:srgbClr val="E7E6E6">
+                  <a:lumMod val="25000"/>
+                </a:srgbClr>
+              </a:solidFill>
+              <a:latin typeface="Calibri" panose="020F0502020204030204"/>
+              <a:ea typeface="宋体" panose="02010600030101010101" pitchFamily="2" charset="-122"/>
+            </a:endParaRPr>
           </a:p>
           <a:p>
             <a:pPr fontAlgn="auto">
@@ -7758,53 +7654,62 @@
               <a:defRPr/>
             </a:pPr>
             <a:r>
-              <a:rPr lang="zh-CN" altLang="en-US" sz="133" kern="0" dirty="0">
+              <a:rPr lang="zh-CN" altLang="en-US" sz="135" kern="0" dirty="0">
                 <a:solidFill>
                   <a:srgbClr val="E7E6E6">
                     <a:lumMod val="25000"/>
                   </a:srgbClr>
                 </a:solidFill>
                 <a:latin typeface="Calibri" panose="020F0502020204030204"/>
-                <a:ea typeface="宋体"/>
+                <a:ea typeface="宋体" panose="02010600030101010101" pitchFamily="2" charset="-122"/>
               </a:rPr>
               <a:t>资料下载：</a:t>
             </a:r>
             <a:r>
-              <a:rPr lang="en-US" altLang="zh-CN" sz="133" kern="0" dirty="0">
+              <a:rPr lang="en-US" altLang="zh-CN" sz="135" kern="0" dirty="0">
                 <a:solidFill>
                   <a:srgbClr val="E7E6E6">
                     <a:lumMod val="25000"/>
                   </a:srgbClr>
                 </a:solidFill>
                 <a:latin typeface="Calibri" panose="020F0502020204030204"/>
-                <a:ea typeface="宋体"/>
+                <a:ea typeface="宋体" panose="02010600030101010101" pitchFamily="2" charset="-122"/>
               </a:rPr>
               <a:t>www.1ppt.com/ziliao/                PPT</a:t>
             </a:r>
             <a:r>
-              <a:rPr lang="zh-CN" altLang="en-US" sz="133" kern="0" dirty="0">
+              <a:rPr lang="zh-CN" altLang="en-US" sz="135" kern="0" dirty="0">
                 <a:solidFill>
                   <a:srgbClr val="E7E6E6">
                     <a:lumMod val="25000"/>
                   </a:srgbClr>
                 </a:solidFill>
                 <a:latin typeface="Calibri" panose="020F0502020204030204"/>
-                <a:ea typeface="宋体"/>
+                <a:ea typeface="宋体" panose="02010600030101010101" pitchFamily="2" charset="-122"/>
               </a:rPr>
               <a:t>课件下载：</a:t>
             </a:r>
             <a:r>
-              <a:rPr lang="en-US" altLang="zh-CN" sz="133" kern="0" dirty="0">
+              <a:rPr lang="en-US" altLang="zh-CN" sz="135" kern="0" dirty="0">
                 <a:solidFill>
                   <a:srgbClr val="E7E6E6">
                     <a:lumMod val="25000"/>
                   </a:srgbClr>
                 </a:solidFill>
                 <a:latin typeface="Calibri" panose="020F0502020204030204"/>
-                <a:ea typeface="宋体"/>
+                <a:ea typeface="宋体" panose="02010600030101010101" pitchFamily="2" charset="-122"/>
               </a:rPr>
               <a:t>www.1ppt.com/kejian/ </a:t>
             </a:r>
+            <a:endParaRPr lang="en-US" altLang="zh-CN" sz="135" kern="0" dirty="0">
+              <a:solidFill>
+                <a:srgbClr val="E7E6E6">
+                  <a:lumMod val="25000"/>
+                </a:srgbClr>
+              </a:solidFill>
+              <a:latin typeface="Calibri" panose="020F0502020204030204"/>
+              <a:ea typeface="宋体" panose="02010600030101010101" pitchFamily="2" charset="-122"/>
+            </a:endParaRPr>
           </a:p>
           <a:p>
             <a:pPr fontAlgn="auto">
@@ -7817,53 +7722,62 @@
               <a:defRPr/>
             </a:pPr>
             <a:r>
-              <a:rPr lang="zh-CN" altLang="en-US" sz="133" kern="0" dirty="0">
+              <a:rPr lang="zh-CN" altLang="en-US" sz="135" kern="0" dirty="0">
                 <a:solidFill>
                   <a:srgbClr val="E7E6E6">
                     <a:lumMod val="25000"/>
                   </a:srgbClr>
                 </a:solidFill>
                 <a:latin typeface="Calibri" panose="020F0502020204030204"/>
-                <a:ea typeface="宋体"/>
+                <a:ea typeface="宋体" panose="02010600030101010101" pitchFamily="2" charset="-122"/>
               </a:rPr>
               <a:t>范文下载：</a:t>
             </a:r>
             <a:r>
-              <a:rPr lang="en-US" altLang="zh-CN" sz="133" kern="0" dirty="0">
+              <a:rPr lang="en-US" altLang="zh-CN" sz="135" kern="0" dirty="0">
                 <a:solidFill>
                   <a:srgbClr val="E7E6E6">
                     <a:lumMod val="25000"/>
                   </a:srgbClr>
                 </a:solidFill>
                 <a:latin typeface="Calibri" panose="020F0502020204030204"/>
-                <a:ea typeface="宋体"/>
+                <a:ea typeface="宋体" panose="02010600030101010101" pitchFamily="2" charset="-122"/>
               </a:rPr>
               <a:t>www.1ppt.com/fanwen/             </a:t>
             </a:r>
             <a:r>
-              <a:rPr lang="zh-CN" altLang="en-US" sz="133" kern="0" dirty="0">
+              <a:rPr lang="zh-CN" altLang="en-US" sz="135" kern="0" dirty="0">
                 <a:solidFill>
                   <a:srgbClr val="E7E6E6">
                     <a:lumMod val="25000"/>
                   </a:srgbClr>
                 </a:solidFill>
                 <a:latin typeface="Calibri" panose="020F0502020204030204"/>
-                <a:ea typeface="宋体"/>
+                <a:ea typeface="宋体" panose="02010600030101010101" pitchFamily="2" charset="-122"/>
               </a:rPr>
               <a:t>试卷下载：</a:t>
             </a:r>
             <a:r>
-              <a:rPr lang="en-US" altLang="zh-CN" sz="133" kern="0" dirty="0">
+              <a:rPr lang="en-US" altLang="zh-CN" sz="135" kern="0" dirty="0">
                 <a:solidFill>
                   <a:srgbClr val="E7E6E6">
                     <a:lumMod val="25000"/>
                   </a:srgbClr>
                 </a:solidFill>
                 <a:latin typeface="Calibri" panose="020F0502020204030204"/>
-                <a:ea typeface="宋体"/>
+                <a:ea typeface="宋体" panose="02010600030101010101" pitchFamily="2" charset="-122"/>
               </a:rPr>
               <a:t>www.1ppt.com/shiti/  </a:t>
             </a:r>
+            <a:endParaRPr lang="en-US" altLang="zh-CN" sz="135" kern="0" dirty="0">
+              <a:solidFill>
+                <a:srgbClr val="E7E6E6">
+                  <a:lumMod val="25000"/>
+                </a:srgbClr>
+              </a:solidFill>
+              <a:latin typeface="Calibri" panose="020F0502020204030204"/>
+              <a:ea typeface="宋体" panose="02010600030101010101" pitchFamily="2" charset="-122"/>
+            </a:endParaRPr>
           </a:p>
           <a:p>
             <a:pPr fontAlgn="auto">
@@ -7876,29 +7790,38 @@
               <a:defRPr/>
             </a:pPr>
             <a:r>
-              <a:rPr lang="zh-CN" altLang="en-US" sz="133" kern="0" dirty="0">
+              <a:rPr lang="zh-CN" altLang="en-US" sz="135" kern="0" dirty="0">
                 <a:solidFill>
                   <a:srgbClr val="E7E6E6">
                     <a:lumMod val="25000"/>
                   </a:srgbClr>
                 </a:solidFill>
                 <a:latin typeface="Calibri" panose="020F0502020204030204"/>
-                <a:ea typeface="宋体"/>
+                <a:ea typeface="宋体" panose="02010600030101010101" pitchFamily="2" charset="-122"/>
               </a:rPr>
               <a:t>教案下载：</a:t>
             </a:r>
             <a:r>
-              <a:rPr lang="en-US" altLang="zh-CN" sz="133" kern="0" dirty="0">
+              <a:rPr lang="en-US" altLang="zh-CN" sz="135" kern="0" dirty="0">
                 <a:solidFill>
                   <a:srgbClr val="E7E6E6">
                     <a:lumMod val="25000"/>
                   </a:srgbClr>
                 </a:solidFill>
                 <a:latin typeface="Calibri" panose="020F0502020204030204"/>
-                <a:ea typeface="宋体"/>
+                <a:ea typeface="宋体" panose="02010600030101010101" pitchFamily="2" charset="-122"/>
               </a:rPr>
               <a:t>www.1ppt.com/jiaoan/        </a:t>
             </a:r>
+            <a:endParaRPr lang="en-US" altLang="zh-CN" sz="135" kern="0" dirty="0">
+              <a:solidFill>
+                <a:srgbClr val="E7E6E6">
+                  <a:lumMod val="25000"/>
+                </a:srgbClr>
+              </a:solidFill>
+              <a:latin typeface="Calibri" panose="020F0502020204030204"/>
+              <a:ea typeface="宋体" panose="02010600030101010101" pitchFamily="2" charset="-122"/>
+            </a:endParaRPr>
           </a:p>
           <a:p>
             <a:pPr fontAlgn="auto">
@@ -7911,29 +7834,38 @@
               <a:defRPr/>
             </a:pPr>
             <a:r>
-              <a:rPr lang="zh-CN" altLang="en-US" sz="133" kern="0" dirty="0">
+              <a:rPr lang="zh-CN" altLang="en-US" sz="135" kern="0" dirty="0">
                 <a:solidFill>
                   <a:srgbClr val="E7E6E6">
                     <a:lumMod val="25000"/>
                   </a:srgbClr>
                 </a:solidFill>
                 <a:latin typeface="Calibri" panose="020F0502020204030204"/>
-                <a:ea typeface="宋体"/>
+                <a:ea typeface="宋体" panose="02010600030101010101" pitchFamily="2" charset="-122"/>
               </a:rPr>
               <a:t>字体下载：</a:t>
             </a:r>
             <a:r>
-              <a:rPr lang="en-US" altLang="zh-CN" sz="133" kern="0" dirty="0">
+              <a:rPr lang="en-US" altLang="zh-CN" sz="135" kern="0" dirty="0">
                 <a:solidFill>
                   <a:srgbClr val="E7E6E6">
                     <a:lumMod val="25000"/>
                   </a:srgbClr>
                 </a:solidFill>
                 <a:latin typeface="Calibri" panose="020F0502020204030204"/>
-                <a:ea typeface="宋体"/>
+                <a:ea typeface="宋体" panose="02010600030101010101" pitchFamily="2" charset="-122"/>
               </a:rPr>
               <a:t>www.1ppt.com/ziti/</a:t>
             </a:r>
+            <a:endParaRPr lang="en-US" altLang="zh-CN" sz="135" kern="0" dirty="0">
+              <a:solidFill>
+                <a:srgbClr val="E7E6E6">
+                  <a:lumMod val="25000"/>
+                </a:srgbClr>
+              </a:solidFill>
+              <a:latin typeface="Calibri" panose="020F0502020204030204"/>
+              <a:ea typeface="宋体" panose="02010600030101010101" pitchFamily="2" charset="-122"/>
+            </a:endParaRPr>
           </a:p>
           <a:p>
             <a:pPr fontAlgn="auto">
@@ -7946,25 +7878,25 @@
               <a:defRPr/>
             </a:pPr>
             <a:r>
-              <a:rPr lang="en-US" altLang="zh-CN" sz="133" kern="0" dirty="0">
+              <a:rPr lang="en-US" altLang="zh-CN" sz="135" kern="0" dirty="0">
                 <a:solidFill>
                   <a:srgbClr val="E7E6E6">
                     <a:lumMod val="25000"/>
                   </a:srgbClr>
                 </a:solidFill>
                 <a:latin typeface="Calibri" panose="020F0502020204030204"/>
-                <a:ea typeface="宋体"/>
+                <a:ea typeface="宋体" panose="02010600030101010101" pitchFamily="2" charset="-122"/>
               </a:rPr>
               <a:t> </a:t>
             </a:r>
-            <a:endParaRPr lang="zh-CN" altLang="en-US" sz="133" kern="0" dirty="0">
+            <a:endParaRPr lang="zh-CN" altLang="en-US" sz="135" kern="0" dirty="0">
               <a:solidFill>
                 <a:srgbClr val="E7E6E6">
                   <a:lumMod val="25000"/>
                 </a:srgbClr>
               </a:solidFill>
               <a:latin typeface="Calibri" panose="020F0502020204030204"/>
-              <a:ea typeface="宋体"/>
+              <a:ea typeface="宋体" panose="02010600030101010101" pitchFamily="2" charset="-122"/>
             </a:endParaRPr>
           </a:p>
         </p:txBody>
@@ -7978,15 +7910,11 @@
           <p:nvPr/>
         </p:nvPicPr>
         <p:blipFill rotWithShape="1">
-          <a:blip r:embed="rId2" cstate="screen">
-            <a:extLst>
-              <a:ext uri="{28A0092B-C50C-407E-A947-70E740481C1C}">
-                <a14:useLocalDpi xmlns:a14="http://schemas.microsoft.com/office/drawing/2010/main"/>
-              </a:ext>
-            </a:extLst>
-          </a:blip>
+          <a:blip r:embed="rId1" cstate="screen"/>
           <a:srcRect/>
-          <a:stretch/>
+          <a:stretch>
+            <a:fillRect/>
+          </a:stretch>
         </p:blipFill>
         <p:spPr>
           <a:xfrm>
@@ -8028,7 +7956,7 @@
               </a:spcAft>
             </a:pPr>
             <a:r>
-              <a:rPr lang="en-US" altLang="zh-CN" sz="8798" spc="-200" dirty="0">
+              <a:rPr lang="en-US" altLang="zh-CN" sz="8800" spc="-200" dirty="0">
                 <a:solidFill>
                   <a:srgbClr val="C99115"/>
                 </a:solidFill>
@@ -8038,7 +7966,7 @@
               </a:rPr>
               <a:t>04</a:t>
             </a:r>
-            <a:endParaRPr lang="zh-CN" altLang="en-US" sz="8798" dirty="0">
+            <a:endParaRPr lang="zh-CN" altLang="en-US" sz="8800" dirty="0">
               <a:solidFill>
                 <a:srgbClr val="C99115"/>
               </a:solidFill>
@@ -8085,7 +8013,7 @@
               </a:spcAft>
             </a:pPr>
             <a:r>
-              <a:rPr lang="zh-CN" altLang="en-US" sz="5866" spc="-200" dirty="0" smtClean="0">
+              <a:rPr lang="zh-CN" altLang="en-US" sz="5865" spc="-200" dirty="0" smtClean="0">
                 <a:gradFill>
                   <a:gsLst>
                     <a:gs pos="0">
@@ -8103,7 +8031,7 @@
               </a:rPr>
               <a:t>界面设计</a:t>
             </a:r>
-            <a:endParaRPr lang="zh-CN" altLang="en-US" sz="5866" spc="-200" dirty="0">
+            <a:endParaRPr lang="zh-CN" altLang="en-US" sz="5865" spc="-200" dirty="0">
               <a:gradFill>
                 <a:gsLst>
                   <a:gs pos="0">
@@ -8123,11 +8051,6 @@
         </p:txBody>
       </p:sp>
     </p:spTree>
-    <p:extLst>
-      <p:ext uri="{BB962C8B-B14F-4D97-AF65-F5344CB8AC3E}">
-        <p14:creationId xmlns:p14="http://schemas.microsoft.com/office/powerpoint/2010/main" val="3381209903"/>
-      </p:ext>
-    </p:extLst>
   </p:cSld>
   <p:clrMapOvr>
     <a:masterClrMapping/>
@@ -8458,7 +8381,7 @@
           <p:nvPr/>
         </p:nvPicPr>
         <p:blipFill>
-          <a:blip r:embed="rId2">
+          <a:blip r:embed="rId1">
             <a:extLst>
               <a:ext uri="{28A0092B-C50C-407E-A947-70E740481C1C}">
                 <a14:useLocalDpi xmlns:a14="http://schemas.microsoft.com/office/drawing/2010/main" val="0"/>
@@ -8536,11 +8459,6 @@
         </p:txBody>
       </p:sp>
     </p:spTree>
-    <p:extLst>
-      <p:ext uri="{BB962C8B-B14F-4D97-AF65-F5344CB8AC3E}">
-        <p14:creationId xmlns:p14="http://schemas.microsoft.com/office/powerpoint/2010/main" val="155564631"/>
-      </p:ext>
-    </p:extLst>
   </p:cSld>
   <p:clrMapOvr>
     <a:masterClrMapping/>
@@ -8595,7 +8513,7 @@
               </a:spcAft>
             </a:pPr>
             <a:r>
-              <a:rPr lang="en-US" altLang="zh-CN" sz="3733" spc="-200" dirty="0">
+              <a:rPr lang="en-US" altLang="zh-CN" sz="3735" spc="-200" dirty="0">
                 <a:solidFill>
                   <a:srgbClr val="DFA117"/>
                 </a:solidFill>
@@ -8605,12 +8523,12 @@
               </a:rPr>
               <a:t>01</a:t>
             </a:r>
-            <a:endParaRPr lang="zh-CN" altLang="en-US" sz="3733" dirty="0">
+            <a:endParaRPr lang="zh-CN" altLang="en-US" sz="3735" dirty="0">
               <a:solidFill>
                 <a:prstClr val="black"/>
               </a:solidFill>
               <a:latin typeface="Open Sans" panose="020B0606030504020204" pitchFamily="34" charset="0"/>
-              <a:ea typeface="宋体"/>
+              <a:ea typeface="宋体" panose="02010600030101010101" pitchFamily="2" charset="-122"/>
               <a:cs typeface="Open Sans" panose="020B0606030504020204" pitchFamily="34" charset="0"/>
             </a:endParaRPr>
           </a:p>
@@ -8642,7 +8560,7 @@
           <a:bodyPr rtlCol="0" anchor="ctr"/>
           <a:lstStyle/>
           <a:p>
-            <a:pPr defTabSz="1218987" fontAlgn="auto">
+            <a:pPr defTabSz="1218565" fontAlgn="auto">
               <a:spcBef>
                 <a:spcPts val="0"/>
               </a:spcBef>
@@ -8652,7 +8570,7 @@
               <a:defRPr/>
             </a:pPr>
             <a:r>
-              <a:rPr lang="zh-CN" altLang="en-US" sz="2666" kern="0" dirty="0">
+              <a:rPr lang="zh-CN" altLang="en-US" sz="2665" kern="0" dirty="0">
                 <a:solidFill>
                   <a:srgbClr val="DFA117"/>
                 </a:solidFill>
@@ -8662,6 +8580,14 @@
               </a:rPr>
               <a:t>总体功能</a:t>
             </a:r>
+            <a:endParaRPr lang="zh-CN" altLang="en-US" sz="2665" kern="0" dirty="0">
+              <a:solidFill>
+                <a:srgbClr val="DFA117"/>
+              </a:solidFill>
+              <a:latin typeface="Open Sans" panose="020B0606030504020204" pitchFamily="34" charset="0"/>
+              <a:ea typeface="Meiryo" panose="020B0604030504040204" pitchFamily="34" charset="-128"/>
+              <a:cs typeface="Open Sans" panose="020B0606030504020204" pitchFamily="34" charset="0"/>
+            </a:endParaRPr>
           </a:p>
         </p:txBody>
       </p:sp>
@@ -8695,7 +8621,7 @@
               </a:spcAft>
             </a:pPr>
             <a:r>
-              <a:rPr lang="en-US" altLang="zh-CN" sz="3733" spc="-200" dirty="0">
+              <a:rPr lang="en-US" altLang="zh-CN" sz="3735" spc="-200" dirty="0">
                 <a:solidFill>
                   <a:srgbClr val="DFA117"/>
                 </a:solidFill>
@@ -8705,12 +8631,12 @@
               </a:rPr>
               <a:t>02</a:t>
             </a:r>
-            <a:endParaRPr lang="zh-CN" altLang="en-US" sz="3733" dirty="0">
+            <a:endParaRPr lang="zh-CN" altLang="en-US" sz="3735" dirty="0">
               <a:solidFill>
                 <a:prstClr val="black"/>
               </a:solidFill>
               <a:latin typeface="Open Sans" panose="020B0606030504020204" pitchFamily="34" charset="0"/>
-              <a:ea typeface="宋体"/>
+              <a:ea typeface="宋体" panose="02010600030101010101" pitchFamily="2" charset="-122"/>
               <a:cs typeface="Open Sans" panose="020B0606030504020204" pitchFamily="34" charset="0"/>
             </a:endParaRPr>
           </a:p>
@@ -8742,7 +8668,7 @@
           <a:bodyPr rtlCol="0" anchor="ctr"/>
           <a:lstStyle/>
           <a:p>
-            <a:pPr defTabSz="1218987" fontAlgn="auto">
+            <a:pPr defTabSz="1218565" fontAlgn="auto">
               <a:spcBef>
                 <a:spcPts val="0"/>
               </a:spcBef>
@@ -8752,7 +8678,7 @@
               <a:defRPr/>
             </a:pPr>
             <a:r>
-              <a:rPr lang="zh-CN" altLang="en-US" sz="2666" kern="0" dirty="0">
+              <a:rPr lang="zh-CN" altLang="en-US" sz="2665" kern="0" dirty="0">
                 <a:solidFill>
                   <a:srgbClr val="DFA117"/>
                 </a:solidFill>
@@ -8762,7 +8688,7 @@
               </a:rPr>
               <a:t>接口设计</a:t>
             </a:r>
-            <a:endParaRPr lang="zh-CN" altLang="en-US" sz="2666" kern="0" dirty="0">
+            <a:endParaRPr lang="zh-CN" altLang="en-US" sz="2665" kern="0" dirty="0">
               <a:solidFill>
                 <a:srgbClr val="DFA117"/>
               </a:solidFill>
@@ -8803,7 +8729,7 @@
               </a:spcAft>
             </a:pPr>
             <a:r>
-              <a:rPr lang="en-US" altLang="zh-CN" sz="3733" spc="-200" dirty="0">
+              <a:rPr lang="en-US" altLang="zh-CN" sz="3735" spc="-200" dirty="0">
                 <a:solidFill>
                   <a:srgbClr val="DFA117"/>
                 </a:solidFill>
@@ -8813,12 +8739,12 @@
               </a:rPr>
               <a:t>03</a:t>
             </a:r>
-            <a:endParaRPr lang="zh-CN" altLang="en-US" sz="3733" dirty="0">
+            <a:endParaRPr lang="zh-CN" altLang="en-US" sz="3735" dirty="0">
               <a:solidFill>
                 <a:prstClr val="black"/>
               </a:solidFill>
               <a:latin typeface="Open Sans" panose="020B0606030504020204" pitchFamily="34" charset="0"/>
-              <a:ea typeface="宋体"/>
+              <a:ea typeface="宋体" panose="02010600030101010101" pitchFamily="2" charset="-122"/>
               <a:cs typeface="Open Sans" panose="020B0606030504020204" pitchFamily="34" charset="0"/>
             </a:endParaRPr>
           </a:p>
@@ -8850,7 +8776,7 @@
           <a:bodyPr rtlCol="0" anchor="ctr"/>
           <a:lstStyle/>
           <a:p>
-            <a:pPr defTabSz="1218987" fontAlgn="auto">
+            <a:pPr defTabSz="1218565" fontAlgn="auto">
               <a:spcBef>
                 <a:spcPts val="0"/>
               </a:spcBef>
@@ -8860,7 +8786,7 @@
               <a:defRPr/>
             </a:pPr>
             <a:r>
-              <a:rPr lang="zh-CN" altLang="en-US" sz="2666" kern="0" dirty="0">
+              <a:rPr lang="zh-CN" altLang="en-US" sz="2665" kern="0" dirty="0">
                 <a:solidFill>
                   <a:srgbClr val="DFA117"/>
                 </a:solidFill>
@@ -8870,7 +8796,7 @@
               </a:rPr>
               <a:t>数据库设计</a:t>
             </a:r>
-            <a:endParaRPr lang="zh-CN" altLang="en-US" sz="2666" kern="0" dirty="0">
+            <a:endParaRPr lang="zh-CN" altLang="en-US" sz="2665" kern="0" dirty="0">
               <a:solidFill>
                 <a:srgbClr val="DFA117"/>
               </a:solidFill>
@@ -8911,7 +8837,7 @@
               </a:spcAft>
             </a:pPr>
             <a:r>
-              <a:rPr lang="en-US" altLang="zh-CN" sz="3733" spc="-200" dirty="0">
+              <a:rPr lang="en-US" altLang="zh-CN" sz="3735" spc="-200" dirty="0">
                 <a:solidFill>
                   <a:srgbClr val="DFA117"/>
                 </a:solidFill>
@@ -8921,12 +8847,12 @@
               </a:rPr>
               <a:t>04</a:t>
             </a:r>
-            <a:endParaRPr lang="zh-CN" altLang="en-US" sz="3733" dirty="0">
+            <a:endParaRPr lang="zh-CN" altLang="en-US" sz="3735" dirty="0">
               <a:solidFill>
                 <a:prstClr val="black"/>
               </a:solidFill>
               <a:latin typeface="Open Sans" panose="020B0606030504020204" pitchFamily="34" charset="0"/>
-              <a:ea typeface="宋体"/>
+              <a:ea typeface="宋体" panose="02010600030101010101" pitchFamily="2" charset="-122"/>
               <a:cs typeface="Open Sans" panose="020B0606030504020204" pitchFamily="34" charset="0"/>
             </a:endParaRPr>
           </a:p>
@@ -8958,7 +8884,7 @@
           <a:bodyPr rtlCol="0" anchor="ctr"/>
           <a:lstStyle/>
           <a:p>
-            <a:pPr defTabSz="1218987" fontAlgn="auto">
+            <a:pPr defTabSz="1218565" fontAlgn="auto">
               <a:spcBef>
                 <a:spcPts val="0"/>
               </a:spcBef>
@@ -8968,7 +8894,7 @@
               <a:defRPr/>
             </a:pPr>
             <a:r>
-              <a:rPr lang="zh-CN" altLang="en-US" sz="2666" kern="0" dirty="0">
+              <a:rPr lang="zh-CN" altLang="en-US" sz="2665" kern="0" dirty="0">
                 <a:solidFill>
                   <a:srgbClr val="DFA117"/>
                 </a:solidFill>
@@ -8978,15 +8904,18 @@
               </a:rPr>
               <a:t>界面设计</a:t>
             </a:r>
+            <a:endParaRPr lang="zh-CN" altLang="en-US" sz="2665" kern="0" dirty="0">
+              <a:solidFill>
+                <a:srgbClr val="DFA117"/>
+              </a:solidFill>
+              <a:latin typeface="Open Sans" panose="020B0606030504020204" pitchFamily="34" charset="0"/>
+              <a:ea typeface="Meiryo" panose="020B0604030504040204" pitchFamily="34" charset="-128"/>
+              <a:cs typeface="Open Sans" panose="020B0606030504020204" pitchFamily="34" charset="0"/>
+            </a:endParaRPr>
           </a:p>
         </p:txBody>
       </p:sp>
     </p:spTree>
-    <p:extLst>
-      <p:ext uri="{BB962C8B-B14F-4D97-AF65-F5344CB8AC3E}">
-        <p14:creationId xmlns:p14="http://schemas.microsoft.com/office/powerpoint/2010/main" val="694383140"/>
-      </p:ext>
-    </p:extLst>
   </p:cSld>
   <p:clrMapOvr>
     <a:masterClrMapping/>
@@ -9236,7 +9165,7 @@
           <p:nvPr/>
         </p:nvPicPr>
         <p:blipFill>
-          <a:blip r:embed="rId2">
+          <a:blip r:embed="rId1">
             <a:extLst>
               <a:ext uri="{28A0092B-C50C-407E-A947-70E740481C1C}">
                 <a14:useLocalDpi xmlns:a14="http://schemas.microsoft.com/office/drawing/2010/main" val="0"/>
@@ -9296,11 +9225,6 @@
         </p:txBody>
       </p:sp>
     </p:spTree>
-    <p:extLst>
-      <p:ext uri="{BB962C8B-B14F-4D97-AF65-F5344CB8AC3E}">
-        <p14:creationId xmlns:p14="http://schemas.microsoft.com/office/powerpoint/2010/main" val="3238101399"/>
-      </p:ext>
-    </p:extLst>
   </p:cSld>
   <p:clrMapOvr>
     <a:masterClrMapping/>
@@ -9341,7 +9265,7 @@
           <p:nvPr/>
         </p:nvPicPr>
         <p:blipFill>
-          <a:blip r:embed="rId2">
+          <a:blip r:embed="rId1">
             <a:extLst>
               <a:ext uri="{28A0092B-C50C-407E-A947-70E740481C1C}">
                 <a14:useLocalDpi xmlns:a14="http://schemas.microsoft.com/office/drawing/2010/main" val="0"/>
@@ -9416,11 +9340,6 @@
         </p:txBody>
       </p:sp>
     </p:spTree>
-    <p:extLst>
-      <p:ext uri="{BB962C8B-B14F-4D97-AF65-F5344CB8AC3E}">
-        <p14:creationId xmlns:p14="http://schemas.microsoft.com/office/powerpoint/2010/main" val="2231172338"/>
-      </p:ext>
-    </p:extLst>
   </p:cSld>
   <p:clrMapOvr>
     <a:masterClrMapping/>
@@ -9461,7 +9380,7 @@
           <p:nvPr/>
         </p:nvPicPr>
         <p:blipFill>
-          <a:blip r:embed="rId2">
+          <a:blip r:embed="rId1">
             <a:extLst>
               <a:ext uri="{28A0092B-C50C-407E-A947-70E740481C1C}">
                 <a14:useLocalDpi xmlns:a14="http://schemas.microsoft.com/office/drawing/2010/main" val="0"/>
@@ -9536,11 +9455,6 @@
         </p:txBody>
       </p:sp>
     </p:spTree>
-    <p:extLst>
-      <p:ext uri="{BB962C8B-B14F-4D97-AF65-F5344CB8AC3E}">
-        <p14:creationId xmlns:p14="http://schemas.microsoft.com/office/powerpoint/2010/main" val="2714079169"/>
-      </p:ext>
-    </p:extLst>
   </p:cSld>
   <p:clrMapOvr>
     <a:masterClrMapping/>
@@ -9581,7 +9495,7 @@
           <p:nvPr/>
         </p:nvPicPr>
         <p:blipFill>
-          <a:blip r:embed="rId2">
+          <a:blip r:embed="rId1">
             <a:extLst>
               <a:ext uri="{28A0092B-C50C-407E-A947-70E740481C1C}">
                 <a14:useLocalDpi xmlns:a14="http://schemas.microsoft.com/office/drawing/2010/main" val="0"/>
@@ -9641,11 +9555,6 @@
         </p:txBody>
       </p:sp>
     </p:spTree>
-    <p:extLst>
-      <p:ext uri="{BB962C8B-B14F-4D97-AF65-F5344CB8AC3E}">
-        <p14:creationId xmlns:p14="http://schemas.microsoft.com/office/powerpoint/2010/main" val="2248176787"/>
-      </p:ext>
-    </p:extLst>
   </p:cSld>
   <p:clrMapOvr>
     <a:masterClrMapping/>
@@ -9686,7 +9595,7 @@
           <p:nvPr/>
         </p:nvPicPr>
         <p:blipFill>
-          <a:blip r:embed="rId2">
+          <a:blip r:embed="rId1">
             <a:extLst>
               <a:ext uri="{28A0092B-C50C-407E-A947-70E740481C1C}">
                 <a14:useLocalDpi xmlns:a14="http://schemas.microsoft.com/office/drawing/2010/main" val="0"/>
@@ -9746,11 +9655,6 @@
         </p:txBody>
       </p:sp>
     </p:spTree>
-    <p:extLst>
-      <p:ext uri="{BB962C8B-B14F-4D97-AF65-F5344CB8AC3E}">
-        <p14:creationId xmlns:p14="http://schemas.microsoft.com/office/powerpoint/2010/main" val="3800441411"/>
-      </p:ext>
-    </p:extLst>
   </p:cSld>
   <p:clrMapOvr>
     <a:masterClrMapping/>
@@ -9791,7 +9695,7 @@
           <p:nvPr/>
         </p:nvPicPr>
         <p:blipFill>
-          <a:blip r:embed="rId2">
+          <a:blip r:embed="rId1">
             <a:extLst>
               <a:ext uri="{28A0092B-C50C-407E-A947-70E740481C1C}">
                 <a14:useLocalDpi xmlns:a14="http://schemas.microsoft.com/office/drawing/2010/main" val="0"/>
@@ -9851,11 +9755,6 @@
         </p:txBody>
       </p:sp>
     </p:spTree>
-    <p:extLst>
-      <p:ext uri="{BB962C8B-B14F-4D97-AF65-F5344CB8AC3E}">
-        <p14:creationId xmlns:p14="http://schemas.microsoft.com/office/powerpoint/2010/main" val="320424774"/>
-      </p:ext>
-    </p:extLst>
   </p:cSld>
   <p:clrMapOvr>
     <a:masterClrMapping/>
@@ -9896,7 +9795,7 @@
           <p:nvPr/>
         </p:nvPicPr>
         <p:blipFill>
-          <a:blip r:embed="rId2">
+          <a:blip r:embed="rId1">
             <a:extLst>
               <a:ext uri="{28A0092B-C50C-407E-A947-70E740481C1C}">
                 <a14:useLocalDpi xmlns:a14="http://schemas.microsoft.com/office/drawing/2010/main" val="0"/>
@@ -9964,11 +9863,6 @@
         </p:txBody>
       </p:sp>
     </p:spTree>
-    <p:extLst>
-      <p:ext uri="{BB962C8B-B14F-4D97-AF65-F5344CB8AC3E}">
-        <p14:creationId xmlns:p14="http://schemas.microsoft.com/office/powerpoint/2010/main" val="576477070"/>
-      </p:ext>
-    </p:extLst>
   </p:cSld>
   <p:clrMapOvr>
     <a:masterClrMapping/>
@@ -10009,7 +9903,7 @@
           <p:nvPr/>
         </p:nvPicPr>
         <p:blipFill>
-          <a:blip r:embed="rId2">
+          <a:blip r:embed="rId1">
             <a:extLst>
               <a:ext uri="{28A0092B-C50C-407E-A947-70E740481C1C}">
                 <a14:useLocalDpi xmlns:a14="http://schemas.microsoft.com/office/drawing/2010/main" val="0"/>
@@ -10077,11 +9971,6 @@
         </p:txBody>
       </p:sp>
     </p:spTree>
-    <p:extLst>
-      <p:ext uri="{BB962C8B-B14F-4D97-AF65-F5344CB8AC3E}">
-        <p14:creationId xmlns:p14="http://schemas.microsoft.com/office/powerpoint/2010/main" val="783434043"/>
-      </p:ext>
-    </p:extLst>
   </p:cSld>
   <p:clrMapOvr>
     <a:masterClrMapping/>
@@ -10251,7 +10140,7 @@
           <a:bodyPr rtlCol="0" anchor="ctr"/>
           <a:lstStyle/>
           <a:p>
-            <a:pPr algn="ctr" defTabSz="1218987" fontAlgn="auto">
+            <a:pPr algn="ctr" defTabSz="1218565" fontAlgn="auto">
               <a:spcBef>
                 <a:spcPts val="0"/>
               </a:spcBef>
@@ -10265,7 +10154,7 @@
                 <a:prstClr val="white"/>
               </a:solidFill>
               <a:latin typeface="Calibri" panose="020F0502020204030204"/>
-              <a:ea typeface="宋体"/>
+              <a:ea typeface="宋体" panose="02010600030101010101" pitchFamily="2" charset="-122"/>
             </a:endParaRPr>
           </a:p>
         </p:txBody>
@@ -10334,7 +10223,7 @@
           <a:bodyPr rtlCol="0" anchor="ctr"/>
           <a:lstStyle/>
           <a:p>
-            <a:pPr algn="ctr" defTabSz="1218987" fontAlgn="auto">
+            <a:pPr algn="ctr" defTabSz="1218565" fontAlgn="auto">
               <a:spcBef>
                 <a:spcPts val="0"/>
               </a:spcBef>
@@ -10348,7 +10237,7 @@
                 <a:prstClr val="white"/>
               </a:solidFill>
               <a:latin typeface="Calibri" panose="020F0502020204030204"/>
-              <a:ea typeface="宋体"/>
+              <a:ea typeface="宋体" panose="02010600030101010101" pitchFamily="2" charset="-122"/>
             </a:endParaRPr>
           </a:p>
         </p:txBody>
@@ -10417,7 +10306,7 @@
           <a:bodyPr rtlCol="0" anchor="ctr"/>
           <a:lstStyle/>
           <a:p>
-            <a:pPr algn="ctr" defTabSz="1218987" fontAlgn="auto">
+            <a:pPr algn="ctr" defTabSz="1218565" fontAlgn="auto">
               <a:spcBef>
                 <a:spcPts val="0"/>
               </a:spcBef>
@@ -10431,7 +10320,7 @@
                 <a:prstClr val="white"/>
               </a:solidFill>
               <a:latin typeface="Calibri" panose="020F0502020204030204"/>
-              <a:ea typeface="宋体"/>
+              <a:ea typeface="宋体" panose="02010600030101010101" pitchFamily="2" charset="-122"/>
             </a:endParaRPr>
           </a:p>
         </p:txBody>
@@ -10500,7 +10389,7 @@
           <a:bodyPr rtlCol="0" anchor="ctr"/>
           <a:lstStyle/>
           <a:p>
-            <a:pPr algn="ctr" defTabSz="1218987" fontAlgn="auto">
+            <a:pPr algn="ctr" defTabSz="1218565" fontAlgn="auto">
               <a:spcBef>
                 <a:spcPts val="0"/>
               </a:spcBef>
@@ -10514,7 +10403,7 @@
                 <a:prstClr val="white"/>
               </a:solidFill>
               <a:latin typeface="Calibri" panose="020F0502020204030204"/>
-              <a:ea typeface="宋体"/>
+              <a:ea typeface="宋体" panose="02010600030101010101" pitchFamily="2" charset="-122"/>
             </a:endParaRPr>
           </a:p>
         </p:txBody>
@@ -10583,7 +10472,7 @@
           <a:bodyPr rtlCol="0" anchor="ctr"/>
           <a:lstStyle/>
           <a:p>
-            <a:pPr algn="ctr" defTabSz="1218987" fontAlgn="auto">
+            <a:pPr algn="ctr" defTabSz="1218565" fontAlgn="auto">
               <a:spcBef>
                 <a:spcPts val="0"/>
               </a:spcBef>
@@ -10597,7 +10486,7 @@
                 <a:prstClr val="white"/>
               </a:solidFill>
               <a:latin typeface="Calibri" panose="020F0502020204030204"/>
-              <a:ea typeface="宋体"/>
+              <a:ea typeface="宋体" panose="02010600030101010101" pitchFamily="2" charset="-122"/>
             </a:endParaRPr>
           </a:p>
         </p:txBody>
@@ -10666,7 +10555,7 @@
           <a:bodyPr rtlCol="0" anchor="ctr"/>
           <a:lstStyle/>
           <a:p>
-            <a:pPr algn="ctr" defTabSz="1218987" fontAlgn="auto">
+            <a:pPr algn="ctr" defTabSz="1218565" fontAlgn="auto">
               <a:spcBef>
                 <a:spcPts val="0"/>
               </a:spcBef>
@@ -10680,17 +10569,12 @@
                 <a:prstClr val="white"/>
               </a:solidFill>
               <a:latin typeface="Calibri" panose="020F0502020204030204"/>
-              <a:ea typeface="宋体"/>
+              <a:ea typeface="宋体" panose="02010600030101010101" pitchFamily="2" charset="-122"/>
             </a:endParaRPr>
           </a:p>
         </p:txBody>
       </p:sp>
     </p:spTree>
-    <p:extLst>
-      <p:ext uri="{BB962C8B-B14F-4D97-AF65-F5344CB8AC3E}">
-        <p14:creationId xmlns:p14="http://schemas.microsoft.com/office/powerpoint/2010/main" val="3972868917"/>
-      </p:ext>
-    </p:extLst>
   </p:cSld>
   <p:clrMapOvr>
     <a:masterClrMapping/>
@@ -11429,15 +11313,11 @@
           <p:nvPr/>
         </p:nvPicPr>
         <p:blipFill rotWithShape="1">
-          <a:blip r:embed="rId2" cstate="screen">
-            <a:extLst>
-              <a:ext uri="{28A0092B-C50C-407E-A947-70E740481C1C}">
-                <a14:useLocalDpi xmlns:a14="http://schemas.microsoft.com/office/drawing/2010/main"/>
-              </a:ext>
-            </a:extLst>
-          </a:blip>
+          <a:blip r:embed="rId1" cstate="screen"/>
           <a:srcRect/>
-          <a:stretch/>
+          <a:stretch>
+            <a:fillRect/>
+          </a:stretch>
         </p:blipFill>
         <p:spPr>
           <a:xfrm>
@@ -11479,7 +11359,7 @@
               </a:spcAft>
             </a:pPr>
             <a:r>
-              <a:rPr lang="en-US" altLang="zh-CN" sz="8798" spc="-200" dirty="0">
+              <a:rPr lang="en-US" altLang="zh-CN" sz="8800" spc="-200" dirty="0">
                 <a:solidFill>
                   <a:srgbClr val="C99115"/>
                 </a:solidFill>
@@ -11489,7 +11369,7 @@
               </a:rPr>
               <a:t>01</a:t>
             </a:r>
-            <a:endParaRPr lang="zh-CN" altLang="en-US" sz="8798" dirty="0">
+            <a:endParaRPr lang="zh-CN" altLang="en-US" sz="8800" dirty="0">
               <a:solidFill>
                 <a:srgbClr val="C99115"/>
               </a:solidFill>
@@ -11536,7 +11416,7 @@
               </a:spcAft>
             </a:pPr>
             <a:r>
-              <a:rPr lang="zh-CN" altLang="en-US" sz="5866" spc="-200" dirty="0" smtClean="0">
+              <a:rPr lang="zh-CN" altLang="en-US" sz="5865" spc="-200" dirty="0" smtClean="0">
                 <a:gradFill>
                   <a:gsLst>
                     <a:gs pos="0">
@@ -11554,7 +11434,7 @@
               </a:rPr>
               <a:t>总体功能</a:t>
             </a:r>
-            <a:endParaRPr lang="zh-CN" altLang="en-US" sz="5866" spc="-200" dirty="0">
+            <a:endParaRPr lang="zh-CN" altLang="en-US" sz="5865" spc="-200" dirty="0">
               <a:gradFill>
                 <a:gsLst>
                   <a:gs pos="0">
@@ -11574,11 +11454,6 @@
         </p:txBody>
       </p:sp>
     </p:spTree>
-    <p:extLst>
-      <p:ext uri="{BB962C8B-B14F-4D97-AF65-F5344CB8AC3E}">
-        <p14:creationId xmlns:p14="http://schemas.microsoft.com/office/powerpoint/2010/main" val="12786887"/>
-      </p:ext>
-    </p:extLst>
   </p:cSld>
   <p:clrMapOvr>
     <a:masterClrMapping/>
@@ -11917,9 +11792,7 @@
         <p:sp>
           <p:nvSpPr>
             <p:cNvPr id="21" name="任意多边形 20"/>
-            <p:cNvSpPr>
-              <a:spLocks/>
-            </p:cNvSpPr>
+            <p:cNvSpPr/>
             <p:nvPr/>
           </p:nvSpPr>
           <p:spPr bwMode="auto">
@@ -12431,14 +12304,11 @@
           </p:spPr>
           <p:txBody>
             <a:bodyPr vert="horz" wrap="square" lIns="121903" tIns="60952" rIns="121903" bIns="60952" numCol="1" anchor="t" anchorCtr="0" compatLnSpc="1">
-              <a:prstTxWarp prst="textNoShape">
-                <a:avLst/>
-              </a:prstTxWarp>
               <a:noAutofit/>
             </a:bodyPr>
             <a:lstStyle/>
             <a:p>
-              <a:pPr defTabSz="1218987" fontAlgn="auto">
+              <a:pPr defTabSz="1218565" fontAlgn="auto">
                 <a:spcBef>
                   <a:spcPts val="0"/>
                 </a:spcBef>
@@ -12459,9 +12329,7 @@
         <p:sp>
           <p:nvSpPr>
             <p:cNvPr id="22" name="Freeform 6"/>
-            <p:cNvSpPr>
-              <a:spLocks/>
-            </p:cNvSpPr>
+            <p:cNvSpPr/>
             <p:nvPr/>
           </p:nvSpPr>
           <p:spPr bwMode="auto">
@@ -13503,7 +13371,7 @@
             <a:bodyPr anchor="ctr"/>
             <a:lstStyle/>
             <a:p>
-              <a:pPr algn="ctr" defTabSz="1218987" fontAlgn="auto">
+              <a:pPr algn="ctr" defTabSz="1218565" fontAlgn="auto">
                 <a:spcBef>
                   <a:spcPts val="0"/>
                 </a:spcBef>
@@ -13512,7 +13380,7 @@
                 </a:spcAft>
                 <a:defRPr/>
               </a:pPr>
-              <a:endParaRPr lang="zh-CN" altLang="en-US" sz="3733" b="1" kern="0">
+              <a:endParaRPr lang="zh-CN" altLang="en-US" sz="3735" b="1" kern="0">
                 <a:solidFill>
                   <a:prstClr val="white"/>
                 </a:solidFill>
@@ -13526,9 +13394,7 @@
         <p:sp>
           <p:nvSpPr>
             <p:cNvPr id="23" name="Freeform 7"/>
-            <p:cNvSpPr>
-              <a:spLocks/>
-            </p:cNvSpPr>
+            <p:cNvSpPr/>
             <p:nvPr/>
           </p:nvSpPr>
           <p:spPr bwMode="auto">
@@ -14950,7 +14816,7 @@
             <a:bodyPr anchor="ctr"/>
             <a:lstStyle/>
             <a:p>
-              <a:pPr algn="ctr" defTabSz="1218987" fontAlgn="auto">
+              <a:pPr algn="ctr" defTabSz="1218565" fontAlgn="auto">
                 <a:spcBef>
                   <a:spcPts val="0"/>
                 </a:spcBef>
@@ -14959,7 +14825,7 @@
                 </a:spcAft>
                 <a:defRPr/>
               </a:pPr>
-              <a:endParaRPr lang="zh-CN" altLang="en-US" sz="3733" b="1" kern="0">
+              <a:endParaRPr lang="zh-CN" altLang="en-US" sz="3735" b="1" kern="0">
                 <a:solidFill>
                   <a:prstClr val="white"/>
                 </a:solidFill>
@@ -14973,9 +14839,7 @@
         <p:sp>
           <p:nvSpPr>
             <p:cNvPr id="24" name="Freeform 8"/>
-            <p:cNvSpPr>
-              <a:spLocks/>
-            </p:cNvSpPr>
+            <p:cNvSpPr/>
             <p:nvPr/>
           </p:nvSpPr>
           <p:spPr bwMode="auto">
@@ -16137,7 +16001,7 @@
             <a:bodyPr anchor="ctr"/>
             <a:lstStyle/>
             <a:p>
-              <a:pPr algn="ctr" defTabSz="1218987" fontAlgn="auto">
+              <a:pPr algn="ctr" defTabSz="1218565" fontAlgn="auto">
                 <a:spcBef>
                   <a:spcPts val="0"/>
                 </a:spcBef>
@@ -16146,7 +16010,7 @@
                 </a:spcAft>
                 <a:defRPr/>
               </a:pPr>
-              <a:endParaRPr lang="zh-CN" altLang="en-US" sz="3733" b="1" kern="0">
+              <a:endParaRPr lang="zh-CN" altLang="en-US" sz="3735" b="1" kern="0">
                 <a:solidFill>
                   <a:prstClr val="white"/>
                 </a:solidFill>
@@ -16160,9 +16024,7 @@
         <p:sp>
           <p:nvSpPr>
             <p:cNvPr id="25" name="Freeform 9"/>
-            <p:cNvSpPr>
-              <a:spLocks/>
-            </p:cNvSpPr>
+            <p:cNvSpPr/>
             <p:nvPr/>
           </p:nvSpPr>
           <p:spPr bwMode="auto">
@@ -17074,7 +16936,7 @@
             <a:bodyPr anchor="ctr"/>
             <a:lstStyle/>
             <a:p>
-              <a:pPr algn="ctr" defTabSz="1218987" fontAlgn="auto">
+              <a:pPr algn="ctr" defTabSz="1218565" fontAlgn="auto">
                 <a:spcBef>
                   <a:spcPts val="0"/>
                 </a:spcBef>
@@ -17083,7 +16945,7 @@
                 </a:spcAft>
                 <a:defRPr/>
               </a:pPr>
-              <a:endParaRPr lang="zh-CN" altLang="en-US" sz="3733" b="1" kern="0">
+              <a:endParaRPr lang="zh-CN" altLang="en-US" sz="3735" b="1" kern="0">
                 <a:solidFill>
                   <a:prstClr val="white"/>
                 </a:solidFill>
@@ -17115,7 +16977,7 @@
             </a:bodyPr>
             <a:lstStyle/>
             <a:p>
-              <a:pPr algn="ctr" defTabSz="1218987" fontAlgn="auto">
+              <a:pPr algn="ctr" defTabSz="1218565" fontAlgn="auto">
                 <a:spcBef>
                   <a:spcPts val="0"/>
                 </a:spcBef>
@@ -17156,7 +17018,7 @@
             </a:bodyPr>
             <a:lstStyle/>
             <a:p>
-              <a:pPr algn="ctr" defTabSz="1218987" fontAlgn="auto">
+              <a:pPr algn="ctr" defTabSz="1218565" fontAlgn="auto">
                 <a:spcBef>
                   <a:spcPts val="0"/>
                 </a:spcBef>
@@ -17197,7 +17059,7 @@
             </a:bodyPr>
             <a:lstStyle/>
             <a:p>
-              <a:pPr algn="ctr" defTabSz="1218987" fontAlgn="auto">
+              <a:pPr algn="ctr" defTabSz="1218565" fontAlgn="auto">
                 <a:spcBef>
                   <a:spcPts val="0"/>
                 </a:spcBef>
@@ -17238,7 +17100,7 @@
             </a:bodyPr>
             <a:lstStyle/>
             <a:p>
-              <a:pPr algn="ctr" defTabSz="1218987" fontAlgn="auto">
+              <a:pPr algn="ctr" defTabSz="1218565" fontAlgn="auto">
                 <a:spcBef>
                   <a:spcPts val="0"/>
                 </a:spcBef>
@@ -17292,7 +17154,7 @@
               </a:spcAft>
             </a:pPr>
             <a:r>
-              <a:rPr lang="zh-CN" altLang="en-US" sz="1866" b="1" dirty="0" smtClean="0">
+              <a:rPr lang="zh-CN" altLang="en-US" sz="1865" b="1" dirty="0" smtClean="0">
                 <a:solidFill>
                   <a:srgbClr val="F0C76A"/>
                 </a:solidFill>
@@ -17346,7 +17208,7 @@
               </a:spcAft>
             </a:pPr>
             <a:r>
-              <a:rPr lang="en-US" altLang="zh-CN" sz="1866" b="1" dirty="0" smtClean="0">
+              <a:rPr lang="en-US" altLang="zh-CN" sz="1865" b="1" dirty="0" smtClean="0">
                 <a:solidFill>
                   <a:srgbClr val="F0C76A"/>
                 </a:solidFill>
@@ -17357,7 +17219,7 @@
               <a:t>C/S</a:t>
             </a:r>
             <a:r>
-              <a:rPr lang="zh-CN" altLang="en-US" sz="1866" b="1" dirty="0" smtClean="0">
+              <a:rPr lang="zh-CN" altLang="en-US" sz="1865" b="1" dirty="0" smtClean="0">
                 <a:solidFill>
                   <a:srgbClr val="F0C76A"/>
                 </a:solidFill>
@@ -17411,7 +17273,7 @@
               </a:spcAft>
             </a:pPr>
             <a:r>
-              <a:rPr lang="zh-CN" altLang="en-US" sz="1866" b="1" dirty="0" smtClean="0">
+              <a:rPr lang="zh-CN" altLang="en-US" sz="1865" b="1" dirty="0" smtClean="0">
                 <a:solidFill>
                   <a:srgbClr val="F0C76A"/>
                 </a:solidFill>
@@ -17465,7 +17327,7 @@
               </a:spcAft>
             </a:pPr>
             <a:r>
-              <a:rPr lang="zh-CN" altLang="en-US" sz="1866" b="1" dirty="0" smtClean="0">
+              <a:rPr lang="zh-CN" altLang="en-US" sz="1865" b="1" dirty="0" smtClean="0">
                 <a:solidFill>
                   <a:srgbClr val="F0C76A"/>
                 </a:solidFill>
@@ -17560,7 +17422,7 @@
               </a:spcAft>
             </a:pPr>
             <a:r>
-              <a:rPr lang="zh-CN" altLang="en-US" sz="1866" b="1" dirty="0" smtClean="0">
+              <a:rPr lang="zh-CN" altLang="en-US" sz="1865" b="1" dirty="0" smtClean="0">
                 <a:solidFill>
                   <a:srgbClr val="F0C76A"/>
                 </a:solidFill>
@@ -17570,7 +17432,7 @@
               </a:rPr>
               <a:t>服务器端重要文件保存</a:t>
             </a:r>
-            <a:endParaRPr lang="en-US" altLang="zh-CN" sz="1866" b="1" dirty="0" smtClean="0">
+            <a:endParaRPr lang="en-US" altLang="zh-CN" sz="1865" b="1" dirty="0" smtClean="0">
               <a:solidFill>
                 <a:srgbClr val="F0C76A"/>
               </a:solidFill>
@@ -17603,11 +17465,6 @@
         </p:txBody>
       </p:sp>
     </p:spTree>
-    <p:extLst>
-      <p:ext uri="{BB962C8B-B14F-4D97-AF65-F5344CB8AC3E}">
-        <p14:creationId xmlns:p14="http://schemas.microsoft.com/office/powerpoint/2010/main" val="3640442195"/>
-      </p:ext>
-    </p:extLst>
   </p:cSld>
   <p:clrMapOvr>
     <a:masterClrMapping/>
@@ -17939,9 +17796,7 @@
         <p:sp>
           <p:nvSpPr>
             <p:cNvPr id="21" name="任意多边形 20"/>
-            <p:cNvSpPr>
-              <a:spLocks/>
-            </p:cNvSpPr>
+            <p:cNvSpPr/>
             <p:nvPr/>
           </p:nvSpPr>
           <p:spPr bwMode="auto">
@@ -18237,14 +18092,11 @@
           </p:spPr>
           <p:txBody>
             <a:bodyPr vert="horz" wrap="square" lIns="121903" tIns="60952" rIns="121903" bIns="60952" numCol="1" anchor="t" anchorCtr="0" compatLnSpc="1">
-              <a:prstTxWarp prst="textNoShape">
-                <a:avLst/>
-              </a:prstTxWarp>
               <a:noAutofit/>
             </a:bodyPr>
             <a:lstStyle/>
             <a:p>
-              <a:pPr defTabSz="1218987" fontAlgn="auto">
+              <a:pPr defTabSz="1218565" fontAlgn="auto">
                 <a:spcBef>
                   <a:spcPts val="0"/>
                 </a:spcBef>
@@ -18265,9 +18117,7 @@
         <p:sp>
           <p:nvSpPr>
             <p:cNvPr id="22" name="Freeform 15"/>
-            <p:cNvSpPr>
-              <a:spLocks/>
-            </p:cNvSpPr>
+            <p:cNvSpPr/>
             <p:nvPr/>
           </p:nvSpPr>
           <p:spPr bwMode="auto">
@@ -18437,7 +18287,7 @@
             <a:bodyPr anchor="ctr"/>
             <a:lstStyle/>
             <a:p>
-              <a:pPr algn="ctr" defTabSz="1218987" fontAlgn="auto">
+              <a:pPr algn="ctr" defTabSz="1218565" fontAlgn="auto">
                 <a:spcBef>
                   <a:spcPts val="0"/>
                 </a:spcBef>
@@ -18447,22 +18297,22 @@
                 <a:defRPr/>
               </a:pPr>
               <a:r>
-                <a:rPr lang="en-US" altLang="zh-CN" sz="4799" b="1" kern="0" dirty="0">
+                <a:rPr lang="en-US" altLang="zh-CN" sz="4800" b="1" kern="0" dirty="0">
                   <a:solidFill>
                     <a:prstClr val="white"/>
                   </a:solidFill>
                   <a:latin typeface="Calibri" panose="020F0502020204030204"/>
-                  <a:ea typeface="宋体"/>
+                  <a:ea typeface="宋体" panose="02010600030101010101" pitchFamily="2" charset="-122"/>
                   <a:cs typeface="Helvetica" panose="020B0604020202020204" pitchFamily="34" charset="0"/>
                 </a:rPr>
                 <a:t>01</a:t>
               </a:r>
-              <a:endParaRPr lang="zh-CN" altLang="en-US" sz="4799" b="1" kern="0" dirty="0">
+              <a:endParaRPr lang="zh-CN" altLang="en-US" sz="4800" b="1" kern="0" dirty="0">
                 <a:solidFill>
                   <a:prstClr val="white"/>
                 </a:solidFill>
                 <a:latin typeface="Calibri" panose="020F0502020204030204"/>
-                <a:ea typeface="宋体"/>
+                <a:ea typeface="宋体" panose="02010600030101010101" pitchFamily="2" charset="-122"/>
                 <a:cs typeface="Helvetica" panose="020B0604020202020204" pitchFamily="34" charset="0"/>
               </a:endParaRPr>
             </a:p>
@@ -18486,9 +18336,7 @@
         <p:sp>
           <p:nvSpPr>
             <p:cNvPr id="24" name="任意多边形 23"/>
-            <p:cNvSpPr>
-              <a:spLocks/>
-            </p:cNvSpPr>
+            <p:cNvSpPr/>
             <p:nvPr/>
           </p:nvSpPr>
           <p:spPr bwMode="auto">
@@ -18784,14 +18632,11 @@
           </p:spPr>
           <p:txBody>
             <a:bodyPr vert="horz" wrap="square" lIns="121903" tIns="60952" rIns="121903" bIns="60952" numCol="1" anchor="t" anchorCtr="0" compatLnSpc="1">
-              <a:prstTxWarp prst="textNoShape">
-                <a:avLst/>
-              </a:prstTxWarp>
               <a:noAutofit/>
             </a:bodyPr>
             <a:lstStyle/>
             <a:p>
-              <a:pPr defTabSz="1218987" fontAlgn="auto">
+              <a:pPr defTabSz="1218565" fontAlgn="auto">
                 <a:spcBef>
                   <a:spcPts val="0"/>
                 </a:spcBef>
@@ -18812,9 +18657,7 @@
         <p:sp>
           <p:nvSpPr>
             <p:cNvPr id="25" name="Freeform 15"/>
-            <p:cNvSpPr>
-              <a:spLocks/>
-            </p:cNvSpPr>
+            <p:cNvSpPr/>
             <p:nvPr/>
           </p:nvSpPr>
           <p:spPr bwMode="auto">
@@ -18984,7 +18827,7 @@
             <a:bodyPr anchor="ctr"/>
             <a:lstStyle/>
             <a:p>
-              <a:pPr algn="ctr" defTabSz="1218987" fontAlgn="auto">
+              <a:pPr algn="ctr" defTabSz="1218565" fontAlgn="auto">
                 <a:spcBef>
                   <a:spcPts val="0"/>
                 </a:spcBef>
@@ -18994,22 +18837,22 @@
                 <a:defRPr/>
               </a:pPr>
               <a:r>
-                <a:rPr lang="en-US" altLang="zh-CN" sz="4799" b="1" kern="0" dirty="0">
+                <a:rPr lang="en-US" altLang="zh-CN" sz="4800" b="1" kern="0" dirty="0">
                   <a:solidFill>
                     <a:prstClr val="white"/>
                   </a:solidFill>
                   <a:latin typeface="Calibri" panose="020F0502020204030204"/>
-                  <a:ea typeface="宋体"/>
+                  <a:ea typeface="宋体" panose="02010600030101010101" pitchFamily="2" charset="-122"/>
                   <a:cs typeface="Helvetica" panose="020B0604020202020204" pitchFamily="34" charset="0"/>
                 </a:rPr>
                 <a:t>03</a:t>
               </a:r>
-              <a:endParaRPr lang="zh-CN" altLang="en-US" sz="4799" b="1" kern="0" dirty="0">
+              <a:endParaRPr lang="zh-CN" altLang="en-US" sz="4800" b="1" kern="0" dirty="0">
                 <a:solidFill>
                   <a:prstClr val="white"/>
                 </a:solidFill>
                 <a:latin typeface="Calibri" panose="020F0502020204030204"/>
-                <a:ea typeface="宋体"/>
+                <a:ea typeface="宋体" panose="02010600030101010101" pitchFamily="2" charset="-122"/>
                 <a:cs typeface="Helvetica" panose="020B0604020202020204" pitchFamily="34" charset="0"/>
               </a:endParaRPr>
             </a:p>
@@ -19033,9 +18876,7 @@
         <p:sp>
           <p:nvSpPr>
             <p:cNvPr id="27" name="任意多边形 26"/>
-            <p:cNvSpPr>
-              <a:spLocks/>
-            </p:cNvSpPr>
+            <p:cNvSpPr/>
             <p:nvPr/>
           </p:nvSpPr>
           <p:spPr bwMode="auto">
@@ -19331,14 +19172,11 @@
           </p:spPr>
           <p:txBody>
             <a:bodyPr vert="horz" wrap="square" lIns="121903" tIns="60952" rIns="121903" bIns="60952" numCol="1" anchor="t" anchorCtr="0" compatLnSpc="1">
-              <a:prstTxWarp prst="textNoShape">
-                <a:avLst/>
-              </a:prstTxWarp>
               <a:noAutofit/>
             </a:bodyPr>
             <a:lstStyle/>
             <a:p>
-              <a:pPr defTabSz="1218987" fontAlgn="auto">
+              <a:pPr defTabSz="1218565" fontAlgn="auto">
                 <a:spcBef>
                   <a:spcPts val="0"/>
                 </a:spcBef>
@@ -19359,9 +19197,7 @@
         <p:sp>
           <p:nvSpPr>
             <p:cNvPr id="28" name="Freeform 15"/>
-            <p:cNvSpPr>
-              <a:spLocks/>
-            </p:cNvSpPr>
+            <p:cNvSpPr/>
             <p:nvPr/>
           </p:nvSpPr>
           <p:spPr bwMode="auto">
@@ -19531,7 +19367,7 @@
             <a:bodyPr anchor="ctr"/>
             <a:lstStyle/>
             <a:p>
-              <a:pPr algn="ctr" defTabSz="1218987" fontAlgn="auto">
+              <a:pPr algn="ctr" defTabSz="1218565" fontAlgn="auto">
                 <a:spcBef>
                   <a:spcPts val="0"/>
                 </a:spcBef>
@@ -19541,22 +19377,22 @@
                 <a:defRPr/>
               </a:pPr>
               <a:r>
-                <a:rPr lang="en-US" altLang="zh-CN" sz="4799" b="1" kern="0" dirty="0">
+                <a:rPr lang="en-US" altLang="zh-CN" sz="4800" b="1" kern="0" dirty="0">
                   <a:solidFill>
                     <a:prstClr val="white"/>
                   </a:solidFill>
                   <a:latin typeface="Calibri" panose="020F0502020204030204"/>
-                  <a:ea typeface="宋体"/>
+                  <a:ea typeface="宋体" panose="02010600030101010101" pitchFamily="2" charset="-122"/>
                   <a:cs typeface="Helvetica" panose="020B0604020202020204" pitchFamily="34" charset="0"/>
                 </a:rPr>
                 <a:t>02</a:t>
               </a:r>
-              <a:endParaRPr lang="zh-CN" altLang="en-US" sz="4799" b="1" kern="0" dirty="0">
+              <a:endParaRPr lang="zh-CN" altLang="en-US" sz="4800" b="1" kern="0" dirty="0">
                 <a:solidFill>
                   <a:prstClr val="white"/>
                 </a:solidFill>
                 <a:latin typeface="Calibri" panose="020F0502020204030204"/>
-                <a:ea typeface="宋体"/>
+                <a:ea typeface="宋体" panose="02010600030101010101" pitchFamily="2" charset="-122"/>
                 <a:cs typeface="Helvetica" panose="020B0604020202020204" pitchFamily="34" charset="0"/>
               </a:endParaRPr>
             </a:p>
@@ -19580,9 +19416,7 @@
         <p:sp>
           <p:nvSpPr>
             <p:cNvPr id="30" name="任意多边形 29"/>
-            <p:cNvSpPr>
-              <a:spLocks/>
-            </p:cNvSpPr>
+            <p:cNvSpPr/>
             <p:nvPr/>
           </p:nvSpPr>
           <p:spPr bwMode="auto">
@@ -19878,14 +19712,11 @@
           </p:spPr>
           <p:txBody>
             <a:bodyPr vert="horz" wrap="square" lIns="121903" tIns="60952" rIns="121903" bIns="60952" numCol="1" anchor="t" anchorCtr="0" compatLnSpc="1">
-              <a:prstTxWarp prst="textNoShape">
-                <a:avLst/>
-              </a:prstTxWarp>
               <a:noAutofit/>
             </a:bodyPr>
             <a:lstStyle/>
             <a:p>
-              <a:pPr defTabSz="1218987" fontAlgn="auto">
+              <a:pPr defTabSz="1218565" fontAlgn="auto">
                 <a:spcBef>
                   <a:spcPts val="0"/>
                 </a:spcBef>
@@ -19906,9 +19737,7 @@
         <p:sp>
           <p:nvSpPr>
             <p:cNvPr id="31" name="Freeform 15"/>
-            <p:cNvSpPr>
-              <a:spLocks/>
-            </p:cNvSpPr>
+            <p:cNvSpPr/>
             <p:nvPr/>
           </p:nvSpPr>
           <p:spPr bwMode="auto">
@@ -20078,7 +19907,7 @@
             <a:bodyPr anchor="ctr"/>
             <a:lstStyle/>
             <a:p>
-              <a:pPr algn="ctr" defTabSz="1218987" fontAlgn="auto">
+              <a:pPr algn="ctr" defTabSz="1218565" fontAlgn="auto">
                 <a:spcBef>
                   <a:spcPts val="0"/>
                 </a:spcBef>
@@ -20088,22 +19917,22 @@
                 <a:defRPr/>
               </a:pPr>
               <a:r>
-                <a:rPr lang="en-US" altLang="zh-CN" sz="4799" b="1" kern="0" dirty="0">
+                <a:rPr lang="en-US" altLang="zh-CN" sz="4800" b="1" kern="0" dirty="0">
                   <a:solidFill>
                     <a:prstClr val="white"/>
                   </a:solidFill>
                   <a:latin typeface="Calibri" panose="020F0502020204030204"/>
-                  <a:ea typeface="宋体"/>
+                  <a:ea typeface="宋体" panose="02010600030101010101" pitchFamily="2" charset="-122"/>
                   <a:cs typeface="Helvetica" panose="020B0604020202020204" pitchFamily="34" charset="0"/>
                 </a:rPr>
                 <a:t>04</a:t>
               </a:r>
-              <a:endParaRPr lang="zh-CN" altLang="en-US" sz="4799" b="1" kern="0" dirty="0">
+              <a:endParaRPr lang="zh-CN" altLang="en-US" sz="4800" b="1" kern="0" dirty="0">
                 <a:solidFill>
                   <a:prstClr val="white"/>
                 </a:solidFill>
                 <a:latin typeface="Calibri" panose="020F0502020204030204"/>
-                <a:ea typeface="宋体"/>
+                <a:ea typeface="宋体" panose="02010600030101010101" pitchFamily="2" charset="-122"/>
                 <a:cs typeface="Helvetica" panose="020B0604020202020204" pitchFamily="34" charset="0"/>
               </a:endParaRPr>
             </a:p>
@@ -20411,7 +20240,7 @@
           <a:bodyPr rtlCol="0" anchor="ctr"/>
           <a:lstStyle/>
           <a:p>
-            <a:pPr algn="ctr" defTabSz="1218987" fontAlgn="auto">
+            <a:pPr algn="ctr" defTabSz="1218565" fontAlgn="auto">
               <a:spcBef>
                 <a:spcPts val="0"/>
               </a:spcBef>
@@ -20425,7 +20254,7 @@
                 <a:prstClr val="white"/>
               </a:solidFill>
               <a:latin typeface="Calibri" panose="020F0502020204030204"/>
-              <a:ea typeface="宋体"/>
+              <a:ea typeface="宋体" panose="02010600030101010101" pitchFamily="2" charset="-122"/>
             </a:endParaRPr>
           </a:p>
         </p:txBody>
@@ -20494,7 +20323,7 @@
           <a:bodyPr rtlCol="0" anchor="ctr"/>
           <a:lstStyle/>
           <a:p>
-            <a:pPr algn="ctr" defTabSz="1218987" fontAlgn="auto">
+            <a:pPr algn="ctr" defTabSz="1218565" fontAlgn="auto">
               <a:spcBef>
                 <a:spcPts val="0"/>
               </a:spcBef>
@@ -20508,17 +20337,12 @@
                 <a:prstClr val="white"/>
               </a:solidFill>
               <a:latin typeface="Calibri" panose="020F0502020204030204"/>
-              <a:ea typeface="宋体"/>
+              <a:ea typeface="宋体" panose="02010600030101010101" pitchFamily="2" charset="-122"/>
             </a:endParaRPr>
           </a:p>
         </p:txBody>
       </p:sp>
     </p:spTree>
-    <p:extLst>
-      <p:ext uri="{BB962C8B-B14F-4D97-AF65-F5344CB8AC3E}">
-        <p14:creationId xmlns:p14="http://schemas.microsoft.com/office/powerpoint/2010/main" val="689792522"/>
-      </p:ext>
-    </p:extLst>
   </p:cSld>
   <p:clrMapOvr>
     <a:masterClrMapping/>
@@ -21095,7 +20919,7 @@
           <p:nvPr/>
         </p:nvPicPr>
         <p:blipFill>
-          <a:blip r:embed="rId2"/>
+          <a:blip r:embed="rId1"/>
           <a:stretch>
             <a:fillRect/>
           </a:stretch>
@@ -21111,11 +20935,6 @@
         </p:spPr>
       </p:pic>
     </p:spTree>
-    <p:extLst>
-      <p:ext uri="{BB962C8B-B14F-4D97-AF65-F5344CB8AC3E}">
-        <p14:creationId xmlns:p14="http://schemas.microsoft.com/office/powerpoint/2010/main" val="3060155892"/>
-      </p:ext>
-    </p:extLst>
   </p:cSld>
   <p:clrMapOvr>
     <a:masterClrMapping/>
@@ -21156,15 +20975,11 @@
           <p:nvPr/>
         </p:nvPicPr>
         <p:blipFill rotWithShape="1">
-          <a:blip r:embed="rId2" cstate="screen">
-            <a:extLst>
-              <a:ext uri="{28A0092B-C50C-407E-A947-70E740481C1C}">
-                <a14:useLocalDpi xmlns:a14="http://schemas.microsoft.com/office/drawing/2010/main"/>
-              </a:ext>
-            </a:extLst>
-          </a:blip>
+          <a:blip r:embed="rId1" cstate="screen"/>
           <a:srcRect/>
-          <a:stretch/>
+          <a:stretch>
+            <a:fillRect/>
+          </a:stretch>
         </p:blipFill>
         <p:spPr>
           <a:xfrm>
@@ -21206,7 +21021,7 @@
               </a:spcAft>
             </a:pPr>
             <a:r>
-              <a:rPr lang="en-US" altLang="zh-CN" sz="8798" spc="-200" dirty="0">
+              <a:rPr lang="en-US" altLang="zh-CN" sz="8800" spc="-200" dirty="0">
                 <a:solidFill>
                   <a:srgbClr val="C99115"/>
                 </a:solidFill>
@@ -21216,7 +21031,7 @@
               </a:rPr>
               <a:t>02</a:t>
             </a:r>
-            <a:endParaRPr lang="zh-CN" altLang="en-US" sz="8798" dirty="0">
+            <a:endParaRPr lang="zh-CN" altLang="en-US" sz="8800" dirty="0">
               <a:solidFill>
                 <a:srgbClr val="C99115"/>
               </a:solidFill>
@@ -21263,7 +21078,7 @@
               </a:spcAft>
             </a:pPr>
             <a:r>
-              <a:rPr lang="zh-CN" altLang="en-US" sz="5866" spc="-200" dirty="0" smtClean="0">
+              <a:rPr lang="zh-CN" altLang="en-US" sz="5865" spc="-200" dirty="0" smtClean="0">
                 <a:gradFill>
                   <a:gsLst>
                     <a:gs pos="0">
@@ -21281,7 +21096,7 @@
               </a:rPr>
               <a:t>数据库设计</a:t>
             </a:r>
-            <a:endParaRPr lang="zh-CN" altLang="en-US" sz="5866" spc="-200" dirty="0">
+            <a:endParaRPr lang="zh-CN" altLang="en-US" sz="5865" spc="-200" dirty="0">
               <a:gradFill>
                 <a:gsLst>
                   <a:gs pos="0">
@@ -21301,11 +21116,6 @@
         </p:txBody>
       </p:sp>
     </p:spTree>
-    <p:extLst>
-      <p:ext uri="{BB962C8B-B14F-4D97-AF65-F5344CB8AC3E}">
-        <p14:creationId xmlns:p14="http://schemas.microsoft.com/office/powerpoint/2010/main" val="2671877229"/>
-      </p:ext>
-    </p:extLst>
   </p:cSld>
   <p:clrMapOvr>
     <a:masterClrMapping/>
@@ -21636,7 +21446,7 @@
           <p:nvPr/>
         </p:nvPicPr>
         <p:blipFill rotWithShape="1">
-          <a:blip r:embed="rId2">
+          <a:blip r:embed="rId1">
             <a:extLst>
               <a:ext uri="{28A0092B-C50C-407E-A947-70E740481C1C}">
                 <a14:useLocalDpi xmlns:a14="http://schemas.microsoft.com/office/drawing/2010/main" val="0"/>
@@ -21644,7 +21454,9 @@
             </a:extLst>
           </a:blip>
           <a:srcRect r="25164" b="35505"/>
-          <a:stretch/>
+          <a:stretch>
+            <a:fillRect/>
+          </a:stretch>
         </p:blipFill>
         <p:spPr>
           <a:xfrm>
@@ -21719,11 +21531,6 @@
         </p:txBody>
       </p:sp>
     </p:spTree>
-    <p:extLst>
-      <p:ext uri="{BB962C8B-B14F-4D97-AF65-F5344CB8AC3E}">
-        <p14:creationId xmlns:p14="http://schemas.microsoft.com/office/powerpoint/2010/main" val="3915923333"/>
-      </p:ext>
-    </p:extLst>
   </p:cSld>
   <p:clrMapOvr>
     <a:masterClrMapping/>
@@ -21818,7 +21625,7 @@
           <p:nvPr/>
         </p:nvPicPr>
         <p:blipFill>
-          <a:blip r:embed="rId2">
+          <a:blip r:embed="rId1">
             <a:extLst>
               <a:ext uri="{28A0092B-C50C-407E-A947-70E740481C1C}">
                 <a14:useLocalDpi xmlns:a14="http://schemas.microsoft.com/office/drawing/2010/main" val="0"/>
@@ -21840,11 +21647,6 @@
         </p:spPr>
       </p:pic>
     </p:spTree>
-    <p:extLst>
-      <p:ext uri="{BB962C8B-B14F-4D97-AF65-F5344CB8AC3E}">
-        <p14:creationId xmlns:p14="http://schemas.microsoft.com/office/powerpoint/2010/main" val="4016868499"/>
-      </p:ext>
-    </p:extLst>
   </p:cSld>
   <p:clrMapOvr>
     <a:masterClrMapping/>
@@ -22148,7 +21950,6 @@
             </a:schemeClr>
           </a:solidFill>
         </a:ln>
-        <a:effectLst/>
         <a:scene3d>
           <a:camera prst="orthographicFront"/>
           <a:lightRig rig="flat" dir="t"/>
@@ -22179,8 +21980,8 @@
             <a:tab pos="136525" algn="l"/>
           </a:tabLst>
           <a:defRPr sz="1400">
-            <a:latin typeface="微软雅黑" pitchFamily="34" charset="-122"/>
-            <a:ea typeface="微软雅黑" pitchFamily="34" charset="-122"/>
+            <a:latin typeface="微软雅黑" panose="020B0503020204020204" pitchFamily="34" charset="-122"/>
+            <a:ea typeface="微软雅黑" panose="020B0503020204020204" pitchFamily="34" charset="-122"/>
           </a:defRPr>
         </a:defPPr>
       </a:lstStyle>
@@ -22200,7 +22001,11 @@
       </a:style>
     </a:spDef>
   </a:objectDefaults>
-  <a:extraClrSchemeLst/>
+  <a:extLst>
+    <a:ext uri="{05A4C25C-085E-4340-85A3-A5531E510DB2}">
+      <thm15:themeFamily xmlns:thm15="http://schemas.microsoft.com/office/thememl/2012/main" name="Office Theme" id="{62F939B6-93AF-4DB8-9C6B-D6C7DFDC589F}" vid="{4A3C46E8-61CC-4603-A589-7422A47A8E4A}"/>
+    </a:ext>
+  </a:extLst>
 </a:theme>
 </file>
 
@@ -22482,8 +22287,11 @@
       </a:bgFillStyleLst>
     </a:fmtScheme>
   </a:themeElements>
-  <a:objectDefaults/>
-  <a:extraClrSchemeLst/>
+  <a:extLst>
+    <a:ext uri="{05A4C25C-085E-4340-85A3-A5531E510DB2}">
+      <thm15:themeFamily xmlns:thm15="http://schemas.microsoft.com/office/thememl/2012/main" name="Office Theme" id="{62F939B6-93AF-4DB8-9C6B-D6C7DFDC589F}" vid="{4A3C46E8-61CC-4603-A589-7422A47A8E4A}"/>
+    </a:ext>
+  </a:extLst>
 </a:theme>
 </file>
 
@@ -22765,7 +22573,10 @@
       </a:bgFillStyleLst>
     </a:fmtScheme>
   </a:themeElements>
-  <a:objectDefaults/>
-  <a:extraClrSchemeLst/>
+  <a:extLst>
+    <a:ext uri="{05A4C25C-085E-4340-85A3-A5531E510DB2}">
+      <thm15:themeFamily xmlns:thm15="http://schemas.microsoft.com/office/thememl/2012/main" name="Office Theme" id="{62F939B6-93AF-4DB8-9C6B-D6C7DFDC589F}" vid="{4A3C46E8-61CC-4603-A589-7422A47A8E4A}"/>
+    </a:ext>
+  </a:extLst>
 </a:theme>
 </file>